--- a/Presentation 2.pptx
+++ b/Presentation 2.pptx
@@ -110,6 +110,11 @@
       </a:defRPr>
     </a:lvl9pPr>
   </p:defaultTextStyle>
+  <p:extLst>
+    <p:ext uri="{EFAFB233-063F-42B5-8137-9DF3F51BA10A}">
+      <p15:sldGuideLst xmlns:p15="http://schemas.microsoft.com/office/powerpoint/2012/main"/>
+    </p:ext>
+  </p:extLst>
 </p:presentation>
 </file>
 
@@ -117,11 +122,26 @@
 <pc:chgInfo xmlns:a="http://schemas.openxmlformats.org/drawingml/2006/main" xmlns:r="http://schemas.openxmlformats.org/officeDocument/2006/relationships" xmlns:ac="http://schemas.microsoft.com/office/drawing/2013/main/command" xmlns:pc="http://schemas.microsoft.com/office/powerpoint/2013/main/command">
   <pc:docChgLst>
     <pc:chgData name="Daniel Buescher" userId="be4f4dfaf1c4f0c1" providerId="LiveId" clId="{95EEA666-69A3-4711-8A24-78F8FF8B7B8F}"/>
-    <pc:docChg chg="undo custSel modSld">
-      <pc:chgData name="Daniel Buescher" userId="be4f4dfaf1c4f0c1" providerId="LiveId" clId="{95EEA666-69A3-4711-8A24-78F8FF8B7B8F}" dt="2021-05-15T18:04:56.550" v="359" actId="20577"/>
+    <pc:docChg chg="undo redo custSel modSld">
+      <pc:chgData name="Daniel Buescher" userId="be4f4dfaf1c4f0c1" providerId="LiveId" clId="{95EEA666-69A3-4711-8A24-78F8FF8B7B8F}" dt="2021-05-15T18:17:54.236" v="783" actId="20577"/>
       <pc:docMkLst>
         <pc:docMk/>
       </pc:docMkLst>
+      <pc:sldChg chg="modSp mod">
+        <pc:chgData name="Daniel Buescher" userId="be4f4dfaf1c4f0c1" providerId="LiveId" clId="{95EEA666-69A3-4711-8A24-78F8FF8B7B8F}" dt="2021-05-15T18:16:49.347" v="554"/>
+        <pc:sldMkLst>
+          <pc:docMk/>
+          <pc:sldMk cId="458590539" sldId="256"/>
+        </pc:sldMkLst>
+        <pc:spChg chg="mod">
+          <ac:chgData name="Daniel Buescher" userId="be4f4dfaf1c4f0c1" providerId="LiveId" clId="{95EEA666-69A3-4711-8A24-78F8FF8B7B8F}" dt="2021-05-15T18:16:49.347" v="554"/>
+          <ac:spMkLst>
+            <pc:docMk/>
+            <pc:sldMk cId="458590539" sldId="256"/>
+            <ac:spMk id="2" creationId="{FF0CFCAB-121E-4B04-85C1-8D344B65BA33}"/>
+          </ac:spMkLst>
+        </pc:spChg>
+      </pc:sldChg>
       <pc:sldChg chg="addSp delSp modSp mod">
         <pc:chgData name="Daniel Buescher" userId="be4f4dfaf1c4f0c1" providerId="LiveId" clId="{95EEA666-69A3-4711-8A24-78F8FF8B7B8F}" dt="2021-05-15T18:04:28.575" v="322" actId="20577"/>
         <pc:sldMkLst>
@@ -154,7 +174,7 @@
         </pc:picChg>
       </pc:sldChg>
       <pc:sldChg chg="modSp mod">
-        <pc:chgData name="Daniel Buescher" userId="be4f4dfaf1c4f0c1" providerId="LiveId" clId="{95EEA666-69A3-4711-8A24-78F8FF8B7B8F}" dt="2021-05-15T18:04:56.550" v="359" actId="20577"/>
+        <pc:chgData name="Daniel Buescher" userId="be4f4dfaf1c4f0c1" providerId="LiveId" clId="{95EEA666-69A3-4711-8A24-78F8FF8B7B8F}" dt="2021-05-15T18:17:54.236" v="783" actId="20577"/>
         <pc:sldMkLst>
           <pc:docMk/>
           <pc:sldMk cId="37169486" sldId="260"/>
@@ -165,6 +185,14 @@
             <pc:docMk/>
             <pc:sldMk cId="37169486" sldId="260"/>
             <ac:spMk id="2" creationId="{02A61E0E-092E-481F-8A70-1A1A1EFB372F}"/>
+          </ac:spMkLst>
+        </pc:spChg>
+        <pc:spChg chg="mod">
+          <ac:chgData name="Daniel Buescher" userId="be4f4dfaf1c4f0c1" providerId="LiveId" clId="{95EEA666-69A3-4711-8A24-78F8FF8B7B8F}" dt="2021-05-15T18:17:54.236" v="783" actId="20577"/>
+          <ac:spMkLst>
+            <pc:docMk/>
+            <pc:sldMk cId="37169486" sldId="260"/>
+            <ac:spMk id="3" creationId="{8441EDFC-EC21-4D54-9BD6-590B5906B47D}"/>
           </ac:spMkLst>
         </pc:spChg>
       </pc:sldChg>
@@ -5830,7 +5858,7 @@
             <a:pPr algn="ctr"/>
             <a:r>
               <a:rPr lang="en-US" dirty="0"/>
-              <a:t>Pokemon : Gen 1</a:t>
+              <a:t>Pokémon : Gen 1</a:t>
             </a:r>
             <a:br>
               <a:rPr lang="en-US" dirty="0"/>
@@ -6354,7 +6382,36 @@
           <a:bodyPr/>
           <a:lstStyle/>
           <a:p>
-            <a:endParaRPr lang="en-US"/>
+            <a:r>
+              <a:rPr lang="en-US" dirty="0"/>
+              <a:t>We wanted to have graphic representation of the different stats and incorporate some interaction with updates based on the selected Pokémon type.</a:t>
+            </a:r>
+          </a:p>
+          <a:p>
+            <a:endParaRPr lang="en-US" dirty="0"/>
+          </a:p>
+          <a:p>
+            <a:r>
+              <a:rPr lang="en-US" dirty="0"/>
+              <a:t>We broke the data down into the types so it was more visually appealing and easier to digest. </a:t>
+            </a:r>
+          </a:p>
+          <a:p>
+            <a:endParaRPr lang="en-US" dirty="0"/>
+          </a:p>
+          <a:p>
+            <a:r>
+              <a:rPr lang="en-US" dirty="0"/>
+              <a:t>We used a </a:t>
+            </a:r>
+            <a:r>
+              <a:rPr lang="en-US" dirty="0" err="1"/>
+              <a:t>Javascript</a:t>
+            </a:r>
+            <a:r>
+              <a:rPr lang="en-US" dirty="0"/>
+              <a:t> library not covered in class – this allowed us to do- </a:t>
+            </a:r>
           </a:p>
         </p:txBody>
       </p:sp>

--- a/Presentation 2.pptx
+++ b/Presentation 2.pptx
@@ -118,17 +118,25 @@
 </p:presentation>
 </file>
 
+<file path=ppt/revisionInfo.xml><?xml version="1.0" encoding="utf-8"?>
+<p1510:revInfo xmlns:a="http://schemas.openxmlformats.org/drawingml/2006/main" xmlns:r="http://schemas.openxmlformats.org/officeDocument/2006/relationships" xmlns:p1510="http://schemas.microsoft.com/office/powerpoint/2015/10/main">
+  <p1510:revLst>
+    <p1510:client id="{95EEA666-69A3-4711-8A24-78F8FF8B7B8F}" v="12" dt="2021-05-21T01:52:39.886"/>
+  </p1510:revLst>
+</p1510:revInfo>
+</file>
+
 <file path=ppt/changesInfos/changesInfo1.xml><?xml version="1.0" encoding="utf-8"?>
 <pc:chgInfo xmlns:a="http://schemas.openxmlformats.org/drawingml/2006/main" xmlns:r="http://schemas.openxmlformats.org/officeDocument/2006/relationships" xmlns:ac="http://schemas.microsoft.com/office/drawing/2013/main/command" xmlns:pc="http://schemas.microsoft.com/office/powerpoint/2013/main/command">
   <pc:docChgLst>
     <pc:chgData name="Daniel Buescher" userId="be4f4dfaf1c4f0c1" providerId="LiveId" clId="{95EEA666-69A3-4711-8A24-78F8FF8B7B8F}"/>
     <pc:docChg chg="undo redo custSel modSld">
-      <pc:chgData name="Daniel Buescher" userId="be4f4dfaf1c4f0c1" providerId="LiveId" clId="{95EEA666-69A3-4711-8A24-78F8FF8B7B8F}" dt="2021-05-15T18:17:54.236" v="783" actId="20577"/>
+      <pc:chgData name="Daniel Buescher" userId="be4f4dfaf1c4f0c1" providerId="LiveId" clId="{95EEA666-69A3-4711-8A24-78F8FF8B7B8F}" dt="2021-05-21T01:52:39.886" v="1906"/>
       <pc:docMkLst>
         <pc:docMk/>
       </pc:docMkLst>
-      <pc:sldChg chg="modSp mod">
-        <pc:chgData name="Daniel Buescher" userId="be4f4dfaf1c4f0c1" providerId="LiveId" clId="{95EEA666-69A3-4711-8A24-78F8FF8B7B8F}" dt="2021-05-15T18:16:49.347" v="554"/>
+      <pc:sldChg chg="modSp mod modTransition">
+        <pc:chgData name="Daniel Buescher" userId="be4f4dfaf1c4f0c1" providerId="LiveId" clId="{95EEA666-69A3-4711-8A24-78F8FF8B7B8F}" dt="2021-05-21T01:52:26.909" v="1902"/>
         <pc:sldMkLst>
           <pc:docMk/>
           <pc:sldMk cId="458590539" sldId="256"/>
@@ -142,14 +150,45 @@
           </ac:spMkLst>
         </pc:spChg>
       </pc:sldChg>
-      <pc:sldChg chg="addSp delSp modSp mod">
-        <pc:chgData name="Daniel Buescher" userId="be4f4dfaf1c4f0c1" providerId="LiveId" clId="{95EEA666-69A3-4711-8A24-78F8FF8B7B8F}" dt="2021-05-15T18:04:28.575" v="322" actId="20577"/>
+      <pc:sldChg chg="modSp mod modTransition">
+        <pc:chgData name="Daniel Buescher" userId="be4f4dfaf1c4f0c1" providerId="LiveId" clId="{95EEA666-69A3-4711-8A24-78F8FF8B7B8F}" dt="2021-05-21T01:52:39.886" v="1906"/>
+        <pc:sldMkLst>
+          <pc:docMk/>
+          <pc:sldMk cId="3194138466" sldId="257"/>
+        </pc:sldMkLst>
+        <pc:spChg chg="mod">
+          <ac:chgData name="Daniel Buescher" userId="be4f4dfaf1c4f0c1" providerId="LiveId" clId="{95EEA666-69A3-4711-8A24-78F8FF8B7B8F}" dt="2021-05-19T00:29:01.142" v="1861" actId="1076"/>
+          <ac:spMkLst>
+            <pc:docMk/>
+            <pc:sldMk cId="3194138466" sldId="257"/>
+            <ac:spMk id="2" creationId="{C1C6327B-85E9-4B74-993C-59C5BDF671EA}"/>
+          </ac:spMkLst>
+        </pc:spChg>
+        <pc:spChg chg="mod">
+          <ac:chgData name="Daniel Buescher" userId="be4f4dfaf1c4f0c1" providerId="LiveId" clId="{95EEA666-69A3-4711-8A24-78F8FF8B7B8F}" dt="2021-05-19T00:28:57.702" v="1860" actId="1076"/>
+          <ac:spMkLst>
+            <pc:docMk/>
+            <pc:sldMk cId="3194138466" sldId="257"/>
+            <ac:spMk id="6" creationId="{22F092E9-1209-4EF0-A891-EE569B9229D5}"/>
+          </ac:spMkLst>
+        </pc:spChg>
+        <pc:picChg chg="mod">
+          <ac:chgData name="Daniel Buescher" userId="be4f4dfaf1c4f0c1" providerId="LiveId" clId="{95EEA666-69A3-4711-8A24-78F8FF8B7B8F}" dt="2021-05-19T00:24:47.635" v="1858" actId="1076"/>
+          <ac:picMkLst>
+            <pc:docMk/>
+            <pc:sldMk cId="3194138466" sldId="257"/>
+            <ac:picMk id="5" creationId="{3E5E3933-35E0-4F6B-A4FE-E3A90D90A12B}"/>
+          </ac:picMkLst>
+        </pc:picChg>
+      </pc:sldChg>
+      <pc:sldChg chg="addSp delSp modSp mod modTransition">
+        <pc:chgData name="Daniel Buescher" userId="be4f4dfaf1c4f0c1" providerId="LiveId" clId="{95EEA666-69A3-4711-8A24-78F8FF8B7B8F}" dt="2021-05-21T01:52:32.815" v="1904"/>
         <pc:sldMkLst>
           <pc:docMk/>
           <pc:sldMk cId="3319003307" sldId="258"/>
         </pc:sldMkLst>
         <pc:spChg chg="mod">
-          <ac:chgData name="Daniel Buescher" userId="be4f4dfaf1c4f0c1" providerId="LiveId" clId="{95EEA666-69A3-4711-8A24-78F8FF8B7B8F}" dt="2021-05-15T18:00:33.294" v="96" actId="14100"/>
+          <ac:chgData name="Daniel Buescher" userId="be4f4dfaf1c4f0c1" providerId="LiveId" clId="{95EEA666-69A3-4711-8A24-78F8FF8B7B8F}" dt="2021-05-19T00:16:47.393" v="860" actId="1076"/>
           <ac:spMkLst>
             <pc:docMk/>
             <pc:sldMk cId="3319003307" sldId="258"/>
@@ -157,7 +196,7 @@
           </ac:spMkLst>
         </pc:spChg>
         <pc:spChg chg="mod">
-          <ac:chgData name="Daniel Buescher" userId="be4f4dfaf1c4f0c1" providerId="LiveId" clId="{95EEA666-69A3-4711-8A24-78F8FF8B7B8F}" dt="2021-05-15T18:04:28.575" v="322" actId="20577"/>
+          <ac:chgData name="Daniel Buescher" userId="be4f4dfaf1c4f0c1" providerId="LiveId" clId="{95EEA666-69A3-4711-8A24-78F8FF8B7B8F}" dt="2021-05-19T00:24:37.912" v="1856" actId="20577"/>
           <ac:spMkLst>
             <pc:docMk/>
             <pc:sldMk cId="3319003307" sldId="258"/>
@@ -173,14 +212,37 @@
           </ac:picMkLst>
         </pc:picChg>
       </pc:sldChg>
-      <pc:sldChg chg="modSp mod">
-        <pc:chgData name="Daniel Buescher" userId="be4f4dfaf1c4f0c1" providerId="LiveId" clId="{95EEA666-69A3-4711-8A24-78F8FF8B7B8F}" dt="2021-05-15T18:17:54.236" v="783" actId="20577"/>
+      <pc:sldChg chg="modSp mod modTransition">
+        <pc:chgData name="Daniel Buescher" userId="be4f4dfaf1c4f0c1" providerId="LiveId" clId="{95EEA666-69A3-4711-8A24-78F8FF8B7B8F}" dt="2021-05-21T01:49:09.321" v="1899" actId="313"/>
+        <pc:sldMkLst>
+          <pc:docMk/>
+          <pc:sldMk cId="2794696610" sldId="259"/>
+        </pc:sldMkLst>
+        <pc:spChg chg="mod">
+          <ac:chgData name="Daniel Buescher" userId="be4f4dfaf1c4f0c1" providerId="LiveId" clId="{95EEA666-69A3-4711-8A24-78F8FF8B7B8F}" dt="2021-05-21T01:49:09.321" v="1899" actId="313"/>
+          <ac:spMkLst>
+            <pc:docMk/>
+            <pc:sldMk cId="2794696610" sldId="259"/>
+            <ac:spMk id="2" creationId="{CE1D6688-B20B-4C52-BA61-6976BF236D8D}"/>
+          </ac:spMkLst>
+        </pc:spChg>
+        <pc:spChg chg="mod">
+          <ac:chgData name="Daniel Buescher" userId="be4f4dfaf1c4f0c1" providerId="LiveId" clId="{95EEA666-69A3-4711-8A24-78F8FF8B7B8F}" dt="2021-05-20T23:57:48.702" v="1867" actId="5793"/>
+          <ac:spMkLst>
+            <pc:docMk/>
+            <pc:sldMk cId="2794696610" sldId="259"/>
+            <ac:spMk id="3" creationId="{127EA3C2-E5D9-4D4C-B5F7-91809A55AE19}"/>
+          </ac:spMkLst>
+        </pc:spChg>
+      </pc:sldChg>
+      <pc:sldChg chg="modSp mod modTransition">
+        <pc:chgData name="Daniel Buescher" userId="be4f4dfaf1c4f0c1" providerId="LiveId" clId="{95EEA666-69A3-4711-8A24-78F8FF8B7B8F}" dt="2021-05-21T01:48:33.550" v="1898"/>
         <pc:sldMkLst>
           <pc:docMk/>
           <pc:sldMk cId="37169486" sldId="260"/>
         </pc:sldMkLst>
         <pc:spChg chg="mod">
-          <ac:chgData name="Daniel Buescher" userId="be4f4dfaf1c4f0c1" providerId="LiveId" clId="{95EEA666-69A3-4711-8A24-78F8FF8B7B8F}" dt="2021-05-15T18:04:56.550" v="359" actId="20577"/>
+          <ac:chgData name="Daniel Buescher" userId="be4f4dfaf1c4f0c1" providerId="LiveId" clId="{95EEA666-69A3-4711-8A24-78F8FF8B7B8F}" dt="2021-05-20T23:58:08.395" v="1893" actId="20577"/>
           <ac:spMkLst>
             <pc:docMk/>
             <pc:sldMk cId="37169486" sldId="260"/>
@@ -371,7 +433,7 @@
           <a:p>
             <a:fld id="{76BA69CB-1466-4EED-AE5E-F8C63754211A}" type="datetimeFigureOut">
               <a:rPr lang="en-US" smtClean="0"/>
-              <a:t>5/15/2021</a:t>
+              <a:t>5/20/2021</a:t>
             </a:fld>
             <a:endParaRPr lang="en-US"/>
           </a:p>
@@ -638,7 +700,7 @@
           <a:p>
             <a:fld id="{76BA69CB-1466-4EED-AE5E-F8C63754211A}" type="datetimeFigureOut">
               <a:rPr lang="en-US" smtClean="0"/>
-              <a:t>5/15/2021</a:t>
+              <a:t>5/20/2021</a:t>
             </a:fld>
             <a:endParaRPr lang="en-US"/>
           </a:p>
@@ -869,7 +931,7 @@
           <a:p>
             <a:fld id="{76BA69CB-1466-4EED-AE5E-F8C63754211A}" type="datetimeFigureOut">
               <a:rPr lang="en-US" smtClean="0"/>
-              <a:t>5/15/2021</a:t>
+              <a:t>5/20/2021</a:t>
             </a:fld>
             <a:endParaRPr lang="en-US"/>
           </a:p>
@@ -1179,7 +1241,7 @@
           <a:p>
             <a:fld id="{76BA69CB-1466-4EED-AE5E-F8C63754211A}" type="datetimeFigureOut">
               <a:rPr lang="en-US" smtClean="0"/>
-              <a:t>5/15/2021</a:t>
+              <a:t>5/20/2021</a:t>
             </a:fld>
             <a:endParaRPr lang="en-US"/>
           </a:p>
@@ -1652,7 +1714,7 @@
           <a:p>
             <a:fld id="{76BA69CB-1466-4EED-AE5E-F8C63754211A}" type="datetimeFigureOut">
               <a:rPr lang="en-US" smtClean="0"/>
-              <a:t>5/15/2021</a:t>
+              <a:t>5/20/2021</a:t>
             </a:fld>
             <a:endParaRPr lang="en-US"/>
           </a:p>
@@ -2199,7 +2261,7 @@
           <a:p>
             <a:fld id="{76BA69CB-1466-4EED-AE5E-F8C63754211A}" type="datetimeFigureOut">
               <a:rPr lang="en-US" smtClean="0"/>
-              <a:t>5/15/2021</a:t>
+              <a:t>5/20/2021</a:t>
             </a:fld>
             <a:endParaRPr lang="en-US"/>
           </a:p>
@@ -2973,7 +3035,7 @@
           <a:p>
             <a:fld id="{76BA69CB-1466-4EED-AE5E-F8C63754211A}" type="datetimeFigureOut">
               <a:rPr lang="en-US" smtClean="0"/>
-              <a:t>5/15/2021</a:t>
+              <a:t>5/20/2021</a:t>
             </a:fld>
             <a:endParaRPr lang="en-US"/>
           </a:p>
@@ -3148,7 +3210,7 @@
           <a:p>
             <a:fld id="{76BA69CB-1466-4EED-AE5E-F8C63754211A}" type="datetimeFigureOut">
               <a:rPr lang="en-US" smtClean="0"/>
-              <a:t>5/15/2021</a:t>
+              <a:t>5/20/2021</a:t>
             </a:fld>
             <a:endParaRPr lang="en-US"/>
           </a:p>
@@ -3371,7 +3433,7 @@
           <a:p>
             <a:fld id="{76BA69CB-1466-4EED-AE5E-F8C63754211A}" type="datetimeFigureOut">
               <a:rPr lang="en-US" smtClean="0"/>
-              <a:t>5/15/2021</a:t>
+              <a:t>5/20/2021</a:t>
             </a:fld>
             <a:endParaRPr lang="en-US"/>
           </a:p>
@@ -3551,7 +3613,7 @@
           <a:p>
             <a:fld id="{76BA69CB-1466-4EED-AE5E-F8C63754211A}" type="datetimeFigureOut">
               <a:rPr lang="en-US" smtClean="0"/>
-              <a:t>5/15/2021</a:t>
+              <a:t>5/20/2021</a:t>
             </a:fld>
             <a:endParaRPr lang="en-US"/>
           </a:p>
@@ -3840,7 +3902,7 @@
           <a:p>
             <a:fld id="{76BA69CB-1466-4EED-AE5E-F8C63754211A}" type="datetimeFigureOut">
               <a:rPr lang="en-US" smtClean="0"/>
-              <a:t>5/15/2021</a:t>
+              <a:t>5/20/2021</a:t>
             </a:fld>
             <a:endParaRPr lang="en-US"/>
           </a:p>
@@ -4082,7 +4144,7 @@
           <a:p>
             <a:fld id="{76BA69CB-1466-4EED-AE5E-F8C63754211A}" type="datetimeFigureOut">
               <a:rPr lang="en-US" smtClean="0"/>
-              <a:t>5/15/2021</a:t>
+              <a:t>5/20/2021</a:t>
             </a:fld>
             <a:endParaRPr lang="en-US"/>
           </a:p>
@@ -4461,7 +4523,7 @@
           <a:p>
             <a:fld id="{76BA69CB-1466-4EED-AE5E-F8C63754211A}" type="datetimeFigureOut">
               <a:rPr lang="en-US" smtClean="0"/>
-              <a:t>5/15/2021</a:t>
+              <a:t>5/20/2021</a:t>
             </a:fld>
             <a:endParaRPr lang="en-US"/>
           </a:p>
@@ -4579,7 +4641,7 @@
           <a:p>
             <a:fld id="{76BA69CB-1466-4EED-AE5E-F8C63754211A}" type="datetimeFigureOut">
               <a:rPr lang="en-US" smtClean="0"/>
-              <a:t>5/15/2021</a:t>
+              <a:t>5/20/2021</a:t>
             </a:fld>
             <a:endParaRPr lang="en-US"/>
           </a:p>
@@ -4674,7 +4736,7 @@
           <a:p>
             <a:fld id="{76BA69CB-1466-4EED-AE5E-F8C63754211A}" type="datetimeFigureOut">
               <a:rPr lang="en-US" smtClean="0"/>
-              <a:t>5/15/2021</a:t>
+              <a:t>5/20/2021</a:t>
             </a:fld>
             <a:endParaRPr lang="en-US"/>
           </a:p>
@@ -4923,7 +4985,7 @@
           <a:p>
             <a:fld id="{76BA69CB-1466-4EED-AE5E-F8C63754211A}" type="datetimeFigureOut">
               <a:rPr lang="en-US" smtClean="0"/>
-              <a:t>5/15/2021</a:t>
+              <a:t>5/20/2021</a:t>
             </a:fld>
             <a:endParaRPr lang="en-US"/>
           </a:p>
@@ -5180,7 +5242,7 @@
           <a:p>
             <a:fld id="{76BA69CB-1466-4EED-AE5E-F8C63754211A}" type="datetimeFigureOut">
               <a:rPr lang="en-US" smtClean="0"/>
-              <a:t>5/15/2021</a:t>
+              <a:t>5/20/2021</a:t>
             </a:fld>
             <a:endParaRPr lang="en-US"/>
           </a:p>
@@ -5423,7 +5485,7 @@
           <a:p>
             <a:fld id="{76BA69CB-1466-4EED-AE5E-F8C63754211A}" type="datetimeFigureOut">
               <a:rPr lang="en-US" smtClean="0"/>
-              <a:t>5/15/2021</a:t>
+              <a:t>5/20/2021</a:t>
             </a:fld>
             <a:endParaRPr lang="en-US"/>
           </a:p>
@@ -5952,6 +6014,18 @@
   <p:clrMapOvr>
     <a:masterClrMapping/>
   </p:clrMapOvr>
+  <mc:AlternateContent xmlns:mc="http://schemas.openxmlformats.org/markup-compatibility/2006">
+    <mc:Choice xmlns:p159="http://schemas.microsoft.com/office/powerpoint/2015/09/main" Requires="p159">
+      <p:transition xmlns:p14="http://schemas.microsoft.com/office/powerpoint/2010/main" spd="slow" p14:dur="2000">
+        <p159:morph option="byObject"/>
+      </p:transition>
+    </mc:Choice>
+    <mc:Fallback>
+      <p:transition spd="slow">
+        <p:fade/>
+      </p:transition>
+    </mc:Fallback>
+  </mc:AlternateContent>
 </p:sld>
 </file>
 
@@ -6002,8 +6076,8 @@
         </p:blipFill>
         <p:spPr>
           <a:xfrm>
-            <a:off x="414528" y="1597660"/>
-            <a:ext cx="3941379" cy="5100609"/>
+            <a:off x="207264" y="1442082"/>
+            <a:ext cx="4108704" cy="5317147"/>
           </a:xfrm>
         </p:spPr>
       </p:pic>
@@ -6023,11 +6097,17 @@
             <p:ph type="title"/>
           </p:nvPr>
         </p:nvSpPr>
-        <p:spPr/>
-        <p:txBody>
-          <a:bodyPr/>
-          <a:lstStyle/>
-          <a:p>
+        <p:spPr>
+          <a:xfrm>
+            <a:off x="2925288" y="415200"/>
+            <a:ext cx="8610600" cy="1293028"/>
+          </a:xfrm>
+        </p:spPr>
+        <p:txBody>
+          <a:bodyPr/>
+          <a:lstStyle/>
+          <a:p>
+            <a:pPr algn="ctr"/>
             <a:r>
               <a:rPr lang="en-US" dirty="0"/>
               <a:t>Theme </a:t>
@@ -6049,7 +6129,7 @@
         </p:nvSpPr>
         <p:spPr>
           <a:xfrm>
-            <a:off x="5220909" y="1951672"/>
+            <a:off x="4532140" y="1708228"/>
             <a:ext cx="5846379" cy="1477328"/>
           </a:xfrm>
           <a:prstGeom prst="rect">
@@ -6086,6 +6166,18 @@
   <p:clrMapOvr>
     <a:masterClrMapping/>
   </p:clrMapOvr>
+  <mc:AlternateContent xmlns:mc="http://schemas.openxmlformats.org/markup-compatibility/2006">
+    <mc:Choice xmlns:p14="http://schemas.microsoft.com/office/powerpoint/2010/main" Requires="p14">
+      <p:transition spd="slow" p14:dur="3400">
+        <p14:reveal/>
+      </p:transition>
+    </mc:Choice>
+    <mc:Fallback>
+      <p:transition spd="slow">
+        <p:fade/>
+      </p:transition>
+    </mc:Fallback>
+  </mc:AlternateContent>
 </p:sld>
 </file>
 
@@ -6124,7 +6216,7 @@
         </p:nvSpPr>
         <p:spPr>
           <a:xfrm>
-            <a:off x="2156011" y="757650"/>
+            <a:off x="2326699" y="395975"/>
             <a:ext cx="9711017" cy="1293028"/>
           </a:xfrm>
         </p:spPr>
@@ -6163,34 +6255,22 @@
         </p:spPr>
         <p:txBody>
           <a:bodyPr>
-            <a:normAutofit/>
+            <a:normAutofit lnSpcReduction="10000"/>
           </a:bodyPr>
           <a:lstStyle/>
           <a:p>
+            <a:pPr marL="0" indent="0">
+              <a:buNone/>
+            </a:pPr>
             <a:r>
               <a:rPr lang="en-US" dirty="0"/>
-              <a:t>https://pokeapi.co/to pull data in ; data was raw and extremely broad 		</a:t>
-            </a:r>
-          </a:p>
-          <a:p>
-            <a:endParaRPr lang="en-US" dirty="0"/>
+              <a:t>	</a:t>
+            </a:r>
           </a:p>
           <a:p>
             <a:r>
               <a:rPr lang="en-US" dirty="0"/>
-              <a:t>Filtered data down to make it more workable/useable </a:t>
-            </a:r>
-          </a:p>
-          <a:p>
-            <a:endParaRPr lang="en-US" dirty="0"/>
-          </a:p>
-          <a:p>
-            <a:endParaRPr lang="en-US" dirty="0"/>
-          </a:p>
-          <a:p>
-            <a:r>
-              <a:rPr lang="en-US" dirty="0"/>
-              <a:t>Used </a:t>
+              <a:t>Pulled in Gen 1 list from Kaggle data set , used </a:t>
             </a:r>
             <a:r>
               <a:rPr lang="en-US" dirty="0" err="1"/>
@@ -6198,19 +6278,40 @@
             </a:r>
             <a:r>
               <a:rPr lang="en-US" dirty="0"/>
-              <a:t> notebook to convert data into a data frame, </a:t>
-            </a:r>
-          </a:p>
-          <a:p>
+              <a:t> to read csv in pandas, created data frame from data set, pulled a list of names</a:t>
+            </a:r>
+          </a:p>
+          <a:p>
+            <a:pPr marL="0" indent="0">
+              <a:buNone/>
+            </a:pPr>
             <a:endParaRPr lang="en-US" dirty="0"/>
           </a:p>
           <a:p>
+            <a:r>
+              <a:rPr lang="en-US" dirty="0"/>
+              <a:t>Created data frame with their name and empty list of stats, </a:t>
+            </a:r>
+          </a:p>
+          <a:p>
             <a:endParaRPr lang="en-US" dirty="0"/>
           </a:p>
           <a:p>
             <a:r>
               <a:rPr lang="en-US" dirty="0"/>
-              <a:t>Postgres to store and sort through data </a:t>
+              <a:t>Called out to existing Poke API https://pokeapi.co/to pull data in , each Pokemon had a extensive list of URL links for stats so used poke-list in a for loop to call out to each URL to retrieve stats from empty data frame</a:t>
+            </a:r>
+          </a:p>
+          <a:p>
+            <a:endParaRPr lang="en-US" dirty="0"/>
+          </a:p>
+          <a:p>
+            <a:endParaRPr lang="en-US" dirty="0"/>
+          </a:p>
+          <a:p>
+            <a:r>
+              <a:rPr lang="en-US" dirty="0"/>
+              <a:t>Exported data frame to CSV</a:t>
             </a:r>
           </a:p>
         </p:txBody>
@@ -6225,6 +6326,9 @@
   <p:clrMapOvr>
     <a:masterClrMapping/>
   </p:clrMapOvr>
+  <p:transition spd="slow">
+    <p:push dir="u"/>
+  </p:transition>
 </p:sld>
 </file>
 
@@ -6266,7 +6370,10 @@
           <a:bodyPr/>
           <a:lstStyle/>
           <a:p>
-            <a:endParaRPr lang="en-US"/>
+            <a:r>
+              <a:rPr lang="en-US" dirty="0"/>
+              <a:t>Continued </a:t>
+            </a:r>
           </a:p>
         </p:txBody>
       </p:sp>
@@ -6291,7 +6398,73 @@
           <a:bodyPr/>
           <a:lstStyle/>
           <a:p>
-            <a:endParaRPr lang="en-US"/>
+            <a:r>
+              <a:rPr lang="en-US" dirty="0"/>
+              <a:t>Created SQL database using </a:t>
+            </a:r>
+            <a:r>
+              <a:rPr lang="en-US" dirty="0" err="1"/>
+              <a:t>PGAdmin</a:t>
+            </a:r>
+            <a:r>
+              <a:rPr lang="en-US" dirty="0"/>
+              <a:t>, imported data frame CSV</a:t>
+            </a:r>
+          </a:p>
+          <a:p>
+            <a:pPr marL="0" indent="0">
+              <a:buNone/>
+            </a:pPr>
+            <a:endParaRPr lang="en-US" dirty="0"/>
+          </a:p>
+          <a:p>
+            <a:r>
+              <a:rPr lang="en-US" dirty="0"/>
+              <a:t>Created python-flask powered API, created routes for each type of Pokemon </a:t>
+            </a:r>
+          </a:p>
+          <a:p>
+            <a:pPr marL="0" indent="0">
+              <a:buNone/>
+            </a:pPr>
+            <a:endParaRPr lang="en-US" dirty="0"/>
+          </a:p>
+          <a:p>
+            <a:r>
+              <a:rPr lang="en-US" dirty="0"/>
+              <a:t>Created HTML file to lay out page and used CSS to style </a:t>
+            </a:r>
+          </a:p>
+          <a:p>
+            <a:pPr marL="0" indent="0">
+              <a:buNone/>
+            </a:pPr>
+            <a:endParaRPr lang="en-US" dirty="0"/>
+          </a:p>
+          <a:p>
+            <a:r>
+              <a:rPr lang="en-US" dirty="0"/>
+              <a:t>Used d3 &amp; </a:t>
+            </a:r>
+            <a:r>
+              <a:rPr lang="en-US" dirty="0" err="1"/>
+              <a:t>plotly</a:t>
+            </a:r>
+            <a:r>
+              <a:rPr lang="en-US" dirty="0"/>
+              <a:t> within </a:t>
+            </a:r>
+            <a:r>
+              <a:rPr lang="en-US" dirty="0" err="1"/>
+              <a:t>Javascript</a:t>
+            </a:r>
+            <a:r>
+              <a:rPr lang="en-US" dirty="0"/>
+              <a:t> to read Json files from flask- API to create visualizations of data  </a:t>
+            </a:r>
+          </a:p>
+          <a:p>
+            <a:endParaRPr lang="en-US" dirty="0"/>
           </a:p>
         </p:txBody>
       </p:sp>
@@ -6305,6 +6478,9 @@
   <p:clrMapOvr>
     <a:masterClrMapping/>
   </p:clrMapOvr>
+  <p:transition spd="slow">
+    <p:push dir="u"/>
+  </p:transition>
 </p:sld>
 </file>
 
@@ -6348,15 +6524,7 @@
           <a:p>
             <a:r>
               <a:rPr lang="en-US" dirty="0"/>
-              <a:t>Final </a:t>
-            </a:r>
-            <a:r>
-              <a:rPr lang="en-US" dirty="0" err="1"/>
-              <a:t>Visulation</a:t>
-            </a:r>
-            <a:r>
-              <a:rPr lang="en-US" dirty="0"/>
-              <a:t> </a:t>
+              <a:t>Final Visualization  </a:t>
             </a:r>
           </a:p>
         </p:txBody>
@@ -6425,6 +6593,18 @@
   <p:clrMapOvr>
     <a:masterClrMapping/>
   </p:clrMapOvr>
+  <mc:AlternateContent xmlns:mc="http://schemas.openxmlformats.org/markup-compatibility/2006">
+    <mc:Choice xmlns:p159="http://schemas.microsoft.com/office/powerpoint/2015/09/main" Requires="p159">
+      <p:transition xmlns:p14="http://schemas.microsoft.com/office/powerpoint/2010/main" spd="slow" p14:dur="2000">
+        <p159:morph option="byObject"/>
+      </p:transition>
+    </mc:Choice>
+    <mc:Fallback>
+      <p:transition spd="slow">
+        <p:fade/>
+      </p:transition>
+    </mc:Fallback>
+  </mc:AlternateContent>
 </p:sld>
 </file>
 

--- a/Presentation 2.pptx
+++ b/Presentation 2.pptx
@@ -121,7 +121,7 @@
 <file path=ppt/revisionInfo.xml><?xml version="1.0" encoding="utf-8"?>
 <p1510:revInfo xmlns:a="http://schemas.openxmlformats.org/drawingml/2006/main" xmlns:r="http://schemas.openxmlformats.org/officeDocument/2006/relationships" xmlns:p1510="http://schemas.microsoft.com/office/powerpoint/2015/10/main">
   <p1510:revLst>
-    <p1510:client id="{95EEA666-69A3-4711-8A24-78F8FF8B7B8F}" v="12" dt="2021-05-21T01:52:39.886"/>
+    <p1510:client id="{95EEA666-69A3-4711-8A24-78F8FF8B7B8F}" v="34" dt="2021-05-21T23:55:38.931"/>
   </p1510:revLst>
 </p1510:revInfo>
 </file>
@@ -131,27 +131,75 @@
   <pc:docChgLst>
     <pc:chgData name="Daniel Buescher" userId="be4f4dfaf1c4f0c1" providerId="LiveId" clId="{95EEA666-69A3-4711-8A24-78F8FF8B7B8F}"/>
     <pc:docChg chg="undo redo custSel modSld">
-      <pc:chgData name="Daniel Buescher" userId="be4f4dfaf1c4f0c1" providerId="LiveId" clId="{95EEA666-69A3-4711-8A24-78F8FF8B7B8F}" dt="2021-05-21T01:52:39.886" v="1906"/>
+      <pc:chgData name="Daniel Buescher" userId="be4f4dfaf1c4f0c1" providerId="LiveId" clId="{95EEA666-69A3-4711-8A24-78F8FF8B7B8F}" dt="2021-05-21T23:55:38.931" v="2162"/>
       <pc:docMkLst>
         <pc:docMk/>
       </pc:docMkLst>
-      <pc:sldChg chg="modSp mod modTransition">
-        <pc:chgData name="Daniel Buescher" userId="be4f4dfaf1c4f0c1" providerId="LiveId" clId="{95EEA666-69A3-4711-8A24-78F8FF8B7B8F}" dt="2021-05-21T01:52:26.909" v="1902"/>
+      <pc:sldChg chg="addSp delSp modSp mod modTransition setBg">
+        <pc:chgData name="Daniel Buescher" userId="be4f4dfaf1c4f0c1" providerId="LiveId" clId="{95EEA666-69A3-4711-8A24-78F8FF8B7B8F}" dt="2021-05-21T23:55:00.722" v="2161" actId="1076"/>
         <pc:sldMkLst>
           <pc:docMk/>
           <pc:sldMk cId="458590539" sldId="256"/>
         </pc:sldMkLst>
         <pc:spChg chg="mod">
-          <ac:chgData name="Daniel Buescher" userId="be4f4dfaf1c4f0c1" providerId="LiveId" clId="{95EEA666-69A3-4711-8A24-78F8FF8B7B8F}" dt="2021-05-15T18:16:49.347" v="554"/>
+          <ac:chgData name="Daniel Buescher" userId="be4f4dfaf1c4f0c1" providerId="LiveId" clId="{95EEA666-69A3-4711-8A24-78F8FF8B7B8F}" dt="2021-05-21T03:18:09.163" v="1925" actId="26606"/>
           <ac:spMkLst>
             <pc:docMk/>
             <pc:sldMk cId="458590539" sldId="256"/>
             <ac:spMk id="2" creationId="{FF0CFCAB-121E-4B04-85C1-8D344B65BA33}"/>
           </ac:spMkLst>
         </pc:spChg>
+        <pc:spChg chg="mod">
+          <ac:chgData name="Daniel Buescher" userId="be4f4dfaf1c4f0c1" providerId="LiveId" clId="{95EEA666-69A3-4711-8A24-78F8FF8B7B8F}" dt="2021-05-21T23:44:51.639" v="1928" actId="20577"/>
+          <ac:spMkLst>
+            <pc:docMk/>
+            <pc:sldMk cId="458590539" sldId="256"/>
+            <ac:spMk id="3" creationId="{0C3B90E6-95F3-43D8-9442-1E6D35332EDE}"/>
+          </ac:spMkLst>
+        </pc:spChg>
+        <pc:spChg chg="mod">
+          <ac:chgData name="Daniel Buescher" userId="be4f4dfaf1c4f0c1" providerId="LiveId" clId="{95EEA666-69A3-4711-8A24-78F8FF8B7B8F}" dt="2021-05-21T03:18:09.163" v="1925" actId="26606"/>
+          <ac:spMkLst>
+            <pc:docMk/>
+            <pc:sldMk cId="458590539" sldId="256"/>
+            <ac:spMk id="4" creationId="{15023F75-C253-47A8-A92D-8E2BCCAF9126}"/>
+          </ac:spMkLst>
+        </pc:spChg>
+        <pc:picChg chg="add del mod">
+          <ac:chgData name="Daniel Buescher" userId="be4f4dfaf1c4f0c1" providerId="LiveId" clId="{95EEA666-69A3-4711-8A24-78F8FF8B7B8F}" dt="2021-05-21T03:15:27.319" v="1908" actId="931"/>
+          <ac:picMkLst>
+            <pc:docMk/>
+            <pc:sldMk cId="458590539" sldId="256"/>
+            <ac:picMk id="6" creationId="{10327C88-FB5D-42E8-ADC6-D364A86FB3F0}"/>
+          </ac:picMkLst>
+        </pc:picChg>
+        <pc:picChg chg="add del mod">
+          <ac:chgData name="Daniel Buescher" userId="be4f4dfaf1c4f0c1" providerId="LiveId" clId="{95EEA666-69A3-4711-8A24-78F8FF8B7B8F}" dt="2021-05-21T23:54:26.640" v="2153" actId="478"/>
+          <ac:picMkLst>
+            <pc:docMk/>
+            <pc:sldMk cId="458590539" sldId="256"/>
+            <ac:picMk id="6" creationId="{1A77A092-E681-42E8-8E5D-8A7E20B5DCA5}"/>
+          </ac:picMkLst>
+        </pc:picChg>
+        <pc:picChg chg="add mod ord">
+          <ac:chgData name="Daniel Buescher" userId="be4f4dfaf1c4f0c1" providerId="LiveId" clId="{95EEA666-69A3-4711-8A24-78F8FF8B7B8F}" dt="2021-05-21T23:55:00.722" v="2161" actId="1076"/>
+          <ac:picMkLst>
+            <pc:docMk/>
+            <pc:sldMk cId="458590539" sldId="256"/>
+            <ac:picMk id="8" creationId="{529B9001-645A-4927-A0C4-E6DC3EE0DBEF}"/>
+          </ac:picMkLst>
+        </pc:picChg>
+        <pc:picChg chg="add mod ord">
+          <ac:chgData name="Daniel Buescher" userId="be4f4dfaf1c4f0c1" providerId="LiveId" clId="{95EEA666-69A3-4711-8A24-78F8FF8B7B8F}" dt="2021-05-21T23:54:56.752" v="2160" actId="167"/>
+          <ac:picMkLst>
+            <pc:docMk/>
+            <pc:sldMk cId="458590539" sldId="256"/>
+            <ac:picMk id="9" creationId="{EC7BB52E-97E1-4E04-AB9E-A3B958161ACD}"/>
+          </ac:picMkLst>
+        </pc:picChg>
       </pc:sldChg>
-      <pc:sldChg chg="modSp mod modTransition">
-        <pc:chgData name="Daniel Buescher" userId="be4f4dfaf1c4f0c1" providerId="LiveId" clId="{95EEA666-69A3-4711-8A24-78F8FF8B7B8F}" dt="2021-05-21T01:52:39.886" v="1906"/>
+      <pc:sldChg chg="addSp delSp modSp mod modTransition">
+        <pc:chgData name="Daniel Buescher" userId="be4f4dfaf1c4f0c1" providerId="LiveId" clId="{95EEA666-69A3-4711-8A24-78F8FF8B7B8F}" dt="2021-05-21T23:53:23.794" v="2146" actId="1076"/>
         <pc:sldMkLst>
           <pc:docMk/>
           <pc:sldMk cId="3194138466" sldId="257"/>
@@ -165,24 +213,56 @@
           </ac:spMkLst>
         </pc:spChg>
         <pc:spChg chg="mod">
-          <ac:chgData name="Daniel Buescher" userId="be4f4dfaf1c4f0c1" providerId="LiveId" clId="{95EEA666-69A3-4711-8A24-78F8FF8B7B8F}" dt="2021-05-19T00:28:57.702" v="1860" actId="1076"/>
+          <ac:chgData name="Daniel Buescher" userId="be4f4dfaf1c4f0c1" providerId="LiveId" clId="{95EEA666-69A3-4711-8A24-78F8FF8B7B8F}" dt="2021-05-21T23:48:12.476" v="2078" actId="20577"/>
           <ac:spMkLst>
             <pc:docMk/>
             <pc:sldMk cId="3194138466" sldId="257"/>
             <ac:spMk id="6" creationId="{22F092E9-1209-4EF0-A891-EE569B9229D5}"/>
           </ac:spMkLst>
         </pc:spChg>
-        <pc:picChg chg="mod">
-          <ac:chgData name="Daniel Buescher" userId="be4f4dfaf1c4f0c1" providerId="LiveId" clId="{95EEA666-69A3-4711-8A24-78F8FF8B7B8F}" dt="2021-05-19T00:24:47.635" v="1858" actId="1076"/>
+        <pc:picChg chg="add mod ord">
+          <ac:chgData name="Daniel Buescher" userId="be4f4dfaf1c4f0c1" providerId="LiveId" clId="{95EEA666-69A3-4711-8A24-78F8FF8B7B8F}" dt="2021-05-21T23:45:39.516" v="1933" actId="1076"/>
+          <ac:picMkLst>
+            <pc:docMk/>
+            <pc:sldMk cId="3194138466" sldId="257"/>
+            <ac:picMk id="3" creationId="{F122FC4D-D693-4A8C-B3A2-3DAE7D584082}"/>
+          </ac:picMkLst>
+        </pc:picChg>
+        <pc:picChg chg="add mod modCrop">
+          <ac:chgData name="Daniel Buescher" userId="be4f4dfaf1c4f0c1" providerId="LiveId" clId="{95EEA666-69A3-4711-8A24-78F8FF8B7B8F}" dt="2021-05-21T03:16:35.868" v="1922" actId="732"/>
+          <ac:picMkLst>
+            <pc:docMk/>
+            <pc:sldMk cId="3194138466" sldId="257"/>
+            <ac:picMk id="4" creationId="{93653D0D-0DC8-4E05-AD33-11949B7BF05B}"/>
+          </ac:picMkLst>
+        </pc:picChg>
+        <pc:picChg chg="mod ord">
+          <ac:chgData name="Daniel Buescher" userId="be4f4dfaf1c4f0c1" providerId="LiveId" clId="{95EEA666-69A3-4711-8A24-78F8FF8B7B8F}" dt="2021-05-21T23:45:13.241" v="1929" actId="167"/>
           <ac:picMkLst>
             <pc:docMk/>
             <pc:sldMk cId="3194138466" sldId="257"/>
             <ac:picMk id="5" creationId="{3E5E3933-35E0-4F6B-A4FE-E3A90D90A12B}"/>
           </ac:picMkLst>
         </pc:picChg>
+        <pc:picChg chg="add del mod">
+          <ac:chgData name="Daniel Buescher" userId="be4f4dfaf1c4f0c1" providerId="LiveId" clId="{95EEA666-69A3-4711-8A24-78F8FF8B7B8F}" dt="2021-05-21T23:52:06.271" v="2128" actId="478"/>
+          <ac:picMkLst>
+            <pc:docMk/>
+            <pc:sldMk cId="3194138466" sldId="257"/>
+            <ac:picMk id="8" creationId="{D77B2807-6B77-41B3-B0DF-B36A9D7A9B81}"/>
+          </ac:picMkLst>
+        </pc:picChg>
+        <pc:picChg chg="add mod ord">
+          <ac:chgData name="Daniel Buescher" userId="be4f4dfaf1c4f0c1" providerId="LiveId" clId="{95EEA666-69A3-4711-8A24-78F8FF8B7B8F}" dt="2021-05-21T23:53:23.794" v="2146" actId="1076"/>
+          <ac:picMkLst>
+            <pc:docMk/>
+            <pc:sldMk cId="3194138466" sldId="257"/>
+            <ac:picMk id="9" creationId="{EC5DC943-86CA-445B-B5C1-9732C7B022BD}"/>
+          </ac:picMkLst>
+        </pc:picChg>
       </pc:sldChg>
       <pc:sldChg chg="addSp delSp modSp mod modTransition">
-        <pc:chgData name="Daniel Buescher" userId="be4f4dfaf1c4f0c1" providerId="LiveId" clId="{95EEA666-69A3-4711-8A24-78F8FF8B7B8F}" dt="2021-05-21T01:52:32.815" v="1904"/>
+        <pc:chgData name="Daniel Buescher" userId="be4f4dfaf1c4f0c1" providerId="LiveId" clId="{95EEA666-69A3-4711-8A24-78F8FF8B7B8F}" dt="2021-05-21T23:54:43.254" v="2157" actId="478"/>
         <pc:sldMkLst>
           <pc:docMk/>
           <pc:sldMk cId="3319003307" sldId="258"/>
@@ -203,6 +283,14 @@
             <ac:spMk id="3" creationId="{FE0F0902-579D-46B2-8EF5-0AE61F17FE18}"/>
           </ac:spMkLst>
         </pc:spChg>
+        <pc:picChg chg="add mod">
+          <ac:chgData name="Daniel Buescher" userId="be4f4dfaf1c4f0c1" providerId="LiveId" clId="{95EEA666-69A3-4711-8A24-78F8FF8B7B8F}" dt="2021-05-21T23:49:33.682" v="2092" actId="14100"/>
+          <ac:picMkLst>
+            <pc:docMk/>
+            <pc:sldMk cId="3319003307" sldId="258"/>
+            <ac:picMk id="4" creationId="{FA4D4607-89AD-4F8F-99CB-23BAF300A079}"/>
+          </ac:picMkLst>
+        </pc:picChg>
         <pc:picChg chg="add del mod ord">
           <ac:chgData name="Daniel Buescher" userId="be4f4dfaf1c4f0c1" providerId="LiveId" clId="{95EEA666-69A3-4711-8A24-78F8FF8B7B8F}" dt="2021-05-15T18:00:49.493" v="102" actId="478"/>
           <ac:picMkLst>
@@ -211,9 +299,33 @@
             <ac:picMk id="5" creationId="{6A7B6567-580D-4F96-80B6-8EB8CA207322}"/>
           </ac:picMkLst>
         </pc:picChg>
+        <pc:picChg chg="add del mod">
+          <ac:chgData name="Daniel Buescher" userId="be4f4dfaf1c4f0c1" providerId="LiveId" clId="{95EEA666-69A3-4711-8A24-78F8FF8B7B8F}" dt="2021-05-21T23:51:51.301" v="2124" actId="478"/>
+          <ac:picMkLst>
+            <pc:docMk/>
+            <pc:sldMk cId="3319003307" sldId="258"/>
+            <ac:picMk id="6" creationId="{A7DAA3E0-7768-402C-8916-703E6B48B196}"/>
+          </ac:picMkLst>
+        </pc:picChg>
+        <pc:picChg chg="add del mod">
+          <ac:chgData name="Daniel Buescher" userId="be4f4dfaf1c4f0c1" providerId="LiveId" clId="{95EEA666-69A3-4711-8A24-78F8FF8B7B8F}" dt="2021-05-21T23:54:43.254" v="2157" actId="478"/>
+          <ac:picMkLst>
+            <pc:docMk/>
+            <pc:sldMk cId="3319003307" sldId="258"/>
+            <ac:picMk id="7" creationId="{EE9906B7-09E8-475C-B38D-8B75BED99BDA}"/>
+          </ac:picMkLst>
+        </pc:picChg>
+        <pc:picChg chg="add mod ord">
+          <ac:chgData name="Daniel Buescher" userId="be4f4dfaf1c4f0c1" providerId="LiveId" clId="{95EEA666-69A3-4711-8A24-78F8FF8B7B8F}" dt="2021-05-21T23:54:40.476" v="2156" actId="167"/>
+          <ac:picMkLst>
+            <pc:docMk/>
+            <pc:sldMk cId="3319003307" sldId="258"/>
+            <ac:picMk id="8" creationId="{D56400BE-B04B-4AE2-8D1D-D6F807DC520E}"/>
+          </ac:picMkLst>
+        </pc:picChg>
       </pc:sldChg>
-      <pc:sldChg chg="modSp mod modTransition">
-        <pc:chgData name="Daniel Buescher" userId="be4f4dfaf1c4f0c1" providerId="LiveId" clId="{95EEA666-69A3-4711-8A24-78F8FF8B7B8F}" dt="2021-05-21T01:49:09.321" v="1899" actId="313"/>
+      <pc:sldChg chg="addSp delSp modSp mod modTransition">
+        <pc:chgData name="Daniel Buescher" userId="be4f4dfaf1c4f0c1" providerId="LiveId" clId="{95EEA666-69A3-4711-8A24-78F8FF8B7B8F}" dt="2021-05-21T23:52:19.180" v="2133" actId="1076"/>
         <pc:sldMkLst>
           <pc:docMk/>
           <pc:sldMk cId="2794696610" sldId="259"/>
@@ -234,15 +346,55 @@
             <ac:spMk id="3" creationId="{127EA3C2-E5D9-4D4C-B5F7-91809A55AE19}"/>
           </ac:spMkLst>
         </pc:spChg>
+        <pc:picChg chg="add mod ord">
+          <ac:chgData name="Daniel Buescher" userId="be4f4dfaf1c4f0c1" providerId="LiveId" clId="{95EEA666-69A3-4711-8A24-78F8FF8B7B8F}" dt="2021-05-21T23:46:09.663" v="1941" actId="1076"/>
+          <ac:picMkLst>
+            <pc:docMk/>
+            <pc:sldMk cId="2794696610" sldId="259"/>
+            <ac:picMk id="4" creationId="{4F2B592D-46FD-40EC-A8E3-1CEEFCAB5D82}"/>
+          </ac:picMkLst>
+        </pc:picChg>
+        <pc:picChg chg="add del mod">
+          <ac:chgData name="Daniel Buescher" userId="be4f4dfaf1c4f0c1" providerId="LiveId" clId="{95EEA666-69A3-4711-8A24-78F8FF8B7B8F}" dt="2021-05-21T23:52:14.121" v="2131" actId="478"/>
+          <ac:picMkLst>
+            <pc:docMk/>
+            <pc:sldMk cId="2794696610" sldId="259"/>
+            <ac:picMk id="6" creationId="{C7230196-39CD-4E5A-96B5-DECAB8E4AAEF}"/>
+          </ac:picMkLst>
+        </pc:picChg>
+        <pc:picChg chg="add del mod">
+          <ac:chgData name="Daniel Buescher" userId="be4f4dfaf1c4f0c1" providerId="LiveId" clId="{95EEA666-69A3-4711-8A24-78F8FF8B7B8F}" dt="2021-05-21T23:51:17.387" v="2118" actId="478"/>
+          <ac:picMkLst>
+            <pc:docMk/>
+            <pc:sldMk cId="2794696610" sldId="259"/>
+            <ac:picMk id="7" creationId="{5B56194D-E8C9-489C-89F1-60B8D78D740A}"/>
+          </ac:picMkLst>
+        </pc:picChg>
+        <pc:picChg chg="add del mod">
+          <ac:chgData name="Daniel Buescher" userId="be4f4dfaf1c4f0c1" providerId="LiveId" clId="{95EEA666-69A3-4711-8A24-78F8FF8B7B8F}" dt="2021-05-21T23:51:36.346" v="2122" actId="478"/>
+          <ac:picMkLst>
+            <pc:docMk/>
+            <pc:sldMk cId="2794696610" sldId="259"/>
+            <ac:picMk id="9" creationId="{11AFFDBB-DE25-4BBC-ADC7-650B883DEEB8}"/>
+          </ac:picMkLst>
+        </pc:picChg>
+        <pc:picChg chg="add mod">
+          <ac:chgData name="Daniel Buescher" userId="be4f4dfaf1c4f0c1" providerId="LiveId" clId="{95EEA666-69A3-4711-8A24-78F8FF8B7B8F}" dt="2021-05-21T23:52:19.180" v="2133" actId="1076"/>
+          <ac:picMkLst>
+            <pc:docMk/>
+            <pc:sldMk cId="2794696610" sldId="259"/>
+            <ac:picMk id="10" creationId="{CD27AC62-DD14-4056-8830-44C4FCE0B6FA}"/>
+          </ac:picMkLst>
+        </pc:picChg>
       </pc:sldChg>
-      <pc:sldChg chg="modSp mod modTransition">
-        <pc:chgData name="Daniel Buescher" userId="be4f4dfaf1c4f0c1" providerId="LiveId" clId="{95EEA666-69A3-4711-8A24-78F8FF8B7B8F}" dt="2021-05-21T01:48:33.550" v="1898"/>
+      <pc:sldChg chg="addSp delSp modSp mod modTransition setBg setClrOvrMap">
+        <pc:chgData name="Daniel Buescher" userId="be4f4dfaf1c4f0c1" providerId="LiveId" clId="{95EEA666-69A3-4711-8A24-78F8FF8B7B8F}" dt="2021-05-21T23:55:38.931" v="2162"/>
         <pc:sldMkLst>
           <pc:docMk/>
           <pc:sldMk cId="37169486" sldId="260"/>
         </pc:sldMkLst>
         <pc:spChg chg="mod">
-          <ac:chgData name="Daniel Buescher" userId="be4f4dfaf1c4f0c1" providerId="LiveId" clId="{95EEA666-69A3-4711-8A24-78F8FF8B7B8F}" dt="2021-05-20T23:58:08.395" v="1893" actId="20577"/>
+          <ac:chgData name="Daniel Buescher" userId="be4f4dfaf1c4f0c1" providerId="LiveId" clId="{95EEA666-69A3-4711-8A24-78F8FF8B7B8F}" dt="2021-05-21T23:51:06.531" v="2116" actId="26606"/>
           <ac:spMkLst>
             <pc:docMk/>
             <pc:sldMk cId="37169486" sldId="260"/>
@@ -250,13 +402,109 @@
           </ac:spMkLst>
         </pc:spChg>
         <pc:spChg chg="mod">
-          <ac:chgData name="Daniel Buescher" userId="be4f4dfaf1c4f0c1" providerId="LiveId" clId="{95EEA666-69A3-4711-8A24-78F8FF8B7B8F}" dt="2021-05-15T18:17:54.236" v="783" actId="20577"/>
+          <ac:chgData name="Daniel Buescher" userId="be4f4dfaf1c4f0c1" providerId="LiveId" clId="{95EEA666-69A3-4711-8A24-78F8FF8B7B8F}" dt="2021-05-21T23:52:41.278" v="2138" actId="14100"/>
           <ac:spMkLst>
             <pc:docMk/>
             <pc:sldMk cId="37169486" sldId="260"/>
             <ac:spMk id="3" creationId="{8441EDFC-EC21-4D54-9BD6-590B5906B47D}"/>
           </ac:spMkLst>
         </pc:spChg>
+        <pc:spChg chg="add del">
+          <ac:chgData name="Daniel Buescher" userId="be4f4dfaf1c4f0c1" providerId="LiveId" clId="{95EEA666-69A3-4711-8A24-78F8FF8B7B8F}" dt="2021-05-21T23:51:03.959" v="2114" actId="26606"/>
+          <ac:spMkLst>
+            <pc:docMk/>
+            <pc:sldMk cId="37169486" sldId="260"/>
+            <ac:spMk id="9" creationId="{1EA5387D-64D8-4D6C-B109-FF4E81DF609A}"/>
+          </ac:spMkLst>
+        </pc:spChg>
+        <pc:spChg chg="add del">
+          <ac:chgData name="Daniel Buescher" userId="be4f4dfaf1c4f0c1" providerId="LiveId" clId="{95EEA666-69A3-4711-8A24-78F8FF8B7B8F}" dt="2021-05-21T23:47:27.326" v="2060" actId="26606"/>
+          <ac:spMkLst>
+            <pc:docMk/>
+            <pc:sldMk cId="37169486" sldId="260"/>
+            <ac:spMk id="12" creationId="{C2A13AAE-18EB-4BDF-BAF7-F2F97B8D00D6}"/>
+          </ac:spMkLst>
+        </pc:spChg>
+        <pc:spChg chg="add del">
+          <ac:chgData name="Daniel Buescher" userId="be4f4dfaf1c4f0c1" providerId="LiveId" clId="{95EEA666-69A3-4711-8A24-78F8FF8B7B8F}" dt="2021-05-21T23:47:27.326" v="2060" actId="26606"/>
+          <ac:spMkLst>
+            <pc:docMk/>
+            <pc:sldMk cId="37169486" sldId="260"/>
+            <ac:spMk id="13" creationId="{843DD86A-8FAA-443F-9211-42A2AE8A790C}"/>
+          </ac:spMkLst>
+        </pc:spChg>
+        <pc:graphicFrameChg chg="add del">
+          <ac:chgData name="Daniel Buescher" userId="be4f4dfaf1c4f0c1" providerId="LiveId" clId="{95EEA666-69A3-4711-8A24-78F8FF8B7B8F}" dt="2021-05-21T23:47:14.544" v="2053" actId="26606"/>
+          <ac:graphicFrameMkLst>
+            <pc:docMk/>
+            <pc:sldMk cId="37169486" sldId="260"/>
+            <ac:graphicFrameMk id="6" creationId="{ACE5F6A7-A043-4A87-9CD3-94DD52B1CCE0}"/>
+          </ac:graphicFrameMkLst>
+        </pc:graphicFrameChg>
+        <pc:graphicFrameChg chg="add del">
+          <ac:chgData name="Daniel Buescher" userId="be4f4dfaf1c4f0c1" providerId="LiveId" clId="{95EEA666-69A3-4711-8A24-78F8FF8B7B8F}" dt="2021-05-21T23:47:17.130" v="2055" actId="26606"/>
+          <ac:graphicFrameMkLst>
+            <pc:docMk/>
+            <pc:sldMk cId="37169486" sldId="260"/>
+            <ac:graphicFrameMk id="8" creationId="{3ACE436D-2734-4E3F-B480-17B72257F508}"/>
+          </ac:graphicFrameMkLst>
+        </pc:graphicFrameChg>
+        <pc:graphicFrameChg chg="add del">
+          <ac:chgData name="Daniel Buescher" userId="be4f4dfaf1c4f0c1" providerId="LiveId" clId="{95EEA666-69A3-4711-8A24-78F8FF8B7B8F}" dt="2021-05-21T23:47:20.848" v="2057" actId="26606"/>
+          <ac:graphicFrameMkLst>
+            <pc:docMk/>
+            <pc:sldMk cId="37169486" sldId="260"/>
+            <ac:graphicFrameMk id="10" creationId="{24D60DC4-E022-45FC-9B8A-120B189CE9C4}"/>
+          </ac:graphicFrameMkLst>
+        </pc:graphicFrameChg>
+        <pc:graphicFrameChg chg="add del">
+          <ac:chgData name="Daniel Buescher" userId="be4f4dfaf1c4f0c1" providerId="LiveId" clId="{95EEA666-69A3-4711-8A24-78F8FF8B7B8F}" dt="2021-05-21T23:47:27.326" v="2060" actId="26606"/>
+          <ac:graphicFrameMkLst>
+            <pc:docMk/>
+            <pc:sldMk cId="37169486" sldId="260"/>
+            <ac:graphicFrameMk id="15" creationId="{15DBCDBC-DC91-4497-9F55-823FD0CE8C8A}"/>
+          </ac:graphicFrameMkLst>
+        </pc:graphicFrameChg>
+        <pc:picChg chg="add mod ord">
+          <ac:chgData name="Daniel Buescher" userId="be4f4dfaf1c4f0c1" providerId="LiveId" clId="{95EEA666-69A3-4711-8A24-78F8FF8B7B8F}" dt="2021-05-21T23:54:02.028" v="2152" actId="1076"/>
+          <ac:picMkLst>
+            <pc:docMk/>
+            <pc:sldMk cId="37169486" sldId="260"/>
+            <ac:picMk id="4" creationId="{BBF34D38-0CB1-4318-9A7C-2E4F39EDEF77}"/>
+          </ac:picMkLst>
+        </pc:picChg>
+        <pc:picChg chg="add del mod ord">
+          <ac:chgData name="Daniel Buescher" userId="be4f4dfaf1c4f0c1" providerId="LiveId" clId="{95EEA666-69A3-4711-8A24-78F8FF8B7B8F}" dt="2021-05-21T23:52:27.113" v="2134" actId="478"/>
+          <ac:picMkLst>
+            <pc:docMk/>
+            <pc:sldMk cId="37169486" sldId="260"/>
+            <ac:picMk id="7" creationId="{2D0236CE-829E-46C8-AC0E-532924EFE62D}"/>
+          </ac:picMkLst>
+        </pc:picChg>
+        <pc:picChg chg="add del">
+          <ac:chgData name="Daniel Buescher" userId="be4f4dfaf1c4f0c1" providerId="LiveId" clId="{95EEA666-69A3-4711-8A24-78F8FF8B7B8F}" dt="2021-05-21T23:47:27.326" v="2060" actId="26606"/>
+          <ac:picMkLst>
+            <pc:docMk/>
+            <pc:sldMk cId="37169486" sldId="260"/>
+            <ac:picMk id="14" creationId="{0F5C1B21-B0DB-4206-99EE-C13D67038B93}"/>
+          </ac:picMkLst>
+        </pc:picChg>
+        <pc:picChg chg="add del">
+          <ac:chgData name="Daniel Buescher" userId="be4f4dfaf1c4f0c1" providerId="LiveId" clId="{95EEA666-69A3-4711-8A24-78F8FF8B7B8F}" dt="2021-05-21T23:47:27.326" v="2060" actId="26606"/>
+          <ac:picMkLst>
+            <pc:docMk/>
+            <pc:sldMk cId="37169486" sldId="260"/>
+            <ac:picMk id="16" creationId="{49261589-06E9-4B7C-A8F1-26648507B77B}"/>
+          </ac:picMkLst>
+        </pc:picChg>
+        <pc:picChg chg="add mod ord">
+          <ac:chgData name="Daniel Buescher" userId="be4f4dfaf1c4f0c1" providerId="LiveId" clId="{95EEA666-69A3-4711-8A24-78F8FF8B7B8F}" dt="2021-05-21T23:53:57.982" v="2151" actId="1076"/>
+          <ac:picMkLst>
+            <pc:docMk/>
+            <pc:sldMk cId="37169486" sldId="260"/>
+            <ac:picMk id="17" creationId="{D543B701-E33F-482C-876D-186407F34FF9}"/>
+          </ac:picMkLst>
+        </pc:picChg>
       </pc:sldChg>
     </pc:docChg>
   </pc:docChgLst>
@@ -433,7 +681,7 @@
           <a:p>
             <a:fld id="{76BA69CB-1466-4EED-AE5E-F8C63754211A}" type="datetimeFigureOut">
               <a:rPr lang="en-US" smtClean="0"/>
-              <a:t>5/20/2021</a:t>
+              <a:t>5/21/2021</a:t>
             </a:fld>
             <a:endParaRPr lang="en-US"/>
           </a:p>
@@ -700,7 +948,7 @@
           <a:p>
             <a:fld id="{76BA69CB-1466-4EED-AE5E-F8C63754211A}" type="datetimeFigureOut">
               <a:rPr lang="en-US" smtClean="0"/>
-              <a:t>5/20/2021</a:t>
+              <a:t>5/21/2021</a:t>
             </a:fld>
             <a:endParaRPr lang="en-US"/>
           </a:p>
@@ -931,7 +1179,7 @@
           <a:p>
             <a:fld id="{76BA69CB-1466-4EED-AE5E-F8C63754211A}" type="datetimeFigureOut">
               <a:rPr lang="en-US" smtClean="0"/>
-              <a:t>5/20/2021</a:t>
+              <a:t>5/21/2021</a:t>
             </a:fld>
             <a:endParaRPr lang="en-US"/>
           </a:p>
@@ -1241,7 +1489,7 @@
           <a:p>
             <a:fld id="{76BA69CB-1466-4EED-AE5E-F8C63754211A}" type="datetimeFigureOut">
               <a:rPr lang="en-US" smtClean="0"/>
-              <a:t>5/20/2021</a:t>
+              <a:t>5/21/2021</a:t>
             </a:fld>
             <a:endParaRPr lang="en-US"/>
           </a:p>
@@ -1714,7 +1962,7 @@
           <a:p>
             <a:fld id="{76BA69CB-1466-4EED-AE5E-F8C63754211A}" type="datetimeFigureOut">
               <a:rPr lang="en-US" smtClean="0"/>
-              <a:t>5/20/2021</a:t>
+              <a:t>5/21/2021</a:t>
             </a:fld>
             <a:endParaRPr lang="en-US"/>
           </a:p>
@@ -2261,7 +2509,7 @@
           <a:p>
             <a:fld id="{76BA69CB-1466-4EED-AE5E-F8C63754211A}" type="datetimeFigureOut">
               <a:rPr lang="en-US" smtClean="0"/>
-              <a:t>5/20/2021</a:t>
+              <a:t>5/21/2021</a:t>
             </a:fld>
             <a:endParaRPr lang="en-US"/>
           </a:p>
@@ -3035,7 +3283,7 @@
           <a:p>
             <a:fld id="{76BA69CB-1466-4EED-AE5E-F8C63754211A}" type="datetimeFigureOut">
               <a:rPr lang="en-US" smtClean="0"/>
-              <a:t>5/20/2021</a:t>
+              <a:t>5/21/2021</a:t>
             </a:fld>
             <a:endParaRPr lang="en-US"/>
           </a:p>
@@ -3210,7 +3458,7 @@
           <a:p>
             <a:fld id="{76BA69CB-1466-4EED-AE5E-F8C63754211A}" type="datetimeFigureOut">
               <a:rPr lang="en-US" smtClean="0"/>
-              <a:t>5/20/2021</a:t>
+              <a:t>5/21/2021</a:t>
             </a:fld>
             <a:endParaRPr lang="en-US"/>
           </a:p>
@@ -3433,7 +3681,7 @@
           <a:p>
             <a:fld id="{76BA69CB-1466-4EED-AE5E-F8C63754211A}" type="datetimeFigureOut">
               <a:rPr lang="en-US" smtClean="0"/>
-              <a:t>5/20/2021</a:t>
+              <a:t>5/21/2021</a:t>
             </a:fld>
             <a:endParaRPr lang="en-US"/>
           </a:p>
@@ -3613,7 +3861,7 @@
           <a:p>
             <a:fld id="{76BA69CB-1466-4EED-AE5E-F8C63754211A}" type="datetimeFigureOut">
               <a:rPr lang="en-US" smtClean="0"/>
-              <a:t>5/20/2021</a:t>
+              <a:t>5/21/2021</a:t>
             </a:fld>
             <a:endParaRPr lang="en-US"/>
           </a:p>
@@ -3902,7 +4150,7 @@
           <a:p>
             <a:fld id="{76BA69CB-1466-4EED-AE5E-F8C63754211A}" type="datetimeFigureOut">
               <a:rPr lang="en-US" smtClean="0"/>
-              <a:t>5/20/2021</a:t>
+              <a:t>5/21/2021</a:t>
             </a:fld>
             <a:endParaRPr lang="en-US"/>
           </a:p>
@@ -4144,7 +4392,7 @@
           <a:p>
             <a:fld id="{76BA69CB-1466-4EED-AE5E-F8C63754211A}" type="datetimeFigureOut">
               <a:rPr lang="en-US" smtClean="0"/>
-              <a:t>5/20/2021</a:t>
+              <a:t>5/21/2021</a:t>
             </a:fld>
             <a:endParaRPr lang="en-US"/>
           </a:p>
@@ -4523,7 +4771,7 @@
           <a:p>
             <a:fld id="{76BA69CB-1466-4EED-AE5E-F8C63754211A}" type="datetimeFigureOut">
               <a:rPr lang="en-US" smtClean="0"/>
-              <a:t>5/20/2021</a:t>
+              <a:t>5/21/2021</a:t>
             </a:fld>
             <a:endParaRPr lang="en-US"/>
           </a:p>
@@ -4641,7 +4889,7 @@
           <a:p>
             <a:fld id="{76BA69CB-1466-4EED-AE5E-F8C63754211A}" type="datetimeFigureOut">
               <a:rPr lang="en-US" smtClean="0"/>
-              <a:t>5/20/2021</a:t>
+              <a:t>5/21/2021</a:t>
             </a:fld>
             <a:endParaRPr lang="en-US"/>
           </a:p>
@@ -4736,7 +4984,7 @@
           <a:p>
             <a:fld id="{76BA69CB-1466-4EED-AE5E-F8C63754211A}" type="datetimeFigureOut">
               <a:rPr lang="en-US" smtClean="0"/>
-              <a:t>5/20/2021</a:t>
+              <a:t>5/21/2021</a:t>
             </a:fld>
             <a:endParaRPr lang="en-US"/>
           </a:p>
@@ -4985,7 +5233,7 @@
           <a:p>
             <a:fld id="{76BA69CB-1466-4EED-AE5E-F8C63754211A}" type="datetimeFigureOut">
               <a:rPr lang="en-US" smtClean="0"/>
-              <a:t>5/20/2021</a:t>
+              <a:t>5/21/2021</a:t>
             </a:fld>
             <a:endParaRPr lang="en-US"/>
           </a:p>
@@ -5242,7 +5490,7 @@
           <a:p>
             <a:fld id="{76BA69CB-1466-4EED-AE5E-F8C63754211A}" type="datetimeFigureOut">
               <a:rPr lang="en-US" smtClean="0"/>
-              <a:t>5/20/2021</a:t>
+              <a:t>5/21/2021</a:t>
             </a:fld>
             <a:endParaRPr lang="en-US"/>
           </a:p>
@@ -5485,7 +5733,7 @@
           <a:p>
             <a:fld id="{76BA69CB-1466-4EED-AE5E-F8C63754211A}" type="datetimeFigureOut">
               <a:rPr lang="en-US" smtClean="0"/>
-              <a:t>5/20/2021</a:t>
+              <a:t>5/21/2021</a:t>
             </a:fld>
             <a:endParaRPr lang="en-US"/>
           </a:p>
@@ -5882,6 +6130,14 @@
 <file path=ppt/slides/slide1.xml><?xml version="1.0" encoding="utf-8"?>
 <p:sld xmlns:a="http://schemas.openxmlformats.org/drawingml/2006/main" xmlns:r="http://schemas.openxmlformats.org/officeDocument/2006/relationships" xmlns:p="http://schemas.openxmlformats.org/presentationml/2006/main">
   <p:cSld>
+    <p:bg>
+      <p:bgPr>
+        <a:solidFill>
+          <a:schemeClr val="bg1"/>
+        </a:solidFill>
+        <a:effectLst/>
+      </p:bgPr>
+    </p:bg>
     <p:spTree>
       <p:nvGrpSpPr>
         <p:cNvPr id="1" name=""/>
@@ -5896,6 +6152,42 @@
           <a:chExt cx="0" cy="0"/>
         </a:xfrm>
       </p:grpSpPr>
+      <p:pic>
+        <p:nvPicPr>
+          <p:cNvPr id="9" name="Picture 8" descr="A picture containing vector graphics&#10;&#10;Description automatically generated">
+            <a:extLst>
+              <a:ext uri="{FF2B5EF4-FFF2-40B4-BE49-F238E27FC236}">
+                <a16:creationId xmlns:a16="http://schemas.microsoft.com/office/drawing/2014/main" id="{EC7BB52E-97E1-4E04-AB9E-A3B958161ACD}"/>
+              </a:ext>
+            </a:extLst>
+          </p:cNvPr>
+          <p:cNvPicPr>
+            <a:picLocks noChangeAspect="1"/>
+          </p:cNvPicPr>
+          <p:nvPr/>
+        </p:nvPicPr>
+        <p:blipFill>
+          <a:blip r:embed="rId2">
+            <a:extLst>
+              <a:ext uri="{28A0092B-C50C-407E-A947-70E740481C1C}">
+                <a14:useLocalDpi xmlns:a14="http://schemas.microsoft.com/office/drawing/2010/main" val="0"/>
+              </a:ext>
+            </a:extLst>
+          </a:blip>
+          <a:stretch>
+            <a:fillRect/>
+          </a:stretch>
+        </p:blipFill>
+        <p:spPr>
+          <a:xfrm>
+            <a:off x="3242101" y="4095200"/>
+            <a:ext cx="231181" cy="222801"/>
+          </a:xfrm>
+          <a:prstGeom prst="rect">
+            <a:avLst/>
+          </a:prstGeom>
+        </p:spPr>
+      </p:pic>
       <p:sp>
         <p:nvSpPr>
           <p:cNvPr id="2" name="Title 1">
@@ -5912,21 +6204,27 @@
             <p:ph type="ctrTitle"/>
           </p:nvPr>
         </p:nvSpPr>
-        <p:spPr/>
-        <p:txBody>
-          <a:bodyPr/>
-          <a:lstStyle/>
-          <a:p>
-            <a:pPr algn="ctr"/>
-            <a:r>
-              <a:rPr lang="en-US" dirty="0"/>
+        <p:spPr>
+          <a:xfrm>
+            <a:off x="4687410" y="1803405"/>
+            <a:ext cx="6132990" cy="1825096"/>
+          </a:xfrm>
+        </p:spPr>
+        <p:txBody>
+          <a:bodyPr vert="horz" lIns="91440" tIns="45720" rIns="91440" bIns="45720" rtlCol="0" anchor="b">
+            <a:normAutofit/>
+          </a:bodyPr>
+          <a:lstStyle/>
+          <a:p>
+            <a:r>
+              <a:rPr lang="en-US" sz="4200"/>
               <a:t>Pokémon : Gen 1</a:t>
             </a:r>
             <a:br>
-              <a:rPr lang="en-US" dirty="0"/>
+              <a:rPr lang="en-US" sz="4200"/>
             </a:br>
             <a:r>
-              <a:rPr lang="en-US" dirty="0"/>
+              <a:rPr lang="en-US" sz="4200"/>
               <a:t>gotta graph em all </a:t>
             </a:r>
           </a:p>
@@ -5948,16 +6246,21 @@
             <p:ph type="subTitle" idx="1"/>
           </p:nvPr>
         </p:nvSpPr>
-        <p:spPr/>
-        <p:txBody>
-          <a:bodyPr>
+        <p:spPr>
+          <a:xfrm>
+            <a:off x="3823855" y="3632201"/>
+            <a:ext cx="8081157" cy="685800"/>
+          </a:xfrm>
+        </p:spPr>
+        <p:txBody>
+          <a:bodyPr vert="horz" lIns="91440" tIns="45720" rIns="91440" bIns="45720" rtlCol="0">
             <a:normAutofit/>
           </a:bodyPr>
           <a:lstStyle/>
           <a:p>
             <a:r>
               <a:rPr lang="en-US" dirty="0"/>
-              <a:t>	Ian Arch, Paige Breyfogle, Daniel Buescher, Andrew Stepanek </a:t>
+              <a:t>Ian Arch, Paige Breyfogle, Daniel Buescher, Andrew Stepanek </a:t>
             </a:r>
           </a:p>
           <a:p>
@@ -5965,6 +6268,42 @@
           </a:p>
         </p:txBody>
       </p:sp>
+      <p:pic>
+        <p:nvPicPr>
+          <p:cNvPr id="8" name="Picture 7" descr="Icon&#10;&#10;Description automatically generated">
+            <a:extLst>
+              <a:ext uri="{FF2B5EF4-FFF2-40B4-BE49-F238E27FC236}">
+                <a16:creationId xmlns:a16="http://schemas.microsoft.com/office/drawing/2014/main" id="{529B9001-645A-4927-A0C4-E6DC3EE0DBEF}"/>
+              </a:ext>
+            </a:extLst>
+          </p:cNvPr>
+          <p:cNvPicPr>
+            <a:picLocks noChangeAspect="1"/>
+          </p:cNvPicPr>
+          <p:nvPr/>
+        </p:nvPicPr>
+        <p:blipFill>
+          <a:blip r:embed="rId3">
+            <a:extLst>
+              <a:ext uri="{28A0092B-C50C-407E-A947-70E740481C1C}">
+                <a14:useLocalDpi xmlns:a14="http://schemas.microsoft.com/office/drawing/2010/main" val="0"/>
+              </a:ext>
+            </a:extLst>
+          </a:blip>
+          <a:stretch>
+            <a:fillRect/>
+          </a:stretch>
+        </p:blipFill>
+        <p:spPr>
+          <a:xfrm>
+            <a:off x="1371600" y="1803405"/>
+            <a:ext cx="2660904" cy="2660904"/>
+          </a:xfrm>
+          <a:prstGeom prst="rect">
+            <a:avLst/>
+          </a:prstGeom>
+        </p:spPr>
+      </p:pic>
       <p:sp>
         <p:nvSpPr>
           <p:cNvPr id="4" name="TextBox 3">
@@ -5993,13 +6332,14 @@
           </a:bodyPr>
           <a:lstStyle/>
           <a:p>
-            <a:r>
-              <a:rPr lang="en-US" sz="600" dirty="0" err="1"/>
-              <a:t>Ya</a:t>
-            </a:r>
-            <a:r>
-              <a:rPr lang="en-US" sz="600" dirty="0"/>
-              <a:t> know.. Instead of catch em all… oof tough crowd</a:t>
+            <a:pPr>
+              <a:spcAft>
+                <a:spcPts val="600"/>
+              </a:spcAft>
+            </a:pPr>
+            <a:r>
+              <a:rPr lang="en-US" sz="600"/>
+              <a:t>Ya know.. Instead of catch em all… oof tough crowd</a:t>
             </a:r>
           </a:p>
         </p:txBody>
@@ -6014,13 +6354,13 @@
   <p:clrMapOvr>
     <a:masterClrMapping/>
   </p:clrMapOvr>
-  <mc:AlternateContent xmlns:mc="http://schemas.openxmlformats.org/markup-compatibility/2006">
-    <mc:Choice xmlns:p159="http://schemas.microsoft.com/office/powerpoint/2015/09/main" Requires="p159">
+  <mc:AlternateContent xmlns:mc="http://schemas.openxmlformats.org/markup-compatibility/2006" xmlns:p159="http://schemas.microsoft.com/office/powerpoint/2015/09/main">
+    <mc:Choice Requires="p159">
       <p:transition xmlns:p14="http://schemas.microsoft.com/office/powerpoint/2010/main" spd="slow" p14:dur="2000">
         <p159:morph option="byObject"/>
       </p:transition>
     </mc:Choice>
-    <mc:Fallback>
+    <mc:Fallback xmlns="">
       <p:transition spd="slow">
         <p:fade/>
       </p:transition>
@@ -6048,19 +6388,17 @@
       </p:grpSpPr>
       <p:pic>
         <p:nvPicPr>
-          <p:cNvPr id="5" name="Content Placeholder 4" descr="A picture containing diagram&#10;&#10;Description automatically generated">
+          <p:cNvPr id="9" name="Picture 8" descr="A picture containing vector graphics&#10;&#10;Description automatically generated">
             <a:extLst>
               <a:ext uri="{FF2B5EF4-FFF2-40B4-BE49-F238E27FC236}">
-                <a16:creationId xmlns:a16="http://schemas.microsoft.com/office/drawing/2014/main" id="{3E5E3933-35E0-4F6B-A4FE-E3A90D90A12B}"/>
+                <a16:creationId xmlns:a16="http://schemas.microsoft.com/office/drawing/2014/main" id="{EC5DC943-86CA-445B-B5C1-9732C7B022BD}"/>
               </a:ext>
             </a:extLst>
           </p:cNvPr>
           <p:cNvPicPr>
-            <a:picLocks noGrp="1" noChangeAspect="1"/>
+            <a:picLocks noChangeAspect="1"/>
           </p:cNvPicPr>
-          <p:nvPr>
-            <p:ph idx="1"/>
-          </p:nvPr>
+          <p:nvPr/>
         </p:nvPicPr>
         <p:blipFill>
           <a:blip r:embed="rId2">
@@ -6075,6 +6413,74 @@
           </a:stretch>
         </p:blipFill>
         <p:spPr>
+          <a:xfrm rot="21400525" flipH="1">
+            <a:off x="98449" y="6543353"/>
+            <a:ext cx="217631" cy="209742"/>
+          </a:xfrm>
+          <a:prstGeom prst="rect">
+            <a:avLst/>
+          </a:prstGeom>
+        </p:spPr>
+      </p:pic>
+      <p:pic>
+        <p:nvPicPr>
+          <p:cNvPr id="3" name="Picture 2">
+            <a:extLst>
+              <a:ext uri="{FF2B5EF4-FFF2-40B4-BE49-F238E27FC236}">
+                <a16:creationId xmlns:a16="http://schemas.microsoft.com/office/drawing/2014/main" id="{F122FC4D-D693-4A8C-B3A2-3DAE7D584082}"/>
+              </a:ext>
+            </a:extLst>
+          </p:cNvPr>
+          <p:cNvPicPr>
+            <a:picLocks noChangeAspect="1"/>
+          </p:cNvPicPr>
+          <p:nvPr/>
+        </p:nvPicPr>
+        <p:blipFill>
+          <a:blip r:embed="rId3"/>
+          <a:stretch>
+            <a:fillRect/>
+          </a:stretch>
+        </p:blipFill>
+        <p:spPr>
+          <a:xfrm>
+            <a:off x="10330991" y="274751"/>
+            <a:ext cx="1912557" cy="1908180"/>
+          </a:xfrm>
+          <a:prstGeom prst="rect">
+            <a:avLst/>
+          </a:prstGeom>
+        </p:spPr>
+      </p:pic>
+      <p:pic>
+        <p:nvPicPr>
+          <p:cNvPr id="5" name="Content Placeholder 4" descr="A picture containing diagram&#10;&#10;Description automatically generated">
+            <a:extLst>
+              <a:ext uri="{FF2B5EF4-FFF2-40B4-BE49-F238E27FC236}">
+                <a16:creationId xmlns:a16="http://schemas.microsoft.com/office/drawing/2014/main" id="{3E5E3933-35E0-4F6B-A4FE-E3A90D90A12B}"/>
+              </a:ext>
+            </a:extLst>
+          </p:cNvPr>
+          <p:cNvPicPr>
+            <a:picLocks noGrp="1" noChangeAspect="1"/>
+          </p:cNvPicPr>
+          <p:nvPr>
+            <p:ph idx="1"/>
+          </p:nvPr>
+        </p:nvPicPr>
+        <p:blipFill>
+          <a:blip r:embed="rId4">
+            <a:extLst>
+              <a:ext uri="{28A0092B-C50C-407E-A947-70E740481C1C}">
+                <a14:useLocalDpi xmlns:a14="http://schemas.microsoft.com/office/drawing/2010/main" val="0"/>
+              </a:ext>
+            </a:extLst>
+          </a:blip>
+          <a:stretch>
+            <a:fillRect/>
+          </a:stretch>
+        </p:blipFill>
+        <p:spPr>
           <a:xfrm>
             <a:off x="207264" y="1442082"/>
             <a:ext cx="4108704" cy="5317147"/>
@@ -6156,6 +6562,41 @@
           </a:p>
         </p:txBody>
       </p:sp>
+      <p:pic>
+        <p:nvPicPr>
+          <p:cNvPr id="4" name="Picture 3">
+            <a:extLst>
+              <a:ext uri="{FF2B5EF4-FFF2-40B4-BE49-F238E27FC236}">
+                <a16:creationId xmlns:a16="http://schemas.microsoft.com/office/drawing/2014/main" id="{93653D0D-0DC8-4E05-AD33-11949B7BF05B}"/>
+              </a:ext>
+            </a:extLst>
+          </p:cNvPr>
+          <p:cNvPicPr>
+            <a:picLocks noChangeAspect="1"/>
+          </p:cNvPicPr>
+          <p:nvPr/>
+        </p:nvPicPr>
+        <p:blipFill rotWithShape="1">
+          <a:blip r:embed="rId5">
+            <a:extLst>
+              <a:ext uri="{28A0092B-C50C-407E-A947-70E740481C1C}">
+                <a14:useLocalDpi xmlns:a14="http://schemas.microsoft.com/office/drawing/2010/main" val="0"/>
+              </a:ext>
+            </a:extLst>
+          </a:blip>
+          <a:srcRect l="655" t="6055" r="2320" b="6316"/>
+          <a:stretch/>
+        </p:blipFill>
+        <p:spPr>
+          <a:xfrm>
+            <a:off x="9702053" y="4740088"/>
+            <a:ext cx="2282683" cy="1702712"/>
+          </a:xfrm>
+          <a:prstGeom prst="rect">
+            <a:avLst/>
+          </a:prstGeom>
+        </p:spPr>
+      </p:pic>
     </p:spTree>
     <p:extLst>
       <p:ext uri="{BB962C8B-B14F-4D97-AF65-F5344CB8AC3E}">
@@ -6166,13 +6607,13 @@
   <p:clrMapOvr>
     <a:masterClrMapping/>
   </p:clrMapOvr>
-  <mc:AlternateContent xmlns:mc="http://schemas.openxmlformats.org/markup-compatibility/2006">
-    <mc:Choice xmlns:p14="http://schemas.microsoft.com/office/powerpoint/2010/main" Requires="p14">
+  <mc:AlternateContent xmlns:mc="http://schemas.openxmlformats.org/markup-compatibility/2006" xmlns:p14="http://schemas.microsoft.com/office/powerpoint/2010/main">
+    <mc:Choice Requires="p14">
       <p:transition spd="slow" p14:dur="3400">
         <p14:reveal/>
       </p:transition>
     </mc:Choice>
-    <mc:Fallback>
+    <mc:Fallback xmlns="">
       <p:transition spd="slow">
         <p:fade/>
       </p:transition>
@@ -6198,6 +6639,42 @@
           <a:chExt cx="0" cy="0"/>
         </a:xfrm>
       </p:grpSpPr>
+      <p:pic>
+        <p:nvPicPr>
+          <p:cNvPr id="8" name="Picture 7" descr="A picture containing vector graphics&#10;&#10;Description automatically generated">
+            <a:extLst>
+              <a:ext uri="{FF2B5EF4-FFF2-40B4-BE49-F238E27FC236}">
+                <a16:creationId xmlns:a16="http://schemas.microsoft.com/office/drawing/2014/main" id="{D56400BE-B04B-4AE2-8D1D-D6F807DC520E}"/>
+              </a:ext>
+            </a:extLst>
+          </p:cNvPr>
+          <p:cNvPicPr>
+            <a:picLocks noChangeAspect="1"/>
+          </p:cNvPicPr>
+          <p:nvPr/>
+        </p:nvPicPr>
+        <p:blipFill>
+          <a:blip r:embed="rId2">
+            <a:extLst>
+              <a:ext uri="{28A0092B-C50C-407E-A947-70E740481C1C}">
+                <a14:useLocalDpi xmlns:a14="http://schemas.microsoft.com/office/drawing/2010/main" val="0"/>
+              </a:ext>
+            </a:extLst>
+          </a:blip>
+          <a:stretch>
+            <a:fillRect/>
+          </a:stretch>
+        </p:blipFill>
+        <p:spPr>
+          <a:xfrm>
+            <a:off x="11678874" y="6350624"/>
+            <a:ext cx="231181" cy="222801"/>
+          </a:xfrm>
+          <a:prstGeom prst="rect">
+            <a:avLst/>
+          </a:prstGeom>
+        </p:spPr>
+      </p:pic>
       <p:sp>
         <p:nvSpPr>
           <p:cNvPr id="2" name="Title 1">
@@ -6316,6 +6793,36 @@
           </a:p>
         </p:txBody>
       </p:sp>
+      <p:pic>
+        <p:nvPicPr>
+          <p:cNvPr id="4" name="Picture 3">
+            <a:extLst>
+              <a:ext uri="{FF2B5EF4-FFF2-40B4-BE49-F238E27FC236}">
+                <a16:creationId xmlns:a16="http://schemas.microsoft.com/office/drawing/2014/main" id="{FA4D4607-89AD-4F8F-99CB-23BAF300A079}"/>
+              </a:ext>
+            </a:extLst>
+          </p:cNvPr>
+          <p:cNvPicPr>
+            <a:picLocks noChangeAspect="1"/>
+          </p:cNvPicPr>
+          <p:nvPr/>
+        </p:nvPicPr>
+        <p:blipFill>
+          <a:blip r:embed="rId3"/>
+          <a:stretch>
+            <a:fillRect/>
+          </a:stretch>
+        </p:blipFill>
+        <p:spPr>
+          <a:xfrm>
+            <a:off x="10973127" y="5647765"/>
+            <a:ext cx="979957" cy="977714"/>
+          </a:xfrm>
+          <a:prstGeom prst="rect">
+            <a:avLst/>
+          </a:prstGeom>
+        </p:spPr>
+      </p:pic>
     </p:spTree>
     <p:extLst>
       <p:ext uri="{BB962C8B-B14F-4D97-AF65-F5344CB8AC3E}">
@@ -6349,6 +6856,36 @@
           <a:chExt cx="0" cy="0"/>
         </a:xfrm>
       </p:grpSpPr>
+      <p:pic>
+        <p:nvPicPr>
+          <p:cNvPr id="4" name="Picture 3">
+            <a:extLst>
+              <a:ext uri="{FF2B5EF4-FFF2-40B4-BE49-F238E27FC236}">
+                <a16:creationId xmlns:a16="http://schemas.microsoft.com/office/drawing/2014/main" id="{4F2B592D-46FD-40EC-A8E3-1CEEFCAB5D82}"/>
+              </a:ext>
+            </a:extLst>
+          </p:cNvPr>
+          <p:cNvPicPr>
+            <a:picLocks noChangeAspect="1"/>
+          </p:cNvPicPr>
+          <p:nvPr/>
+        </p:nvPicPr>
+        <p:blipFill>
+          <a:blip r:embed="rId2"/>
+          <a:stretch>
+            <a:fillRect/>
+          </a:stretch>
+        </p:blipFill>
+        <p:spPr>
+          <a:xfrm>
+            <a:off x="10973127" y="5561774"/>
+            <a:ext cx="1066145" cy="1063705"/>
+          </a:xfrm>
+          <a:prstGeom prst="rect">
+            <a:avLst/>
+          </a:prstGeom>
+        </p:spPr>
+      </p:pic>
       <p:sp>
         <p:nvSpPr>
           <p:cNvPr id="2" name="Title 1">
@@ -6468,6 +7005,42 @@
           </a:p>
         </p:txBody>
       </p:sp>
+      <p:pic>
+        <p:nvPicPr>
+          <p:cNvPr id="10" name="Picture 9" descr="A picture containing vector graphics&#10;&#10;Description automatically generated">
+            <a:extLst>
+              <a:ext uri="{FF2B5EF4-FFF2-40B4-BE49-F238E27FC236}">
+                <a16:creationId xmlns:a16="http://schemas.microsoft.com/office/drawing/2014/main" id="{CD27AC62-DD14-4056-8830-44C4FCE0B6FA}"/>
+              </a:ext>
+            </a:extLst>
+          </p:cNvPr>
+          <p:cNvPicPr>
+            <a:picLocks noChangeAspect="1"/>
+          </p:cNvPicPr>
+          <p:nvPr/>
+        </p:nvPicPr>
+        <p:blipFill>
+          <a:blip r:embed="rId3">
+            <a:extLst>
+              <a:ext uri="{28A0092B-C50C-407E-A947-70E740481C1C}">
+                <a14:useLocalDpi xmlns:a14="http://schemas.microsoft.com/office/drawing/2010/main" val="0"/>
+              </a:ext>
+            </a:extLst>
+          </a:blip>
+          <a:stretch>
+            <a:fillRect/>
+          </a:stretch>
+        </p:blipFill>
+        <p:spPr>
+          <a:xfrm>
+            <a:off x="11965629" y="-3921"/>
+            <a:ext cx="231181" cy="222801"/>
+          </a:xfrm>
+          <a:prstGeom prst="rect">
+            <a:avLst/>
+          </a:prstGeom>
+        </p:spPr>
+      </p:pic>
     </p:spTree>
     <p:extLst>
       <p:ext uri="{BB962C8B-B14F-4D97-AF65-F5344CB8AC3E}">
@@ -6501,6 +7074,42 @@
           <a:chExt cx="0" cy="0"/>
         </a:xfrm>
       </p:grpSpPr>
+      <p:pic>
+        <p:nvPicPr>
+          <p:cNvPr id="17" name="Picture 16" descr="A picture containing vector graphics&#10;&#10;Description automatically generated">
+            <a:extLst>
+              <a:ext uri="{FF2B5EF4-FFF2-40B4-BE49-F238E27FC236}">
+                <a16:creationId xmlns:a16="http://schemas.microsoft.com/office/drawing/2014/main" id="{D543B701-E33F-482C-876D-186407F34FF9}"/>
+              </a:ext>
+            </a:extLst>
+          </p:cNvPr>
+          <p:cNvPicPr>
+            <a:picLocks noChangeAspect="1"/>
+          </p:cNvPicPr>
+          <p:nvPr/>
+        </p:nvPicPr>
+        <p:blipFill>
+          <a:blip r:embed="rId2">
+            <a:extLst>
+              <a:ext uri="{28A0092B-C50C-407E-A947-70E740481C1C}">
+                <a14:useLocalDpi xmlns:a14="http://schemas.microsoft.com/office/drawing/2010/main" val="0"/>
+              </a:ext>
+            </a:extLst>
+          </a:blip>
+          <a:stretch>
+            <a:fillRect/>
+          </a:stretch>
+        </p:blipFill>
+        <p:spPr>
+          <a:xfrm>
+            <a:off x="827616" y="6466036"/>
+            <a:ext cx="231181" cy="222801"/>
+          </a:xfrm>
+          <a:prstGeom prst="rect">
+            <a:avLst/>
+          </a:prstGeom>
+        </p:spPr>
+      </p:pic>
       <p:sp>
         <p:nvSpPr>
           <p:cNvPr id="2" name="Title 1">
@@ -6545,7 +7154,12 @@
             <p:ph idx="1"/>
           </p:nvPr>
         </p:nvSpPr>
-        <p:spPr/>
+        <p:spPr>
+          <a:xfrm>
+            <a:off x="685800" y="1898650"/>
+            <a:ext cx="10549218" cy="3433109"/>
+          </a:xfrm>
+        </p:spPr>
         <p:txBody>
           <a:bodyPr/>
           <a:lstStyle/>
@@ -6561,7 +7175,7 @@
           <a:p>
             <a:r>
               <a:rPr lang="en-US" dirty="0"/>
-              <a:t>We broke the data down into the types so it was more visually appealing and easier to digest. </a:t>
+              <a:t>We broke the data down into the types, so it was more visually appealing and easier to digest. </a:t>
             </a:r>
           </a:p>
           <a:p>
@@ -6570,19 +7184,41 @@
           <a:p>
             <a:r>
               <a:rPr lang="en-US" dirty="0"/>
-              <a:t>We used a </a:t>
-            </a:r>
-            <a:r>
-              <a:rPr lang="en-US" dirty="0" err="1"/>
-              <a:t>Javascript</a:t>
-            </a:r>
-            <a:r>
-              <a:rPr lang="en-US" dirty="0"/>
-              <a:t> library not covered in class – this allowed us to do- </a:t>
-            </a:r>
-          </a:p>
-        </p:txBody>
-      </p:sp>
+              <a:t>We used a JavaScript library not covered in class , Anime.js which allowed us to create the small animation of the title upon the loading of the page </a:t>
+            </a:r>
+          </a:p>
+        </p:txBody>
+      </p:sp>
+      <p:pic>
+        <p:nvPicPr>
+          <p:cNvPr id="4" name="Picture 3">
+            <a:extLst>
+              <a:ext uri="{FF2B5EF4-FFF2-40B4-BE49-F238E27FC236}">
+                <a16:creationId xmlns:a16="http://schemas.microsoft.com/office/drawing/2014/main" id="{BBF34D38-0CB1-4318-9A7C-2E4F39EDEF77}"/>
+              </a:ext>
+            </a:extLst>
+          </p:cNvPr>
+          <p:cNvPicPr>
+            <a:picLocks noChangeAspect="1"/>
+          </p:cNvPicPr>
+          <p:nvPr/>
+        </p:nvPicPr>
+        <p:blipFill>
+          <a:blip r:embed="rId3"/>
+          <a:stretch>
+            <a:fillRect/>
+          </a:stretch>
+        </p:blipFill>
+        <p:spPr>
+          <a:xfrm>
+            <a:off x="0" y="5693555"/>
+            <a:ext cx="1104572" cy="1102044"/>
+          </a:xfrm>
+          <a:prstGeom prst="rect">
+            <a:avLst/>
+          </a:prstGeom>
+        </p:spPr>
+      </p:pic>
     </p:spTree>
     <p:extLst>
       <p:ext uri="{BB962C8B-B14F-4D97-AF65-F5344CB8AC3E}">
@@ -6594,13 +7230,13 @@
     <a:masterClrMapping/>
   </p:clrMapOvr>
   <mc:AlternateContent xmlns:mc="http://schemas.openxmlformats.org/markup-compatibility/2006">
-    <mc:Choice xmlns:p159="http://schemas.microsoft.com/office/powerpoint/2015/09/main" Requires="p159">
-      <p:transition xmlns:p14="http://schemas.microsoft.com/office/powerpoint/2010/main" spd="slow" p14:dur="2000">
-        <p159:morph option="byObject"/>
+    <mc:Choice xmlns:p14="http://schemas.microsoft.com/office/powerpoint/2010/main" Requires="p14">
+      <p:transition spd="med" p14:dur="700">
+        <p:fade/>
       </p:transition>
     </mc:Choice>
     <mc:Fallback>
-      <p:transition spd="slow">
+      <p:transition spd="med">
         <p:fade/>
       </p:transition>
     </mc:Fallback>

--- a/Presentation 2.pptx
+++ b/Presentation 2.pptx
@@ -8,10 +8,15 @@
     <p:sldId id="256" r:id="rId2"/>
     <p:sldId id="257" r:id="rId3"/>
     <p:sldId id="258" r:id="rId4"/>
-    <p:sldId id="259" r:id="rId5"/>
-    <p:sldId id="260" r:id="rId6"/>
-    <p:sldId id="261" r:id="rId7"/>
+    <p:sldId id="268" r:id="rId5"/>
+    <p:sldId id="261" r:id="rId6"/>
+    <p:sldId id="259" r:id="rId7"/>
     <p:sldId id="262" r:id="rId8"/>
+    <p:sldId id="263" r:id="rId9"/>
+    <p:sldId id="265" r:id="rId10"/>
+    <p:sldId id="260" r:id="rId11"/>
+    <p:sldId id="266" r:id="rId12"/>
+    <p:sldId id="267" r:id="rId13"/>
   </p:sldIdLst>
   <p:sldSz cx="12192000" cy="6858000"/>
   <p:notesSz cx="6858000" cy="9144000"/>
@@ -116,14 +121,6 @@
     </p:ext>
   </p:extLst>
 </p:presentation>
-</file>
-
-<file path=ppt/revisionInfo.xml><?xml version="1.0" encoding="utf-8"?>
-<p1510:revInfo xmlns:a="http://schemas.openxmlformats.org/drawingml/2006/main" xmlns:r="http://schemas.openxmlformats.org/officeDocument/2006/relationships" xmlns:p1510="http://schemas.microsoft.com/office/powerpoint/2015/10/main">
-  <p1510:revLst>
-    <p1510:client id="{95EEA666-69A3-4711-8A24-78F8FF8B7B8F}" v="34" dt="2021-05-21T23:55:38.931"/>
-  </p1510:revLst>
-</p1510:revInfo>
 </file>
 
 <file path=ppt/changesInfos/changesInfo1.xml><?xml version="1.0" encoding="utf-8"?>
@@ -508,6 +505,302 @@
       </pc:sldChg>
     </pc:docChg>
   </pc:docChgLst>
+  <pc:docChgLst>
+    <pc:chgData name="Ian Arch" userId="27dc412b4527548d" providerId="LiveId" clId="{00CA51AF-EBBF-4E16-9C07-17B75FFB120B}"/>
+    <pc:docChg chg="undo custSel addSld delSld modSld">
+      <pc:chgData name="Ian Arch" userId="27dc412b4527548d" providerId="LiveId" clId="{00CA51AF-EBBF-4E16-9C07-17B75FFB120B}" dt="2021-05-25T00:28:04.349" v="1603" actId="20577"/>
+      <pc:docMkLst>
+        <pc:docMk/>
+      </pc:docMkLst>
+      <pc:sldChg chg="modSp mod">
+        <pc:chgData name="Ian Arch" userId="27dc412b4527548d" providerId="LiveId" clId="{00CA51AF-EBBF-4E16-9C07-17B75FFB120B}" dt="2021-05-25T00:25:49.508" v="1543" actId="20577"/>
+        <pc:sldMkLst>
+          <pc:docMk/>
+          <pc:sldMk cId="3319003307" sldId="258"/>
+        </pc:sldMkLst>
+        <pc:spChg chg="mod">
+          <ac:chgData name="Ian Arch" userId="27dc412b4527548d" providerId="LiveId" clId="{00CA51AF-EBBF-4E16-9C07-17B75FFB120B}" dt="2021-05-24T23:57:10.131" v="18" actId="20577"/>
+          <ac:spMkLst>
+            <pc:docMk/>
+            <pc:sldMk cId="3319003307" sldId="258"/>
+            <ac:spMk id="2" creationId="{356BF46D-2D73-44F0-AD9E-0FEC2BFDE3EA}"/>
+          </ac:spMkLst>
+        </pc:spChg>
+        <pc:spChg chg="mod">
+          <ac:chgData name="Ian Arch" userId="27dc412b4527548d" providerId="LiveId" clId="{00CA51AF-EBBF-4E16-9C07-17B75FFB120B}" dt="2021-05-25T00:25:49.508" v="1543" actId="20577"/>
+          <ac:spMkLst>
+            <pc:docMk/>
+            <pc:sldMk cId="3319003307" sldId="258"/>
+            <ac:spMk id="3" creationId="{FE0F0902-579D-46B2-8EF5-0AE61F17FE18}"/>
+          </ac:spMkLst>
+        </pc:spChg>
+      </pc:sldChg>
+      <pc:sldChg chg="modSp mod">
+        <pc:chgData name="Ian Arch" userId="27dc412b4527548d" providerId="LiveId" clId="{00CA51AF-EBBF-4E16-9C07-17B75FFB120B}" dt="2021-05-25T00:27:37.535" v="1593" actId="20577"/>
+        <pc:sldMkLst>
+          <pc:docMk/>
+          <pc:sldMk cId="2794696610" sldId="259"/>
+        </pc:sldMkLst>
+        <pc:spChg chg="mod">
+          <ac:chgData name="Ian Arch" userId="27dc412b4527548d" providerId="LiveId" clId="{00CA51AF-EBBF-4E16-9C07-17B75FFB120B}" dt="2021-05-25T00:27:37.535" v="1593" actId="20577"/>
+          <ac:spMkLst>
+            <pc:docMk/>
+            <pc:sldMk cId="2794696610" sldId="259"/>
+            <ac:spMk id="2" creationId="{CE1D6688-B20B-4C52-BA61-6976BF236D8D}"/>
+          </ac:spMkLst>
+        </pc:spChg>
+        <pc:spChg chg="mod">
+          <ac:chgData name="Ian Arch" userId="27dc412b4527548d" providerId="LiveId" clId="{00CA51AF-EBBF-4E16-9C07-17B75FFB120B}" dt="2021-05-25T00:27:10.296" v="1591" actId="20577"/>
+          <ac:spMkLst>
+            <pc:docMk/>
+            <pc:sldMk cId="2794696610" sldId="259"/>
+            <ac:spMk id="3" creationId="{127EA3C2-E5D9-4D4C-B5F7-91809A55AE19}"/>
+          </ac:spMkLst>
+        </pc:spChg>
+      </pc:sldChg>
+      <pc:sldChg chg="modSp mod">
+        <pc:chgData name="Ian Arch" userId="27dc412b4527548d" providerId="LiveId" clId="{00CA51AF-EBBF-4E16-9C07-17B75FFB120B}" dt="2021-05-25T00:07:33.685" v="728" actId="5793"/>
+        <pc:sldMkLst>
+          <pc:docMk/>
+          <pc:sldMk cId="37169486" sldId="260"/>
+        </pc:sldMkLst>
+        <pc:spChg chg="mod">
+          <ac:chgData name="Ian Arch" userId="27dc412b4527548d" providerId="LiveId" clId="{00CA51AF-EBBF-4E16-9C07-17B75FFB120B}" dt="2021-05-25T00:07:31.996" v="725" actId="20577"/>
+          <ac:spMkLst>
+            <pc:docMk/>
+            <pc:sldMk cId="37169486" sldId="260"/>
+            <ac:spMk id="2" creationId="{02A61E0E-092E-481F-8A70-1A1A1EFB372F}"/>
+          </ac:spMkLst>
+        </pc:spChg>
+        <pc:spChg chg="mod">
+          <ac:chgData name="Ian Arch" userId="27dc412b4527548d" providerId="LiveId" clId="{00CA51AF-EBBF-4E16-9C07-17B75FFB120B}" dt="2021-05-25T00:07:33.685" v="728" actId="5793"/>
+          <ac:spMkLst>
+            <pc:docMk/>
+            <pc:sldMk cId="37169486" sldId="260"/>
+            <ac:spMk id="3" creationId="{8441EDFC-EC21-4D54-9BD6-590B5906B47D}"/>
+          </ac:spMkLst>
+        </pc:spChg>
+      </pc:sldChg>
+      <pc:sldChg chg="add del">
+        <pc:chgData name="Ian Arch" userId="27dc412b4527548d" providerId="LiveId" clId="{00CA51AF-EBBF-4E16-9C07-17B75FFB120B}" dt="2021-05-24T23:57:17.460" v="21" actId="47"/>
+        <pc:sldMkLst>
+          <pc:docMk/>
+          <pc:sldMk cId="1084260270" sldId="261"/>
+        </pc:sldMkLst>
+      </pc:sldChg>
+      <pc:sldChg chg="modSp add mod">
+        <pc:chgData name="Ian Arch" userId="27dc412b4527548d" providerId="LiveId" clId="{00CA51AF-EBBF-4E16-9C07-17B75FFB120B}" dt="2021-05-25T00:26:37.148" v="1564" actId="20577"/>
+        <pc:sldMkLst>
+          <pc:docMk/>
+          <pc:sldMk cId="2590858031" sldId="261"/>
+        </pc:sldMkLst>
+        <pc:spChg chg="mod">
+          <ac:chgData name="Ian Arch" userId="27dc412b4527548d" providerId="LiveId" clId="{00CA51AF-EBBF-4E16-9C07-17B75FFB120B}" dt="2021-05-25T00:26:37.148" v="1564" actId="20577"/>
+          <ac:spMkLst>
+            <pc:docMk/>
+            <pc:sldMk cId="2590858031" sldId="261"/>
+            <ac:spMk id="2" creationId="{356BF46D-2D73-44F0-AD9E-0FEC2BFDE3EA}"/>
+          </ac:spMkLst>
+        </pc:spChg>
+        <pc:spChg chg="mod">
+          <ac:chgData name="Ian Arch" userId="27dc412b4527548d" providerId="LiveId" clId="{00CA51AF-EBBF-4E16-9C07-17B75FFB120B}" dt="2021-05-25T00:24:15.309" v="1285" actId="21"/>
+          <ac:spMkLst>
+            <pc:docMk/>
+            <pc:sldMk cId="2590858031" sldId="261"/>
+            <ac:spMk id="3" creationId="{FE0F0902-579D-46B2-8EF5-0AE61F17FE18}"/>
+          </ac:spMkLst>
+        </pc:spChg>
+      </pc:sldChg>
+      <pc:sldChg chg="del">
+        <pc:chgData name="Ian Arch" userId="27dc412b4527548d" providerId="LiveId" clId="{00CA51AF-EBBF-4E16-9C07-17B75FFB120B}" dt="2021-05-24T23:53:07.253" v="0" actId="47"/>
+        <pc:sldMkLst>
+          <pc:docMk/>
+          <pc:sldMk cId="2633966618" sldId="261"/>
+        </pc:sldMkLst>
+      </pc:sldChg>
+      <pc:sldChg chg="modSp add mod">
+        <pc:chgData name="Ian Arch" userId="27dc412b4527548d" providerId="LiveId" clId="{00CA51AF-EBBF-4E16-9C07-17B75FFB120B}" dt="2021-05-25T00:27:53.610" v="1599" actId="20577"/>
+        <pc:sldMkLst>
+          <pc:docMk/>
+          <pc:sldMk cId="237005105" sldId="262"/>
+        </pc:sldMkLst>
+        <pc:spChg chg="mod">
+          <ac:chgData name="Ian Arch" userId="27dc412b4527548d" providerId="LiveId" clId="{00CA51AF-EBBF-4E16-9C07-17B75FFB120B}" dt="2021-05-25T00:27:40.462" v="1595" actId="20577"/>
+          <ac:spMkLst>
+            <pc:docMk/>
+            <pc:sldMk cId="237005105" sldId="262"/>
+            <ac:spMk id="2" creationId="{CE1D6688-B20B-4C52-BA61-6976BF236D8D}"/>
+          </ac:spMkLst>
+        </pc:spChg>
+        <pc:spChg chg="mod">
+          <ac:chgData name="Ian Arch" userId="27dc412b4527548d" providerId="LiveId" clId="{00CA51AF-EBBF-4E16-9C07-17B75FFB120B}" dt="2021-05-25T00:27:53.610" v="1599" actId="20577"/>
+          <ac:spMkLst>
+            <pc:docMk/>
+            <pc:sldMk cId="237005105" sldId="262"/>
+            <ac:spMk id="3" creationId="{127EA3C2-E5D9-4D4C-B5F7-91809A55AE19}"/>
+          </ac:spMkLst>
+        </pc:spChg>
+      </pc:sldChg>
+      <pc:sldChg chg="add del">
+        <pc:chgData name="Ian Arch" userId="27dc412b4527548d" providerId="LiveId" clId="{00CA51AF-EBBF-4E16-9C07-17B75FFB120B}" dt="2021-05-24T23:57:16.881" v="20" actId="47"/>
+        <pc:sldMkLst>
+          <pc:docMk/>
+          <pc:sldMk cId="626517326" sldId="262"/>
+        </pc:sldMkLst>
+      </pc:sldChg>
+      <pc:sldChg chg="del">
+        <pc:chgData name="Ian Arch" userId="27dc412b4527548d" providerId="LiveId" clId="{00CA51AF-EBBF-4E16-9C07-17B75FFB120B}" dt="2021-05-24T23:53:08.176" v="1" actId="47"/>
+        <pc:sldMkLst>
+          <pc:docMk/>
+          <pc:sldMk cId="932405880" sldId="262"/>
+        </pc:sldMkLst>
+      </pc:sldChg>
+      <pc:sldChg chg="add del">
+        <pc:chgData name="Ian Arch" userId="27dc412b4527548d" providerId="LiveId" clId="{00CA51AF-EBBF-4E16-9C07-17B75FFB120B}" dt="2021-05-24T23:58:35.914" v="91" actId="47"/>
+        <pc:sldMkLst>
+          <pc:docMk/>
+          <pc:sldMk cId="2674508430" sldId="262"/>
+        </pc:sldMkLst>
+      </pc:sldChg>
+      <pc:sldChg chg="modSp add mod">
+        <pc:chgData name="Ian Arch" userId="27dc412b4527548d" providerId="LiveId" clId="{00CA51AF-EBBF-4E16-9C07-17B75FFB120B}" dt="2021-05-25T00:27:59.815" v="1601" actId="20577"/>
+        <pc:sldMkLst>
+          <pc:docMk/>
+          <pc:sldMk cId="426154037" sldId="263"/>
+        </pc:sldMkLst>
+        <pc:spChg chg="mod">
+          <ac:chgData name="Ian Arch" userId="27dc412b4527548d" providerId="LiveId" clId="{00CA51AF-EBBF-4E16-9C07-17B75FFB120B}" dt="2021-05-25T00:27:59.815" v="1601" actId="20577"/>
+          <ac:spMkLst>
+            <pc:docMk/>
+            <pc:sldMk cId="426154037" sldId="263"/>
+            <ac:spMk id="2" creationId="{CE1D6688-B20B-4C52-BA61-6976BF236D8D}"/>
+          </ac:spMkLst>
+        </pc:spChg>
+        <pc:spChg chg="mod">
+          <ac:chgData name="Ian Arch" userId="27dc412b4527548d" providerId="LiveId" clId="{00CA51AF-EBBF-4E16-9C07-17B75FFB120B}" dt="2021-05-25T00:04:25.699" v="590" actId="20577"/>
+          <ac:spMkLst>
+            <pc:docMk/>
+            <pc:sldMk cId="426154037" sldId="263"/>
+            <ac:spMk id="3" creationId="{127EA3C2-E5D9-4D4C-B5F7-91809A55AE19}"/>
+          </ac:spMkLst>
+        </pc:spChg>
+      </pc:sldChg>
+      <pc:sldChg chg="add del">
+        <pc:chgData name="Ian Arch" userId="27dc412b4527548d" providerId="LiveId" clId="{00CA51AF-EBBF-4E16-9C07-17B75FFB120B}" dt="2021-05-24T23:57:16.276" v="19" actId="47"/>
+        <pc:sldMkLst>
+          <pc:docMk/>
+          <pc:sldMk cId="3695412092" sldId="263"/>
+        </pc:sldMkLst>
+      </pc:sldChg>
+      <pc:sldChg chg="modSp add del mod">
+        <pc:chgData name="Ian Arch" userId="27dc412b4527548d" providerId="LiveId" clId="{00CA51AF-EBBF-4E16-9C07-17B75FFB120B}" dt="2021-05-25T00:06:23.795" v="695" actId="47"/>
+        <pc:sldMkLst>
+          <pc:docMk/>
+          <pc:sldMk cId="2878932534" sldId="264"/>
+        </pc:sldMkLst>
+        <pc:spChg chg="mod">
+          <ac:chgData name="Ian Arch" userId="27dc412b4527548d" providerId="LiveId" clId="{00CA51AF-EBBF-4E16-9C07-17B75FFB120B}" dt="2021-05-25T00:05:33.687" v="648" actId="20577"/>
+          <ac:spMkLst>
+            <pc:docMk/>
+            <pc:sldMk cId="2878932534" sldId="264"/>
+            <ac:spMk id="2" creationId="{CE1D6688-B20B-4C52-BA61-6976BF236D8D}"/>
+          </ac:spMkLst>
+        </pc:spChg>
+      </pc:sldChg>
+      <pc:sldChg chg="modSp add mod">
+        <pc:chgData name="Ian Arch" userId="27dc412b4527548d" providerId="LiveId" clId="{00CA51AF-EBBF-4E16-9C07-17B75FFB120B}" dt="2021-05-25T00:28:04.349" v="1603" actId="20577"/>
+        <pc:sldMkLst>
+          <pc:docMk/>
+          <pc:sldMk cId="949181976" sldId="265"/>
+        </pc:sldMkLst>
+        <pc:spChg chg="mod">
+          <ac:chgData name="Ian Arch" userId="27dc412b4527548d" providerId="LiveId" clId="{00CA51AF-EBBF-4E16-9C07-17B75FFB120B}" dt="2021-05-25T00:28:04.349" v="1603" actId="20577"/>
+          <ac:spMkLst>
+            <pc:docMk/>
+            <pc:sldMk cId="949181976" sldId="265"/>
+            <ac:spMk id="2" creationId="{CE1D6688-B20B-4C52-BA61-6976BF236D8D}"/>
+          </ac:spMkLst>
+        </pc:spChg>
+        <pc:spChg chg="mod">
+          <ac:chgData name="Ian Arch" userId="27dc412b4527548d" providerId="LiveId" clId="{00CA51AF-EBBF-4E16-9C07-17B75FFB120B}" dt="2021-05-25T00:05:18.713" v="642" actId="20577"/>
+          <ac:spMkLst>
+            <pc:docMk/>
+            <pc:sldMk cId="949181976" sldId="265"/>
+            <ac:spMk id="3" creationId="{127EA3C2-E5D9-4D4C-B5F7-91809A55AE19}"/>
+          </ac:spMkLst>
+        </pc:spChg>
+      </pc:sldChg>
+      <pc:sldChg chg="modSp add mod">
+        <pc:chgData name="Ian Arch" userId="27dc412b4527548d" providerId="LiveId" clId="{00CA51AF-EBBF-4E16-9C07-17B75FFB120B}" dt="2021-05-25T00:13:04.629" v="1252" actId="20577"/>
+        <pc:sldMkLst>
+          <pc:docMk/>
+          <pc:sldMk cId="3874451766" sldId="266"/>
+        </pc:sldMkLst>
+        <pc:spChg chg="mod">
+          <ac:chgData name="Ian Arch" userId="27dc412b4527548d" providerId="LiveId" clId="{00CA51AF-EBBF-4E16-9C07-17B75FFB120B}" dt="2021-05-25T00:09:15.260" v="801" actId="1076"/>
+          <ac:spMkLst>
+            <pc:docMk/>
+            <pc:sldMk cId="3874451766" sldId="266"/>
+            <ac:spMk id="2" creationId="{02A61E0E-092E-481F-8A70-1A1A1EFB372F}"/>
+          </ac:spMkLst>
+        </pc:spChg>
+        <pc:spChg chg="mod">
+          <ac:chgData name="Ian Arch" userId="27dc412b4527548d" providerId="LiveId" clId="{00CA51AF-EBBF-4E16-9C07-17B75FFB120B}" dt="2021-05-25T00:13:04.629" v="1252" actId="20577"/>
+          <ac:spMkLst>
+            <pc:docMk/>
+            <pc:sldMk cId="3874451766" sldId="266"/>
+            <ac:spMk id="3" creationId="{8441EDFC-EC21-4D54-9BD6-590B5906B47D}"/>
+          </ac:spMkLst>
+        </pc:spChg>
+      </pc:sldChg>
+      <pc:sldChg chg="modSp add mod">
+        <pc:chgData name="Ian Arch" userId="27dc412b4527548d" providerId="LiveId" clId="{00CA51AF-EBBF-4E16-9C07-17B75FFB120B}" dt="2021-05-25T00:13:30.593" v="1275" actId="403"/>
+        <pc:sldMkLst>
+          <pc:docMk/>
+          <pc:sldMk cId="604414982" sldId="267"/>
+        </pc:sldMkLst>
+        <pc:spChg chg="mod">
+          <ac:chgData name="Ian Arch" userId="27dc412b4527548d" providerId="LiveId" clId="{00CA51AF-EBBF-4E16-9C07-17B75FFB120B}" dt="2021-05-25T00:13:30.593" v="1275" actId="403"/>
+          <ac:spMkLst>
+            <pc:docMk/>
+            <pc:sldMk cId="604414982" sldId="267"/>
+            <ac:spMk id="2" creationId="{02A61E0E-092E-481F-8A70-1A1A1EFB372F}"/>
+          </ac:spMkLst>
+        </pc:spChg>
+        <pc:spChg chg="mod">
+          <ac:chgData name="Ian Arch" userId="27dc412b4527548d" providerId="LiveId" clId="{00CA51AF-EBBF-4E16-9C07-17B75FFB120B}" dt="2021-05-25T00:13:10.916" v="1254" actId="20577"/>
+          <ac:spMkLst>
+            <pc:docMk/>
+            <pc:sldMk cId="604414982" sldId="267"/>
+            <ac:spMk id="3" creationId="{8441EDFC-EC21-4D54-9BD6-590B5906B47D}"/>
+          </ac:spMkLst>
+        </pc:spChg>
+      </pc:sldChg>
+      <pc:sldChg chg="modSp add mod">
+        <pc:chgData name="Ian Arch" userId="27dc412b4527548d" providerId="LiveId" clId="{00CA51AF-EBBF-4E16-9C07-17B75FFB120B}" dt="2021-05-25T00:26:27.366" v="1562" actId="20577"/>
+        <pc:sldMkLst>
+          <pc:docMk/>
+          <pc:sldMk cId="3814564333" sldId="268"/>
+        </pc:sldMkLst>
+        <pc:spChg chg="mod">
+          <ac:chgData name="Ian Arch" userId="27dc412b4527548d" providerId="LiveId" clId="{00CA51AF-EBBF-4E16-9C07-17B75FFB120B}" dt="2021-05-25T00:23:19.514" v="1284" actId="20577"/>
+          <ac:spMkLst>
+            <pc:docMk/>
+            <pc:sldMk cId="3814564333" sldId="268"/>
+            <ac:spMk id="2" creationId="{356BF46D-2D73-44F0-AD9E-0FEC2BFDE3EA}"/>
+          </ac:spMkLst>
+        </pc:spChg>
+        <pc:spChg chg="mod">
+          <ac:chgData name="Ian Arch" userId="27dc412b4527548d" providerId="LiveId" clId="{00CA51AF-EBBF-4E16-9C07-17B75FFB120B}" dt="2021-05-25T00:26:27.366" v="1562" actId="20577"/>
+          <ac:spMkLst>
+            <pc:docMk/>
+            <pc:sldMk cId="3814564333" sldId="268"/>
+            <ac:spMk id="3" creationId="{FE0F0902-579D-46B2-8EF5-0AE61F17FE18}"/>
+          </ac:spMkLst>
+        </pc:spChg>
+      </pc:sldChg>
+    </pc:docChg>
+  </pc:docChgLst>
 </pc:chgInfo>
 </file>
 
@@ -681,7 +974,7 @@
           <a:p>
             <a:fld id="{76BA69CB-1466-4EED-AE5E-F8C63754211A}" type="datetimeFigureOut">
               <a:rPr lang="en-US" smtClean="0"/>
-              <a:t>5/21/2021</a:t>
+              <a:t>5/24/2021</a:t>
             </a:fld>
             <a:endParaRPr lang="en-US"/>
           </a:p>
@@ -948,7 +1241,7 @@
           <a:p>
             <a:fld id="{76BA69CB-1466-4EED-AE5E-F8C63754211A}" type="datetimeFigureOut">
               <a:rPr lang="en-US" smtClean="0"/>
-              <a:t>5/21/2021</a:t>
+              <a:t>5/24/2021</a:t>
             </a:fld>
             <a:endParaRPr lang="en-US"/>
           </a:p>
@@ -1179,7 +1472,7 @@
           <a:p>
             <a:fld id="{76BA69CB-1466-4EED-AE5E-F8C63754211A}" type="datetimeFigureOut">
               <a:rPr lang="en-US" smtClean="0"/>
-              <a:t>5/21/2021</a:t>
+              <a:t>5/24/2021</a:t>
             </a:fld>
             <a:endParaRPr lang="en-US"/>
           </a:p>
@@ -1489,7 +1782,7 @@
           <a:p>
             <a:fld id="{76BA69CB-1466-4EED-AE5E-F8C63754211A}" type="datetimeFigureOut">
               <a:rPr lang="en-US" smtClean="0"/>
-              <a:t>5/21/2021</a:t>
+              <a:t>5/24/2021</a:t>
             </a:fld>
             <a:endParaRPr lang="en-US"/>
           </a:p>
@@ -1962,7 +2255,7 @@
           <a:p>
             <a:fld id="{76BA69CB-1466-4EED-AE5E-F8C63754211A}" type="datetimeFigureOut">
               <a:rPr lang="en-US" smtClean="0"/>
-              <a:t>5/21/2021</a:t>
+              <a:t>5/24/2021</a:t>
             </a:fld>
             <a:endParaRPr lang="en-US"/>
           </a:p>
@@ -2509,7 +2802,7 @@
           <a:p>
             <a:fld id="{76BA69CB-1466-4EED-AE5E-F8C63754211A}" type="datetimeFigureOut">
               <a:rPr lang="en-US" smtClean="0"/>
-              <a:t>5/21/2021</a:t>
+              <a:t>5/24/2021</a:t>
             </a:fld>
             <a:endParaRPr lang="en-US"/>
           </a:p>
@@ -3283,7 +3576,7 @@
           <a:p>
             <a:fld id="{76BA69CB-1466-4EED-AE5E-F8C63754211A}" type="datetimeFigureOut">
               <a:rPr lang="en-US" smtClean="0"/>
-              <a:t>5/21/2021</a:t>
+              <a:t>5/24/2021</a:t>
             </a:fld>
             <a:endParaRPr lang="en-US"/>
           </a:p>
@@ -3458,7 +3751,7 @@
           <a:p>
             <a:fld id="{76BA69CB-1466-4EED-AE5E-F8C63754211A}" type="datetimeFigureOut">
               <a:rPr lang="en-US" smtClean="0"/>
-              <a:t>5/21/2021</a:t>
+              <a:t>5/24/2021</a:t>
             </a:fld>
             <a:endParaRPr lang="en-US"/>
           </a:p>
@@ -3681,7 +3974,7 @@
           <a:p>
             <a:fld id="{76BA69CB-1466-4EED-AE5E-F8C63754211A}" type="datetimeFigureOut">
               <a:rPr lang="en-US" smtClean="0"/>
-              <a:t>5/21/2021</a:t>
+              <a:t>5/24/2021</a:t>
             </a:fld>
             <a:endParaRPr lang="en-US"/>
           </a:p>
@@ -3861,7 +4154,7 @@
           <a:p>
             <a:fld id="{76BA69CB-1466-4EED-AE5E-F8C63754211A}" type="datetimeFigureOut">
               <a:rPr lang="en-US" smtClean="0"/>
-              <a:t>5/21/2021</a:t>
+              <a:t>5/24/2021</a:t>
             </a:fld>
             <a:endParaRPr lang="en-US"/>
           </a:p>
@@ -4150,7 +4443,7 @@
           <a:p>
             <a:fld id="{76BA69CB-1466-4EED-AE5E-F8C63754211A}" type="datetimeFigureOut">
               <a:rPr lang="en-US" smtClean="0"/>
-              <a:t>5/21/2021</a:t>
+              <a:t>5/24/2021</a:t>
             </a:fld>
             <a:endParaRPr lang="en-US"/>
           </a:p>
@@ -4392,7 +4685,7 @@
           <a:p>
             <a:fld id="{76BA69CB-1466-4EED-AE5E-F8C63754211A}" type="datetimeFigureOut">
               <a:rPr lang="en-US" smtClean="0"/>
-              <a:t>5/21/2021</a:t>
+              <a:t>5/24/2021</a:t>
             </a:fld>
             <a:endParaRPr lang="en-US"/>
           </a:p>
@@ -4771,7 +5064,7 @@
           <a:p>
             <a:fld id="{76BA69CB-1466-4EED-AE5E-F8C63754211A}" type="datetimeFigureOut">
               <a:rPr lang="en-US" smtClean="0"/>
-              <a:t>5/21/2021</a:t>
+              <a:t>5/24/2021</a:t>
             </a:fld>
             <a:endParaRPr lang="en-US"/>
           </a:p>
@@ -4889,7 +5182,7 @@
           <a:p>
             <a:fld id="{76BA69CB-1466-4EED-AE5E-F8C63754211A}" type="datetimeFigureOut">
               <a:rPr lang="en-US" smtClean="0"/>
-              <a:t>5/21/2021</a:t>
+              <a:t>5/24/2021</a:t>
             </a:fld>
             <a:endParaRPr lang="en-US"/>
           </a:p>
@@ -4984,7 +5277,7 @@
           <a:p>
             <a:fld id="{76BA69CB-1466-4EED-AE5E-F8C63754211A}" type="datetimeFigureOut">
               <a:rPr lang="en-US" smtClean="0"/>
-              <a:t>5/21/2021</a:t>
+              <a:t>5/24/2021</a:t>
             </a:fld>
             <a:endParaRPr lang="en-US"/>
           </a:p>
@@ -5233,7 +5526,7 @@
           <a:p>
             <a:fld id="{76BA69CB-1466-4EED-AE5E-F8C63754211A}" type="datetimeFigureOut">
               <a:rPr lang="en-US" smtClean="0"/>
-              <a:t>5/21/2021</a:t>
+              <a:t>5/24/2021</a:t>
             </a:fld>
             <a:endParaRPr lang="en-US"/>
           </a:p>
@@ -5490,7 +5783,7 @@
           <a:p>
             <a:fld id="{76BA69CB-1466-4EED-AE5E-F8C63754211A}" type="datetimeFigureOut">
               <a:rPr lang="en-US" smtClean="0"/>
-              <a:t>5/21/2021</a:t>
+              <a:t>5/24/2021</a:t>
             </a:fld>
             <a:endParaRPr lang="en-US"/>
           </a:p>
@@ -5733,7 +6026,7 @@
           <a:p>
             <a:fld id="{76BA69CB-1466-4EED-AE5E-F8C63754211A}" type="datetimeFigureOut">
               <a:rPr lang="en-US" smtClean="0"/>
-              <a:t>5/21/2021</a:t>
+              <a:t>5/24/2021</a:t>
             </a:fld>
             <a:endParaRPr lang="en-US"/>
           </a:p>
@@ -6217,15 +6510,27 @@
           <a:lstStyle/>
           <a:p>
             <a:r>
-              <a:rPr lang="en-US" sz="4200"/>
+              <a:rPr lang="en-US" sz="4200" dirty="0"/>
               <a:t>Pokémon : Gen 1</a:t>
             </a:r>
             <a:br>
-              <a:rPr lang="en-US" sz="4200"/>
+              <a:rPr lang="en-US" sz="4200" dirty="0"/>
             </a:br>
             <a:r>
-              <a:rPr lang="en-US" sz="4200"/>
-              <a:t>gotta graph em all </a:t>
+              <a:rPr lang="en-US" sz="4200" dirty="0" err="1"/>
+              <a:t>gotta</a:t>
+            </a:r>
+            <a:r>
+              <a:rPr lang="en-US" sz="4200" dirty="0"/>
+              <a:t> graph </a:t>
+            </a:r>
+            <a:r>
+              <a:rPr lang="en-US" sz="4200" dirty="0" err="1"/>
+              <a:t>em</a:t>
+            </a:r>
+            <a:r>
+              <a:rPr lang="en-US" sz="4200" dirty="0"/>
+              <a:t> all </a:t>
             </a:r>
           </a:p>
         </p:txBody>
@@ -6362,6 +6667,629 @@
     </mc:Choice>
     <mc:Fallback xmlns="">
       <p:transition spd="slow">
+        <p:fade/>
+      </p:transition>
+    </mc:Fallback>
+  </mc:AlternateContent>
+</p:sld>
+</file>
+
+<file path=ppt/slides/slide10.xml><?xml version="1.0" encoding="utf-8"?>
+<p:sld xmlns:a="http://schemas.openxmlformats.org/drawingml/2006/main" xmlns:r="http://schemas.openxmlformats.org/officeDocument/2006/relationships" xmlns:p="http://schemas.openxmlformats.org/presentationml/2006/main">
+  <p:cSld>
+    <p:spTree>
+      <p:nvGrpSpPr>
+        <p:cNvPr id="1" name=""/>
+        <p:cNvGrpSpPr/>
+        <p:nvPr/>
+      </p:nvGrpSpPr>
+      <p:grpSpPr>
+        <a:xfrm>
+          <a:off x="0" y="0"/>
+          <a:ext cx="0" cy="0"/>
+          <a:chOff x="0" y="0"/>
+          <a:chExt cx="0" cy="0"/>
+        </a:xfrm>
+      </p:grpSpPr>
+      <p:pic>
+        <p:nvPicPr>
+          <p:cNvPr id="17" name="Picture 16" descr="A picture containing vector graphics&#10;&#10;Description automatically generated">
+            <a:extLst>
+              <a:ext uri="{FF2B5EF4-FFF2-40B4-BE49-F238E27FC236}">
+                <a16:creationId xmlns:a16="http://schemas.microsoft.com/office/drawing/2014/main" id="{D543B701-E33F-482C-876D-186407F34FF9}"/>
+              </a:ext>
+            </a:extLst>
+          </p:cNvPr>
+          <p:cNvPicPr>
+            <a:picLocks noChangeAspect="1"/>
+          </p:cNvPicPr>
+          <p:nvPr/>
+        </p:nvPicPr>
+        <p:blipFill>
+          <a:blip r:embed="rId2">
+            <a:extLst>
+              <a:ext uri="{28A0092B-C50C-407E-A947-70E740481C1C}">
+                <a14:useLocalDpi xmlns:a14="http://schemas.microsoft.com/office/drawing/2010/main" val="0"/>
+              </a:ext>
+            </a:extLst>
+          </a:blip>
+          <a:stretch>
+            <a:fillRect/>
+          </a:stretch>
+        </p:blipFill>
+        <p:spPr>
+          <a:xfrm>
+            <a:off x="827616" y="6466036"/>
+            <a:ext cx="231181" cy="222801"/>
+          </a:xfrm>
+          <a:prstGeom prst="rect">
+            <a:avLst/>
+          </a:prstGeom>
+        </p:spPr>
+      </p:pic>
+      <p:sp>
+        <p:nvSpPr>
+          <p:cNvPr id="2" name="Title 1">
+            <a:extLst>
+              <a:ext uri="{FF2B5EF4-FFF2-40B4-BE49-F238E27FC236}">
+                <a16:creationId xmlns:a16="http://schemas.microsoft.com/office/drawing/2014/main" id="{02A61E0E-092E-481F-8A70-1A1A1EFB372F}"/>
+              </a:ext>
+            </a:extLst>
+          </p:cNvPr>
+          <p:cNvSpPr>
+            <a:spLocks noGrp="1"/>
+          </p:cNvSpPr>
+          <p:nvPr>
+            <p:ph type="title"/>
+          </p:nvPr>
+        </p:nvSpPr>
+        <p:spPr/>
+        <p:txBody>
+          <a:bodyPr/>
+          <a:lstStyle/>
+          <a:p>
+            <a:r>
+              <a:rPr lang="en-US" dirty="0"/>
+              <a:t>Final Visualization  </a:t>
+            </a:r>
+          </a:p>
+        </p:txBody>
+      </p:sp>
+      <p:sp>
+        <p:nvSpPr>
+          <p:cNvPr id="3" name="Content Placeholder 2">
+            <a:extLst>
+              <a:ext uri="{FF2B5EF4-FFF2-40B4-BE49-F238E27FC236}">
+                <a16:creationId xmlns:a16="http://schemas.microsoft.com/office/drawing/2014/main" id="{8441EDFC-EC21-4D54-9BD6-590B5906B47D}"/>
+              </a:ext>
+            </a:extLst>
+          </p:cNvPr>
+          <p:cNvSpPr>
+            <a:spLocks noGrp="1"/>
+          </p:cNvSpPr>
+          <p:nvPr>
+            <p:ph idx="1"/>
+          </p:nvPr>
+        </p:nvSpPr>
+        <p:spPr>
+          <a:xfrm>
+            <a:off x="685800" y="1898650"/>
+            <a:ext cx="10549218" cy="3433109"/>
+          </a:xfrm>
+        </p:spPr>
+        <p:txBody>
+          <a:bodyPr/>
+          <a:lstStyle/>
+          <a:p>
+            <a:r>
+              <a:rPr lang="en-US" dirty="0"/>
+              <a:t>We wanted to have graphic representation of the different stats and incorporate some interaction with updates based on the selected Pokémon type.</a:t>
+            </a:r>
+          </a:p>
+          <a:p>
+            <a:pPr marL="0" indent="0">
+              <a:buNone/>
+            </a:pPr>
+            <a:endParaRPr lang="en-US" dirty="0"/>
+          </a:p>
+          <a:p>
+            <a:r>
+              <a:rPr lang="en-US" dirty="0"/>
+              <a:t>We broke the data down into the types, so it was more visually appealing and easier to digest. </a:t>
+            </a:r>
+          </a:p>
+          <a:p>
+            <a:endParaRPr lang="en-US" dirty="0"/>
+          </a:p>
+          <a:p>
+            <a:pPr marL="0" indent="0">
+              <a:buNone/>
+            </a:pPr>
+            <a:endParaRPr lang="en-US" dirty="0"/>
+          </a:p>
+          <a:p>
+            <a:endParaRPr lang="en-US" dirty="0"/>
+          </a:p>
+        </p:txBody>
+      </p:sp>
+      <p:pic>
+        <p:nvPicPr>
+          <p:cNvPr id="4" name="Picture 3">
+            <a:extLst>
+              <a:ext uri="{FF2B5EF4-FFF2-40B4-BE49-F238E27FC236}">
+                <a16:creationId xmlns:a16="http://schemas.microsoft.com/office/drawing/2014/main" id="{BBF34D38-0CB1-4318-9A7C-2E4F39EDEF77}"/>
+              </a:ext>
+            </a:extLst>
+          </p:cNvPr>
+          <p:cNvPicPr>
+            <a:picLocks noChangeAspect="1"/>
+          </p:cNvPicPr>
+          <p:nvPr/>
+        </p:nvPicPr>
+        <p:blipFill>
+          <a:blip r:embed="rId3"/>
+          <a:stretch>
+            <a:fillRect/>
+          </a:stretch>
+        </p:blipFill>
+        <p:spPr>
+          <a:xfrm>
+            <a:off x="0" y="5693555"/>
+            <a:ext cx="1104572" cy="1102044"/>
+          </a:xfrm>
+          <a:prstGeom prst="rect">
+            <a:avLst/>
+          </a:prstGeom>
+        </p:spPr>
+      </p:pic>
+    </p:spTree>
+    <p:extLst>
+      <p:ext uri="{BB962C8B-B14F-4D97-AF65-F5344CB8AC3E}">
+        <p14:creationId xmlns:p14="http://schemas.microsoft.com/office/powerpoint/2010/main" val="37169486"/>
+      </p:ext>
+    </p:extLst>
+  </p:cSld>
+  <p:clrMapOvr>
+    <a:masterClrMapping/>
+  </p:clrMapOvr>
+  <mc:AlternateContent xmlns:mc="http://schemas.openxmlformats.org/markup-compatibility/2006" xmlns:p14="http://schemas.microsoft.com/office/powerpoint/2010/main">
+    <mc:Choice Requires="p14">
+      <p:transition spd="med" p14:dur="700">
+        <p:fade/>
+      </p:transition>
+    </mc:Choice>
+    <mc:Fallback xmlns="">
+      <p:transition spd="med">
+        <p:fade/>
+      </p:transition>
+    </mc:Fallback>
+  </mc:AlternateContent>
+</p:sld>
+</file>
+
+<file path=ppt/slides/slide11.xml><?xml version="1.0" encoding="utf-8"?>
+<p:sld xmlns:a="http://schemas.openxmlformats.org/drawingml/2006/main" xmlns:r="http://schemas.openxmlformats.org/officeDocument/2006/relationships" xmlns:p="http://schemas.openxmlformats.org/presentationml/2006/main">
+  <p:cSld>
+    <p:spTree>
+      <p:nvGrpSpPr>
+        <p:cNvPr id="1" name=""/>
+        <p:cNvGrpSpPr/>
+        <p:nvPr/>
+      </p:nvGrpSpPr>
+      <p:grpSpPr>
+        <a:xfrm>
+          <a:off x="0" y="0"/>
+          <a:ext cx="0" cy="0"/>
+          <a:chOff x="0" y="0"/>
+          <a:chExt cx="0" cy="0"/>
+        </a:xfrm>
+      </p:grpSpPr>
+      <p:pic>
+        <p:nvPicPr>
+          <p:cNvPr id="17" name="Picture 16" descr="A picture containing vector graphics&#10;&#10;Description automatically generated">
+            <a:extLst>
+              <a:ext uri="{FF2B5EF4-FFF2-40B4-BE49-F238E27FC236}">
+                <a16:creationId xmlns:a16="http://schemas.microsoft.com/office/drawing/2014/main" id="{D543B701-E33F-482C-876D-186407F34FF9}"/>
+              </a:ext>
+            </a:extLst>
+          </p:cNvPr>
+          <p:cNvPicPr>
+            <a:picLocks noChangeAspect="1"/>
+          </p:cNvPicPr>
+          <p:nvPr/>
+        </p:nvPicPr>
+        <p:blipFill>
+          <a:blip r:embed="rId2">
+            <a:extLst>
+              <a:ext uri="{28A0092B-C50C-407E-A947-70E740481C1C}">
+                <a14:useLocalDpi xmlns:a14="http://schemas.microsoft.com/office/drawing/2010/main" val="0"/>
+              </a:ext>
+            </a:extLst>
+          </a:blip>
+          <a:stretch>
+            <a:fillRect/>
+          </a:stretch>
+        </p:blipFill>
+        <p:spPr>
+          <a:xfrm>
+            <a:off x="827616" y="6466036"/>
+            <a:ext cx="231181" cy="222801"/>
+          </a:xfrm>
+          <a:prstGeom prst="rect">
+            <a:avLst/>
+          </a:prstGeom>
+        </p:spPr>
+      </p:pic>
+      <p:sp>
+        <p:nvSpPr>
+          <p:cNvPr id="2" name="Title 1">
+            <a:extLst>
+              <a:ext uri="{FF2B5EF4-FFF2-40B4-BE49-F238E27FC236}">
+                <a16:creationId xmlns:a16="http://schemas.microsoft.com/office/drawing/2014/main" id="{02A61E0E-092E-481F-8A70-1A1A1EFB372F}"/>
+              </a:ext>
+            </a:extLst>
+          </p:cNvPr>
+          <p:cNvSpPr>
+            <a:spLocks noGrp="1"/>
+          </p:cNvSpPr>
+          <p:nvPr>
+            <p:ph type="title"/>
+          </p:nvPr>
+        </p:nvSpPr>
+        <p:spPr>
+          <a:xfrm>
+            <a:off x="2962712" y="605622"/>
+            <a:ext cx="8610600" cy="1293028"/>
+          </a:xfrm>
+        </p:spPr>
+        <p:txBody>
+          <a:bodyPr/>
+          <a:lstStyle/>
+          <a:p>
+            <a:r>
+              <a:rPr lang="en-US" dirty="0"/>
+              <a:t>Lost Battles</a:t>
+            </a:r>
+            <a:br>
+              <a:rPr lang="en-US" dirty="0"/>
+            </a:br>
+            <a:r>
+              <a:rPr lang="en-US" dirty="0"/>
+              <a:t>Trials &amp; Tribulations</a:t>
+            </a:r>
+          </a:p>
+        </p:txBody>
+      </p:sp>
+      <p:sp>
+        <p:nvSpPr>
+          <p:cNvPr id="3" name="Content Placeholder 2">
+            <a:extLst>
+              <a:ext uri="{FF2B5EF4-FFF2-40B4-BE49-F238E27FC236}">
+                <a16:creationId xmlns:a16="http://schemas.microsoft.com/office/drawing/2014/main" id="{8441EDFC-EC21-4D54-9BD6-590B5906B47D}"/>
+              </a:ext>
+            </a:extLst>
+          </p:cNvPr>
+          <p:cNvSpPr>
+            <a:spLocks noGrp="1"/>
+          </p:cNvSpPr>
+          <p:nvPr>
+            <p:ph idx="1"/>
+          </p:nvPr>
+        </p:nvSpPr>
+        <p:spPr>
+          <a:xfrm>
+            <a:off x="677411" y="1974151"/>
+            <a:ext cx="10549218" cy="3433109"/>
+          </a:xfrm>
+        </p:spPr>
+        <p:txBody>
+          <a:bodyPr/>
+          <a:lstStyle/>
+          <a:p>
+            <a:r>
+              <a:rPr lang="en-US" dirty="0"/>
+              <a:t>Additional JavaScript library selection</a:t>
+            </a:r>
+          </a:p>
+          <a:p>
+            <a:pPr lvl="1"/>
+            <a:r>
+              <a:rPr lang="en-US" dirty="0"/>
+              <a:t>Multiple options tested and failed: </a:t>
+            </a:r>
+            <a:r>
+              <a:rPr lang="en-US" dirty="0" err="1"/>
+              <a:t>FullPage</a:t>
+            </a:r>
+            <a:r>
+              <a:rPr lang="en-US" dirty="0"/>
+              <a:t> &amp; </a:t>
+            </a:r>
+            <a:r>
+              <a:rPr lang="en-US" dirty="0" err="1"/>
+              <a:t>ScreenFull</a:t>
+            </a:r>
+            <a:endParaRPr lang="en-US" dirty="0"/>
+          </a:p>
+          <a:p>
+            <a:r>
+              <a:rPr lang="en-US" dirty="0"/>
+              <a:t>D3 Edits</a:t>
+            </a:r>
+          </a:p>
+          <a:p>
+            <a:pPr lvl="1"/>
+            <a:r>
+              <a:rPr lang="en-US" dirty="0"/>
+              <a:t>Visualization tested and failed: Radar-Chart</a:t>
+            </a:r>
+          </a:p>
+          <a:p>
+            <a:r>
+              <a:rPr lang="en-US" dirty="0"/>
+              <a:t>CSS Styling</a:t>
+            </a:r>
+          </a:p>
+          <a:p>
+            <a:pPr lvl="1"/>
+            <a:r>
+              <a:rPr lang="en-US" dirty="0"/>
+              <a:t>Focused on getting a functioning website – did not get to the styling we had hoped for</a:t>
+            </a:r>
+          </a:p>
+          <a:p>
+            <a:pPr lvl="2"/>
+            <a:r>
+              <a:rPr lang="en-US" dirty="0"/>
+              <a:t>Misalignment of components</a:t>
+            </a:r>
+          </a:p>
+          <a:p>
+            <a:pPr lvl="2"/>
+            <a:r>
+              <a:rPr lang="en-US" dirty="0"/>
+              <a:t>Failure to build table for listed Pokémon</a:t>
+            </a:r>
+          </a:p>
+          <a:p>
+            <a:pPr marL="0" indent="0">
+              <a:buNone/>
+            </a:pPr>
+            <a:endParaRPr lang="en-US" dirty="0"/>
+          </a:p>
+          <a:p>
+            <a:endParaRPr lang="en-US" dirty="0"/>
+          </a:p>
+        </p:txBody>
+      </p:sp>
+      <p:pic>
+        <p:nvPicPr>
+          <p:cNvPr id="4" name="Picture 3">
+            <a:extLst>
+              <a:ext uri="{FF2B5EF4-FFF2-40B4-BE49-F238E27FC236}">
+                <a16:creationId xmlns:a16="http://schemas.microsoft.com/office/drawing/2014/main" id="{BBF34D38-0CB1-4318-9A7C-2E4F39EDEF77}"/>
+              </a:ext>
+            </a:extLst>
+          </p:cNvPr>
+          <p:cNvPicPr>
+            <a:picLocks noChangeAspect="1"/>
+          </p:cNvPicPr>
+          <p:nvPr/>
+        </p:nvPicPr>
+        <p:blipFill>
+          <a:blip r:embed="rId3"/>
+          <a:stretch>
+            <a:fillRect/>
+          </a:stretch>
+        </p:blipFill>
+        <p:spPr>
+          <a:xfrm>
+            <a:off x="0" y="5693555"/>
+            <a:ext cx="1104572" cy="1102044"/>
+          </a:xfrm>
+          <a:prstGeom prst="rect">
+            <a:avLst/>
+          </a:prstGeom>
+        </p:spPr>
+      </p:pic>
+    </p:spTree>
+    <p:extLst>
+      <p:ext uri="{BB962C8B-B14F-4D97-AF65-F5344CB8AC3E}">
+        <p14:creationId xmlns:p14="http://schemas.microsoft.com/office/powerpoint/2010/main" val="3874451766"/>
+      </p:ext>
+    </p:extLst>
+  </p:cSld>
+  <p:clrMapOvr>
+    <a:masterClrMapping/>
+  </p:clrMapOvr>
+  <mc:AlternateContent xmlns:mc="http://schemas.openxmlformats.org/markup-compatibility/2006">
+    <mc:Choice xmlns:p14="http://schemas.microsoft.com/office/powerpoint/2010/main" Requires="p14">
+      <p:transition spd="med" p14:dur="700">
+        <p:fade/>
+      </p:transition>
+    </mc:Choice>
+    <mc:Fallback>
+      <p:transition spd="med">
+        <p:fade/>
+      </p:transition>
+    </mc:Fallback>
+  </mc:AlternateContent>
+</p:sld>
+</file>
+
+<file path=ppt/slides/slide12.xml><?xml version="1.0" encoding="utf-8"?>
+<p:sld xmlns:a="http://schemas.openxmlformats.org/drawingml/2006/main" xmlns:r="http://schemas.openxmlformats.org/officeDocument/2006/relationships" xmlns:p="http://schemas.openxmlformats.org/presentationml/2006/main">
+  <p:cSld>
+    <p:spTree>
+      <p:nvGrpSpPr>
+        <p:cNvPr id="1" name=""/>
+        <p:cNvGrpSpPr/>
+        <p:nvPr/>
+      </p:nvGrpSpPr>
+      <p:grpSpPr>
+        <a:xfrm>
+          <a:off x="0" y="0"/>
+          <a:ext cx="0" cy="0"/>
+          <a:chOff x="0" y="0"/>
+          <a:chExt cx="0" cy="0"/>
+        </a:xfrm>
+      </p:grpSpPr>
+      <p:pic>
+        <p:nvPicPr>
+          <p:cNvPr id="17" name="Picture 16" descr="A picture containing vector graphics&#10;&#10;Description automatically generated">
+            <a:extLst>
+              <a:ext uri="{FF2B5EF4-FFF2-40B4-BE49-F238E27FC236}">
+                <a16:creationId xmlns:a16="http://schemas.microsoft.com/office/drawing/2014/main" id="{D543B701-E33F-482C-876D-186407F34FF9}"/>
+              </a:ext>
+            </a:extLst>
+          </p:cNvPr>
+          <p:cNvPicPr>
+            <a:picLocks noChangeAspect="1"/>
+          </p:cNvPicPr>
+          <p:nvPr/>
+        </p:nvPicPr>
+        <p:blipFill>
+          <a:blip r:embed="rId2">
+            <a:extLst>
+              <a:ext uri="{28A0092B-C50C-407E-A947-70E740481C1C}">
+                <a14:useLocalDpi xmlns:a14="http://schemas.microsoft.com/office/drawing/2010/main" val="0"/>
+              </a:ext>
+            </a:extLst>
+          </a:blip>
+          <a:stretch>
+            <a:fillRect/>
+          </a:stretch>
+        </p:blipFill>
+        <p:spPr>
+          <a:xfrm>
+            <a:off x="827616" y="6466036"/>
+            <a:ext cx="231181" cy="222801"/>
+          </a:xfrm>
+          <a:prstGeom prst="rect">
+            <a:avLst/>
+          </a:prstGeom>
+        </p:spPr>
+      </p:pic>
+      <p:sp>
+        <p:nvSpPr>
+          <p:cNvPr id="2" name="Title 1">
+            <a:extLst>
+              <a:ext uri="{FF2B5EF4-FFF2-40B4-BE49-F238E27FC236}">
+                <a16:creationId xmlns:a16="http://schemas.microsoft.com/office/drawing/2014/main" id="{02A61E0E-092E-481F-8A70-1A1A1EFB372F}"/>
+              </a:ext>
+            </a:extLst>
+          </p:cNvPr>
+          <p:cNvSpPr>
+            <a:spLocks noGrp="1"/>
+          </p:cNvSpPr>
+          <p:nvPr>
+            <p:ph type="title"/>
+          </p:nvPr>
+        </p:nvSpPr>
+        <p:spPr>
+          <a:xfrm>
+            <a:off x="1646720" y="2560257"/>
+            <a:ext cx="8610600" cy="1293028"/>
+          </a:xfrm>
+        </p:spPr>
+        <p:txBody>
+          <a:bodyPr>
+            <a:normAutofit/>
+          </a:bodyPr>
+          <a:lstStyle/>
+          <a:p>
+            <a:pPr algn="ctr"/>
+            <a:r>
+              <a:rPr lang="en-US" sz="5400" dirty="0"/>
+              <a:t>TO THE WEBSITE!</a:t>
+            </a:r>
+          </a:p>
+        </p:txBody>
+      </p:sp>
+      <p:sp>
+        <p:nvSpPr>
+          <p:cNvPr id="3" name="Content Placeholder 2">
+            <a:extLst>
+              <a:ext uri="{FF2B5EF4-FFF2-40B4-BE49-F238E27FC236}">
+                <a16:creationId xmlns:a16="http://schemas.microsoft.com/office/drawing/2014/main" id="{8441EDFC-EC21-4D54-9BD6-590B5906B47D}"/>
+              </a:ext>
+            </a:extLst>
+          </p:cNvPr>
+          <p:cNvSpPr>
+            <a:spLocks noGrp="1"/>
+          </p:cNvSpPr>
+          <p:nvPr>
+            <p:ph idx="1"/>
+          </p:nvPr>
+        </p:nvSpPr>
+        <p:spPr>
+          <a:xfrm>
+            <a:off x="677411" y="1974151"/>
+            <a:ext cx="10549218" cy="3433109"/>
+          </a:xfrm>
+        </p:spPr>
+        <p:txBody>
+          <a:bodyPr/>
+          <a:lstStyle/>
+          <a:p>
+            <a:pPr marL="0" indent="0">
+              <a:buNone/>
+            </a:pPr>
+            <a:endParaRPr lang="en-US" dirty="0"/>
+          </a:p>
+          <a:p>
+            <a:endParaRPr lang="en-US" dirty="0"/>
+          </a:p>
+        </p:txBody>
+      </p:sp>
+      <p:pic>
+        <p:nvPicPr>
+          <p:cNvPr id="4" name="Picture 3">
+            <a:extLst>
+              <a:ext uri="{FF2B5EF4-FFF2-40B4-BE49-F238E27FC236}">
+                <a16:creationId xmlns:a16="http://schemas.microsoft.com/office/drawing/2014/main" id="{BBF34D38-0CB1-4318-9A7C-2E4F39EDEF77}"/>
+              </a:ext>
+            </a:extLst>
+          </p:cNvPr>
+          <p:cNvPicPr>
+            <a:picLocks noChangeAspect="1"/>
+          </p:cNvPicPr>
+          <p:nvPr/>
+        </p:nvPicPr>
+        <p:blipFill>
+          <a:blip r:embed="rId3"/>
+          <a:stretch>
+            <a:fillRect/>
+          </a:stretch>
+        </p:blipFill>
+        <p:spPr>
+          <a:xfrm>
+            <a:off x="0" y="5693555"/>
+            <a:ext cx="1104572" cy="1102044"/>
+          </a:xfrm>
+          <a:prstGeom prst="rect">
+            <a:avLst/>
+          </a:prstGeom>
+        </p:spPr>
+      </p:pic>
+    </p:spTree>
+    <p:extLst>
+      <p:ext uri="{BB962C8B-B14F-4D97-AF65-F5344CB8AC3E}">
+        <p14:creationId xmlns:p14="http://schemas.microsoft.com/office/powerpoint/2010/main" val="604414982"/>
+      </p:ext>
+    </p:extLst>
+  </p:cSld>
+  <p:clrMapOvr>
+    <a:masterClrMapping/>
+  </p:clrMapOvr>
+  <mc:AlternateContent xmlns:mc="http://schemas.openxmlformats.org/markup-compatibility/2006">
+    <mc:Choice xmlns:p14="http://schemas.microsoft.com/office/powerpoint/2010/main" Requires="p14">
+      <p:transition spd="med" p14:dur="700">
+        <p:fade/>
+      </p:transition>
+    </mc:Choice>
+    <mc:Fallback>
+      <p:transition spd="med">
         <p:fade/>
       </p:transition>
     </mc:Fallback>
@@ -6703,7 +7631,14 @@
           <a:p>
             <a:r>
               <a:rPr lang="en-US" dirty="0"/>
-              <a:t>Coding approach/ how we did it </a:t>
+              <a:t>Coding approach</a:t>
+            </a:r>
+            <a:br>
+              <a:rPr lang="en-US" dirty="0"/>
+            </a:br>
+            <a:r>
+              <a:rPr lang="en-US" dirty="0"/>
+              <a:t>Step 1</a:t>
             </a:r>
           </a:p>
         </p:txBody>
@@ -6732,7 +7667,7 @@
         </p:spPr>
         <p:txBody>
           <a:bodyPr>
-            <a:normAutofit lnSpcReduction="10000"/>
+            <a:normAutofit/>
           </a:bodyPr>
           <a:lstStyle/>
           <a:p>
@@ -6747,15 +7682,13 @@
           <a:p>
             <a:r>
               <a:rPr lang="en-US" dirty="0"/>
-              <a:t>Pulled in Gen 1 list from Kaggle data set , used </a:t>
-            </a:r>
-            <a:r>
-              <a:rPr lang="en-US" dirty="0" err="1"/>
-              <a:t>jupyter</a:t>
-            </a:r>
+              <a:t>Pulled in Gen 1 list from Kaggle dataset</a:t>
+            </a:r>
+          </a:p>
+          <a:p>
             <a:r>
               <a:rPr lang="en-US" dirty="0"/>
-              <a:t> to read csv in pandas, created data frame from data set, pulled a list of names</a:t>
+              <a:t>Dataset didn’t have what we were looking for apart from the names, so we found an API to call to: pokeapi.co</a:t>
             </a:r>
           </a:p>
           <a:p>
@@ -6763,33 +7696,6 @@
               <a:buNone/>
             </a:pPr>
             <a:endParaRPr lang="en-US" dirty="0"/>
-          </a:p>
-          <a:p>
-            <a:r>
-              <a:rPr lang="en-US" dirty="0"/>
-              <a:t>Created data frame with their name and empty list of stats, </a:t>
-            </a:r>
-          </a:p>
-          <a:p>
-            <a:endParaRPr lang="en-US" dirty="0"/>
-          </a:p>
-          <a:p>
-            <a:r>
-              <a:rPr lang="en-US" dirty="0"/>
-              <a:t>Called out to existing Poke API https://pokeapi.co/to pull data in , each Pokemon had a extensive list of URL links for stats so used poke-list in a for loop to call out to each URL to retrieve stats from empty data frame</a:t>
-            </a:r>
-          </a:p>
-          <a:p>
-            <a:endParaRPr lang="en-US" dirty="0"/>
-          </a:p>
-          <a:p>
-            <a:endParaRPr lang="en-US" dirty="0"/>
-          </a:p>
-          <a:p>
-            <a:r>
-              <a:rPr lang="en-US" dirty="0"/>
-              <a:t>Exported data frame to CSV</a:t>
-            </a:r>
           </a:p>
         </p:txBody>
       </p:sp>
@@ -6858,10 +7764,10 @@
       </p:grpSpPr>
       <p:pic>
         <p:nvPicPr>
-          <p:cNvPr id="4" name="Picture 3">
+          <p:cNvPr id="8" name="Picture 7" descr="A picture containing vector graphics&#10;&#10;Description automatically generated">
             <a:extLst>
               <a:ext uri="{FF2B5EF4-FFF2-40B4-BE49-F238E27FC236}">
-                <a16:creationId xmlns:a16="http://schemas.microsoft.com/office/drawing/2014/main" id="{4F2B592D-46FD-40EC-A8E3-1CEEFCAB5D82}"/>
+                <a16:creationId xmlns:a16="http://schemas.microsoft.com/office/drawing/2014/main" id="{D56400BE-B04B-4AE2-8D1D-D6F807DC520E}"/>
               </a:ext>
             </a:extLst>
           </p:cNvPr>
@@ -6871,156 +7777,7 @@
           <p:nvPr/>
         </p:nvPicPr>
         <p:blipFill>
-          <a:blip r:embed="rId2"/>
-          <a:stretch>
-            <a:fillRect/>
-          </a:stretch>
-        </p:blipFill>
-        <p:spPr>
-          <a:xfrm>
-            <a:off x="10973127" y="5561774"/>
-            <a:ext cx="1066145" cy="1063705"/>
-          </a:xfrm>
-          <a:prstGeom prst="rect">
-            <a:avLst/>
-          </a:prstGeom>
-        </p:spPr>
-      </p:pic>
-      <p:sp>
-        <p:nvSpPr>
-          <p:cNvPr id="2" name="Title 1">
-            <a:extLst>
-              <a:ext uri="{FF2B5EF4-FFF2-40B4-BE49-F238E27FC236}">
-                <a16:creationId xmlns:a16="http://schemas.microsoft.com/office/drawing/2014/main" id="{CE1D6688-B20B-4C52-BA61-6976BF236D8D}"/>
-              </a:ext>
-            </a:extLst>
-          </p:cNvPr>
-          <p:cNvSpPr>
-            <a:spLocks noGrp="1"/>
-          </p:cNvSpPr>
-          <p:nvPr>
-            <p:ph type="title"/>
-          </p:nvPr>
-        </p:nvSpPr>
-        <p:spPr/>
-        <p:txBody>
-          <a:bodyPr/>
-          <a:lstStyle/>
-          <a:p>
-            <a:r>
-              <a:rPr lang="en-US" dirty="0"/>
-              <a:t>Continued </a:t>
-            </a:r>
-          </a:p>
-        </p:txBody>
-      </p:sp>
-      <p:sp>
-        <p:nvSpPr>
-          <p:cNvPr id="3" name="Content Placeholder 2">
-            <a:extLst>
-              <a:ext uri="{FF2B5EF4-FFF2-40B4-BE49-F238E27FC236}">
-                <a16:creationId xmlns:a16="http://schemas.microsoft.com/office/drawing/2014/main" id="{127EA3C2-E5D9-4D4C-B5F7-91809A55AE19}"/>
-              </a:ext>
-            </a:extLst>
-          </p:cNvPr>
-          <p:cNvSpPr>
-            <a:spLocks noGrp="1"/>
-          </p:cNvSpPr>
-          <p:nvPr>
-            <p:ph idx="1"/>
-          </p:nvPr>
-        </p:nvSpPr>
-        <p:spPr/>
-        <p:txBody>
-          <a:bodyPr/>
-          <a:lstStyle/>
-          <a:p>
-            <a:r>
-              <a:rPr lang="en-US" dirty="0"/>
-              <a:t>Created SQL database using </a:t>
-            </a:r>
-            <a:r>
-              <a:rPr lang="en-US" dirty="0" err="1"/>
-              <a:t>PGAdmin</a:t>
-            </a:r>
-            <a:r>
-              <a:rPr lang="en-US" dirty="0"/>
-              <a:t>, imported data frame CSV</a:t>
-            </a:r>
-          </a:p>
-          <a:p>
-            <a:pPr marL="0" indent="0">
-              <a:buNone/>
-            </a:pPr>
-            <a:endParaRPr lang="en-US" dirty="0"/>
-          </a:p>
-          <a:p>
-            <a:r>
-              <a:rPr lang="en-US" dirty="0"/>
-              <a:t>Created python-flask powered API, created routes for each type of Pokemon </a:t>
-            </a:r>
-          </a:p>
-          <a:p>
-            <a:pPr marL="0" indent="0">
-              <a:buNone/>
-            </a:pPr>
-            <a:endParaRPr lang="en-US" dirty="0"/>
-          </a:p>
-          <a:p>
-            <a:r>
-              <a:rPr lang="en-US" dirty="0"/>
-              <a:t>Created HTML file to lay out page and used CSS to style </a:t>
-            </a:r>
-          </a:p>
-          <a:p>
-            <a:pPr marL="0" indent="0">
-              <a:buNone/>
-            </a:pPr>
-            <a:endParaRPr lang="en-US" dirty="0"/>
-          </a:p>
-          <a:p>
-            <a:r>
-              <a:rPr lang="en-US" dirty="0"/>
-              <a:t>Used d3 &amp; </a:t>
-            </a:r>
-            <a:r>
-              <a:rPr lang="en-US" dirty="0" err="1"/>
-              <a:t>plotly</a:t>
-            </a:r>
-            <a:r>
-              <a:rPr lang="en-US" dirty="0"/>
-              <a:t> within </a:t>
-            </a:r>
-            <a:r>
-              <a:rPr lang="en-US" dirty="0" err="1"/>
-              <a:t>Javascript</a:t>
-            </a:r>
-            <a:r>
-              <a:rPr lang="en-US" dirty="0"/>
-              <a:t> to read Json files from flask- API to create visualizations of data  </a:t>
-            </a:r>
-          </a:p>
-          <a:p>
-            <a:endParaRPr lang="en-US" dirty="0"/>
-          </a:p>
-        </p:txBody>
-      </p:sp>
-      <p:pic>
-        <p:nvPicPr>
-          <p:cNvPr id="10" name="Picture 9" descr="A picture containing vector graphics&#10;&#10;Description automatically generated">
-            <a:extLst>
-              <a:ext uri="{FF2B5EF4-FFF2-40B4-BE49-F238E27FC236}">
-                <a16:creationId xmlns:a16="http://schemas.microsoft.com/office/drawing/2014/main" id="{CD27AC62-DD14-4056-8830-44C4FCE0B6FA}"/>
-              </a:ext>
-            </a:extLst>
-          </p:cNvPr>
-          <p:cNvPicPr>
-            <a:picLocks noChangeAspect="1"/>
-          </p:cNvPicPr>
-          <p:nvPr/>
-        </p:nvPicPr>
-        <p:blipFill>
-          <a:blip r:embed="rId3">
+          <a:blip r:embed="rId2">
             <a:extLst>
               <a:ext uri="{28A0092B-C50C-407E-A947-70E740481C1C}">
                 <a14:useLocalDpi xmlns:a14="http://schemas.microsoft.com/office/drawing/2010/main" val="0"/>
@@ -7033,8 +7790,156 @@
         </p:blipFill>
         <p:spPr>
           <a:xfrm>
-            <a:off x="11965629" y="-3921"/>
+            <a:off x="11678874" y="6350624"/>
             <a:ext cx="231181" cy="222801"/>
+          </a:xfrm>
+          <a:prstGeom prst="rect">
+            <a:avLst/>
+          </a:prstGeom>
+        </p:spPr>
+      </p:pic>
+      <p:sp>
+        <p:nvSpPr>
+          <p:cNvPr id="2" name="Title 1">
+            <a:extLst>
+              <a:ext uri="{FF2B5EF4-FFF2-40B4-BE49-F238E27FC236}">
+                <a16:creationId xmlns:a16="http://schemas.microsoft.com/office/drawing/2014/main" id="{356BF46D-2D73-44F0-AD9E-0FEC2BFDE3EA}"/>
+              </a:ext>
+            </a:extLst>
+          </p:cNvPr>
+          <p:cNvSpPr>
+            <a:spLocks noGrp="1"/>
+          </p:cNvSpPr>
+          <p:nvPr>
+            <p:ph type="title"/>
+          </p:nvPr>
+        </p:nvSpPr>
+        <p:spPr>
+          <a:xfrm>
+            <a:off x="2326699" y="395975"/>
+            <a:ext cx="9711017" cy="1293028"/>
+          </a:xfrm>
+        </p:spPr>
+        <p:txBody>
+          <a:bodyPr/>
+          <a:lstStyle/>
+          <a:p>
+            <a:r>
+              <a:rPr lang="en-US" dirty="0"/>
+              <a:t>Coding approach</a:t>
+            </a:r>
+            <a:br>
+              <a:rPr lang="en-US" dirty="0"/>
+            </a:br>
+            <a:r>
+              <a:rPr lang="en-US" dirty="0"/>
+              <a:t>Step 2</a:t>
+            </a:r>
+          </a:p>
+        </p:txBody>
+      </p:sp>
+      <p:sp>
+        <p:nvSpPr>
+          <p:cNvPr id="3" name="Content Placeholder 2">
+            <a:extLst>
+              <a:ext uri="{FF2B5EF4-FFF2-40B4-BE49-F238E27FC236}">
+                <a16:creationId xmlns:a16="http://schemas.microsoft.com/office/drawing/2014/main" id="{FE0F0902-579D-46B2-8EF5-0AE61F17FE18}"/>
+              </a:ext>
+            </a:extLst>
+          </p:cNvPr>
+          <p:cNvSpPr>
+            <a:spLocks noGrp="1"/>
+          </p:cNvSpPr>
+          <p:nvPr>
+            <p:ph idx="1"/>
+          </p:nvPr>
+        </p:nvSpPr>
+        <p:spPr>
+          <a:xfrm>
+            <a:off x="564776" y="1909482"/>
+            <a:ext cx="11302251" cy="4552543"/>
+          </a:xfrm>
+        </p:spPr>
+        <p:txBody>
+          <a:bodyPr>
+            <a:normAutofit/>
+          </a:bodyPr>
+          <a:lstStyle/>
+          <a:p>
+            <a:pPr marL="0" indent="0">
+              <a:buNone/>
+            </a:pPr>
+            <a:r>
+              <a:rPr lang="en-US" dirty="0"/>
+              <a:t>	</a:t>
+            </a:r>
+          </a:p>
+          <a:p>
+            <a:r>
+              <a:rPr lang="en-US" dirty="0"/>
+              <a:t>Used </a:t>
+            </a:r>
+            <a:r>
+              <a:rPr lang="en-US" dirty="0" err="1"/>
+              <a:t>Jupyter</a:t>
+            </a:r>
+            <a:r>
+              <a:rPr lang="en-US" dirty="0"/>
+              <a:t> to read csv into pandas</a:t>
+            </a:r>
+          </a:p>
+          <a:p>
+            <a:r>
+              <a:rPr lang="en-US" dirty="0"/>
+              <a:t>Pulled the list of </a:t>
+            </a:r>
+            <a:r>
+              <a:rPr lang="en-US" dirty="0" err="1"/>
+              <a:t>Pokemon</a:t>
+            </a:r>
+            <a:endParaRPr lang="en-US" dirty="0"/>
+          </a:p>
+          <a:p>
+            <a:r>
+              <a:rPr lang="en-US" dirty="0"/>
+              <a:t>Created data frame with their name and empty table of stats </a:t>
+            </a:r>
+          </a:p>
+          <a:p>
+            <a:endParaRPr lang="en-US" dirty="0"/>
+          </a:p>
+          <a:p>
+            <a:pPr marL="0" indent="0">
+              <a:buNone/>
+            </a:pPr>
+            <a:endParaRPr lang="en-US" dirty="0"/>
+          </a:p>
+        </p:txBody>
+      </p:sp>
+      <p:pic>
+        <p:nvPicPr>
+          <p:cNvPr id="4" name="Picture 3">
+            <a:extLst>
+              <a:ext uri="{FF2B5EF4-FFF2-40B4-BE49-F238E27FC236}">
+                <a16:creationId xmlns:a16="http://schemas.microsoft.com/office/drawing/2014/main" id="{FA4D4607-89AD-4F8F-99CB-23BAF300A079}"/>
+              </a:ext>
+            </a:extLst>
+          </p:cNvPr>
+          <p:cNvPicPr>
+            <a:picLocks noChangeAspect="1"/>
+          </p:cNvPicPr>
+          <p:nvPr/>
+        </p:nvPicPr>
+        <p:blipFill>
+          <a:blip r:embed="rId3"/>
+          <a:stretch>
+            <a:fillRect/>
+          </a:stretch>
+        </p:blipFill>
+        <p:spPr>
+          <a:xfrm>
+            <a:off x="10973127" y="5647765"/>
+            <a:ext cx="979957" cy="977714"/>
           </a:xfrm>
           <a:prstGeom prst="rect">
             <a:avLst/>
@@ -7044,7 +7949,7 @@
     </p:spTree>
     <p:extLst>
       <p:ext uri="{BB962C8B-B14F-4D97-AF65-F5344CB8AC3E}">
-        <p14:creationId xmlns:p14="http://schemas.microsoft.com/office/powerpoint/2010/main" val="2794696610"/>
+        <p14:creationId xmlns:p14="http://schemas.microsoft.com/office/powerpoint/2010/main" val="3814564333"/>
       </p:ext>
     </p:extLst>
   </p:cSld>
@@ -7076,10 +7981,10 @@
       </p:grpSpPr>
       <p:pic>
         <p:nvPicPr>
-          <p:cNvPr id="17" name="Picture 16" descr="A picture containing vector graphics&#10;&#10;Description automatically generated">
+          <p:cNvPr id="8" name="Picture 7" descr="A picture containing vector graphics&#10;&#10;Description automatically generated">
             <a:extLst>
               <a:ext uri="{FF2B5EF4-FFF2-40B4-BE49-F238E27FC236}">
-                <a16:creationId xmlns:a16="http://schemas.microsoft.com/office/drawing/2014/main" id="{D543B701-E33F-482C-876D-186407F34FF9}"/>
+                <a16:creationId xmlns:a16="http://schemas.microsoft.com/office/drawing/2014/main" id="{D56400BE-B04B-4AE2-8D1D-D6F807DC520E}"/>
               </a:ext>
             </a:extLst>
           </p:cNvPr>
@@ -7102,7 +8007,7 @@
         </p:blipFill>
         <p:spPr>
           <a:xfrm>
-            <a:off x="827616" y="6466036"/>
+            <a:off x="11678874" y="6350624"/>
             <a:ext cx="231181" cy="222801"/>
           </a:xfrm>
           <a:prstGeom prst="rect">
@@ -7115,7 +8020,7 @@
           <p:cNvPr id="2" name="Title 1">
             <a:extLst>
               <a:ext uri="{FF2B5EF4-FFF2-40B4-BE49-F238E27FC236}">
-                <a16:creationId xmlns:a16="http://schemas.microsoft.com/office/drawing/2014/main" id="{02A61E0E-092E-481F-8A70-1A1A1EFB372F}"/>
+                <a16:creationId xmlns:a16="http://schemas.microsoft.com/office/drawing/2014/main" id="{356BF46D-2D73-44F0-AD9E-0FEC2BFDE3EA}"/>
               </a:ext>
             </a:extLst>
           </p:cNvPr>
@@ -7126,14 +8031,26 @@
             <p:ph type="title"/>
           </p:nvPr>
         </p:nvSpPr>
-        <p:spPr/>
+        <p:spPr>
+          <a:xfrm>
+            <a:off x="2326699" y="395975"/>
+            <a:ext cx="9711017" cy="1293028"/>
+          </a:xfrm>
+        </p:spPr>
         <p:txBody>
           <a:bodyPr/>
           <a:lstStyle/>
           <a:p>
             <a:r>
               <a:rPr lang="en-US" dirty="0"/>
-              <a:t>Final Visualization  </a:t>
+              <a:t>Coding approach</a:t>
+            </a:r>
+            <a:br>
+              <a:rPr lang="en-US" dirty="0"/>
+            </a:br>
+            <a:r>
+              <a:rPr lang="en-US" dirty="0"/>
+              <a:t>Step 3</a:t>
             </a:r>
           </a:p>
         </p:txBody>
@@ -7143,7 +8060,7 @@
           <p:cNvPr id="3" name="Content Placeholder 2">
             <a:extLst>
               <a:ext uri="{FF2B5EF4-FFF2-40B4-BE49-F238E27FC236}">
-                <a16:creationId xmlns:a16="http://schemas.microsoft.com/office/drawing/2014/main" id="{8441EDFC-EC21-4D54-9BD6-590B5906B47D}"/>
+                <a16:creationId xmlns:a16="http://schemas.microsoft.com/office/drawing/2014/main" id="{FE0F0902-579D-46B2-8EF5-0AE61F17FE18}"/>
               </a:ext>
             </a:extLst>
           </p:cNvPr>
@@ -7156,35 +8073,48 @@
         </p:nvSpPr>
         <p:spPr>
           <a:xfrm>
-            <a:off x="685800" y="1898650"/>
-            <a:ext cx="10549218" cy="3433109"/>
-          </a:xfrm>
-        </p:spPr>
-        <p:txBody>
-          <a:bodyPr/>
+            <a:off x="564776" y="1909482"/>
+            <a:ext cx="11302251" cy="4552543"/>
+          </a:xfrm>
+        </p:spPr>
+        <p:txBody>
+          <a:bodyPr>
+            <a:normAutofit/>
+          </a:bodyPr>
           <a:lstStyle/>
           <a:p>
+            <a:pPr marL="0" indent="0">
+              <a:buNone/>
+            </a:pPr>
             <a:r>
               <a:rPr lang="en-US" dirty="0"/>
-              <a:t>We wanted to have graphic representation of the different stats and incorporate some interaction with updates based on the selected Pokémon type.</a:t>
-            </a:r>
-          </a:p>
-          <a:p>
-            <a:endParaRPr lang="en-US" dirty="0"/>
+              <a:t>	</a:t>
+            </a:r>
           </a:p>
           <a:p>
             <a:r>
               <a:rPr lang="en-US" dirty="0"/>
-              <a:t>We broke the data down into the types, so it was more visually appealing and easier to digest. </a:t>
-            </a:r>
-          </a:p>
-          <a:p>
-            <a:endParaRPr lang="en-US" dirty="0"/>
+              <a:t>Called out to existing Poke API https://pokeapi.co/to pull data in </a:t>
+            </a:r>
           </a:p>
           <a:p>
             <a:r>
               <a:rPr lang="en-US" dirty="0"/>
-              <a:t>We used a JavaScript library not covered in class , Anime.js which allowed us to create the small animation of the title upon the loading of the page </a:t>
+              <a:t>Each </a:t>
+            </a:r>
+            <a:r>
+              <a:rPr lang="en-US" sz="2400" dirty="0"/>
+              <a:t>Pokémon</a:t>
+            </a:r>
+            <a:r>
+              <a:rPr lang="en-US" dirty="0"/>
+              <a:t> had an extensive list of URL links for stats so used poke-list in a for- loop to call out to each URL to retrieve stats for empty data frame</a:t>
+            </a:r>
+          </a:p>
+          <a:p>
+            <a:r>
+              <a:rPr lang="en-US" dirty="0"/>
+              <a:t>Exported data frame to CSV</a:t>
             </a:r>
           </a:p>
         </p:txBody>
@@ -7194,7 +8124,7 @@
           <p:cNvPr id="4" name="Picture 3">
             <a:extLst>
               <a:ext uri="{FF2B5EF4-FFF2-40B4-BE49-F238E27FC236}">
-                <a16:creationId xmlns:a16="http://schemas.microsoft.com/office/drawing/2014/main" id="{BBF34D38-0CB1-4318-9A7C-2E4F39EDEF77}"/>
+                <a16:creationId xmlns:a16="http://schemas.microsoft.com/office/drawing/2014/main" id="{FA4D4607-89AD-4F8F-99CB-23BAF300A079}"/>
               </a:ext>
             </a:extLst>
           </p:cNvPr>
@@ -7211,8 +8141,8 @@
         </p:blipFill>
         <p:spPr>
           <a:xfrm>
-            <a:off x="0" y="5693555"/>
-            <a:ext cx="1104572" cy="1102044"/>
+            <a:off x="10973127" y="5647765"/>
+            <a:ext cx="979957" cy="977714"/>
           </a:xfrm>
           <a:prstGeom prst="rect">
             <a:avLst/>
@@ -7222,25 +8152,16 @@
     </p:spTree>
     <p:extLst>
       <p:ext uri="{BB962C8B-B14F-4D97-AF65-F5344CB8AC3E}">
-        <p14:creationId xmlns:p14="http://schemas.microsoft.com/office/powerpoint/2010/main" val="37169486"/>
+        <p14:creationId xmlns:p14="http://schemas.microsoft.com/office/powerpoint/2010/main" val="2590858031"/>
       </p:ext>
     </p:extLst>
   </p:cSld>
   <p:clrMapOvr>
     <a:masterClrMapping/>
   </p:clrMapOvr>
-  <mc:AlternateContent xmlns:mc="http://schemas.openxmlformats.org/markup-compatibility/2006">
-    <mc:Choice xmlns:p14="http://schemas.microsoft.com/office/powerpoint/2010/main" Requires="p14">
-      <p:transition spd="med" p14:dur="700">
-        <p:fade/>
-      </p:transition>
-    </mc:Choice>
-    <mc:Fallback>
-      <p:transition spd="med">
-        <p:fade/>
-      </p:transition>
-    </mc:Fallback>
-  </mc:AlternateContent>
+  <p:transition spd="slow">
+    <p:push dir="u"/>
+  </p:transition>
 </p:sld>
 </file>
 
@@ -7261,12 +8182,42 @@
           <a:chExt cx="0" cy="0"/>
         </a:xfrm>
       </p:grpSpPr>
+      <p:pic>
+        <p:nvPicPr>
+          <p:cNvPr id="4" name="Picture 3">
+            <a:extLst>
+              <a:ext uri="{FF2B5EF4-FFF2-40B4-BE49-F238E27FC236}">
+                <a16:creationId xmlns:a16="http://schemas.microsoft.com/office/drawing/2014/main" id="{4F2B592D-46FD-40EC-A8E3-1CEEFCAB5D82}"/>
+              </a:ext>
+            </a:extLst>
+          </p:cNvPr>
+          <p:cNvPicPr>
+            <a:picLocks noChangeAspect="1"/>
+          </p:cNvPicPr>
+          <p:nvPr/>
+        </p:nvPicPr>
+        <p:blipFill>
+          <a:blip r:embed="rId2"/>
+          <a:stretch>
+            <a:fillRect/>
+          </a:stretch>
+        </p:blipFill>
+        <p:spPr>
+          <a:xfrm>
+            <a:off x="10973127" y="5561774"/>
+            <a:ext cx="1066145" cy="1063705"/>
+          </a:xfrm>
+          <a:prstGeom prst="rect">
+            <a:avLst/>
+          </a:prstGeom>
+        </p:spPr>
+      </p:pic>
       <p:sp>
         <p:nvSpPr>
           <p:cNvPr id="2" name="Title 1">
             <a:extLst>
               <a:ext uri="{FF2B5EF4-FFF2-40B4-BE49-F238E27FC236}">
-                <a16:creationId xmlns:a16="http://schemas.microsoft.com/office/drawing/2014/main" id="{31AB2120-29AB-4623-BD74-C28D4D714D83}"/>
+                <a16:creationId xmlns:a16="http://schemas.microsoft.com/office/drawing/2014/main" id="{CE1D6688-B20B-4C52-BA61-6976BF236D8D}"/>
               </a:ext>
             </a:extLst>
           </p:cNvPr>
@@ -7282,7 +8233,17 @@
           <a:bodyPr/>
           <a:lstStyle/>
           <a:p>
-            <a:endParaRPr lang="en-US"/>
+            <a:r>
+              <a:rPr lang="en-US" dirty="0"/>
+              <a:t>Coding approach</a:t>
+            </a:r>
+            <a:br>
+              <a:rPr lang="en-US" dirty="0"/>
+            </a:br>
+            <a:r>
+              <a:rPr lang="en-US" dirty="0"/>
+              <a:t>Step 4 </a:t>
+            </a:r>
           </a:p>
         </p:txBody>
       </p:sp>
@@ -7291,7 +8252,7 @@
           <p:cNvPr id="3" name="Content Placeholder 2">
             <a:extLst>
               <a:ext uri="{FF2B5EF4-FFF2-40B4-BE49-F238E27FC236}">
-                <a16:creationId xmlns:a16="http://schemas.microsoft.com/office/drawing/2014/main" id="{6B44843E-D596-44D4-9635-E84DA67E4469}"/>
+                <a16:creationId xmlns:a16="http://schemas.microsoft.com/office/drawing/2014/main" id="{127EA3C2-E5D9-4D4C-B5F7-91809A55AE19}"/>
               </a:ext>
             </a:extLst>
           </p:cNvPr>
@@ -7307,20 +8268,79 @@
           <a:bodyPr/>
           <a:lstStyle/>
           <a:p>
-            <a:endParaRPr lang="en-US"/>
-          </a:p>
-        </p:txBody>
-      </p:sp>
+            <a:r>
+              <a:rPr lang="en-US" dirty="0"/>
+              <a:t>Created SQL database using </a:t>
+            </a:r>
+            <a:r>
+              <a:rPr lang="en-US" dirty="0" err="1"/>
+              <a:t>PGAdmin</a:t>
+            </a:r>
+            <a:endParaRPr lang="en-US" dirty="0"/>
+          </a:p>
+          <a:p>
+            <a:r>
+              <a:rPr lang="en-US" dirty="0"/>
+              <a:t>Created table</a:t>
+            </a:r>
+          </a:p>
+          <a:p>
+            <a:r>
+              <a:rPr lang="en-US" dirty="0"/>
+              <a:t>Imported data frame CSV into table</a:t>
+            </a:r>
+          </a:p>
+        </p:txBody>
+      </p:sp>
+      <p:pic>
+        <p:nvPicPr>
+          <p:cNvPr id="10" name="Picture 9" descr="A picture containing vector graphics&#10;&#10;Description automatically generated">
+            <a:extLst>
+              <a:ext uri="{FF2B5EF4-FFF2-40B4-BE49-F238E27FC236}">
+                <a16:creationId xmlns:a16="http://schemas.microsoft.com/office/drawing/2014/main" id="{CD27AC62-DD14-4056-8830-44C4FCE0B6FA}"/>
+              </a:ext>
+            </a:extLst>
+          </p:cNvPr>
+          <p:cNvPicPr>
+            <a:picLocks noChangeAspect="1"/>
+          </p:cNvPicPr>
+          <p:nvPr/>
+        </p:nvPicPr>
+        <p:blipFill>
+          <a:blip r:embed="rId3">
+            <a:extLst>
+              <a:ext uri="{28A0092B-C50C-407E-A947-70E740481C1C}">
+                <a14:useLocalDpi xmlns:a14="http://schemas.microsoft.com/office/drawing/2010/main" val="0"/>
+              </a:ext>
+            </a:extLst>
+          </a:blip>
+          <a:stretch>
+            <a:fillRect/>
+          </a:stretch>
+        </p:blipFill>
+        <p:spPr>
+          <a:xfrm>
+            <a:off x="11965629" y="-3921"/>
+            <a:ext cx="231181" cy="222801"/>
+          </a:xfrm>
+          <a:prstGeom prst="rect">
+            <a:avLst/>
+          </a:prstGeom>
+        </p:spPr>
+      </p:pic>
     </p:spTree>
     <p:extLst>
       <p:ext uri="{BB962C8B-B14F-4D97-AF65-F5344CB8AC3E}">
-        <p14:creationId xmlns:p14="http://schemas.microsoft.com/office/powerpoint/2010/main" val="2633966618"/>
+        <p14:creationId xmlns:p14="http://schemas.microsoft.com/office/powerpoint/2010/main" val="2794696610"/>
       </p:ext>
     </p:extLst>
   </p:cSld>
   <p:clrMapOvr>
     <a:masterClrMapping/>
   </p:clrMapOvr>
+  <p:transition spd="slow">
+    <p:push dir="u"/>
+  </p:transition>
 </p:sld>
 </file>
 
@@ -7341,12 +8361,42 @@
           <a:chExt cx="0" cy="0"/>
         </a:xfrm>
       </p:grpSpPr>
+      <p:pic>
+        <p:nvPicPr>
+          <p:cNvPr id="4" name="Picture 3">
+            <a:extLst>
+              <a:ext uri="{FF2B5EF4-FFF2-40B4-BE49-F238E27FC236}">
+                <a16:creationId xmlns:a16="http://schemas.microsoft.com/office/drawing/2014/main" id="{4F2B592D-46FD-40EC-A8E3-1CEEFCAB5D82}"/>
+              </a:ext>
+            </a:extLst>
+          </p:cNvPr>
+          <p:cNvPicPr>
+            <a:picLocks noChangeAspect="1"/>
+          </p:cNvPicPr>
+          <p:nvPr/>
+        </p:nvPicPr>
+        <p:blipFill>
+          <a:blip r:embed="rId2"/>
+          <a:stretch>
+            <a:fillRect/>
+          </a:stretch>
+        </p:blipFill>
+        <p:spPr>
+          <a:xfrm>
+            <a:off x="10973127" y="5561774"/>
+            <a:ext cx="1066145" cy="1063705"/>
+          </a:xfrm>
+          <a:prstGeom prst="rect">
+            <a:avLst/>
+          </a:prstGeom>
+        </p:spPr>
+      </p:pic>
       <p:sp>
         <p:nvSpPr>
           <p:cNvPr id="2" name="Title 1">
             <a:extLst>
               <a:ext uri="{FF2B5EF4-FFF2-40B4-BE49-F238E27FC236}">
-                <a16:creationId xmlns:a16="http://schemas.microsoft.com/office/drawing/2014/main" id="{669355C7-56AA-44C7-99E6-0946E741D2BD}"/>
+                <a16:creationId xmlns:a16="http://schemas.microsoft.com/office/drawing/2014/main" id="{CE1D6688-B20B-4C52-BA61-6976BF236D8D}"/>
               </a:ext>
             </a:extLst>
           </p:cNvPr>
@@ -7362,7 +8412,17 @@
           <a:bodyPr/>
           <a:lstStyle/>
           <a:p>
-            <a:endParaRPr lang="en-US"/>
+            <a:r>
+              <a:rPr lang="en-US" dirty="0"/>
+              <a:t>Coding approach</a:t>
+            </a:r>
+            <a:br>
+              <a:rPr lang="en-US" dirty="0"/>
+            </a:br>
+            <a:r>
+              <a:rPr lang="en-US" dirty="0"/>
+              <a:t>Step 5 </a:t>
+            </a:r>
           </a:p>
         </p:txBody>
       </p:sp>
@@ -7371,7 +8431,7 @@
           <p:cNvPr id="3" name="Content Placeholder 2">
             <a:extLst>
               <a:ext uri="{FF2B5EF4-FFF2-40B4-BE49-F238E27FC236}">
-                <a16:creationId xmlns:a16="http://schemas.microsoft.com/office/drawing/2014/main" id="{AB7A6A63-81A4-4C66-84D9-9D1D82C7460D}"/>
+                <a16:creationId xmlns:a16="http://schemas.microsoft.com/office/drawing/2014/main" id="{127EA3C2-E5D9-4D4C-B5F7-91809A55AE19}"/>
               </a:ext>
             </a:extLst>
           </p:cNvPr>
@@ -7387,20 +8447,442 @@
           <a:bodyPr/>
           <a:lstStyle/>
           <a:p>
-            <a:endParaRPr lang="en-US"/>
-          </a:p>
-        </p:txBody>
-      </p:sp>
+            <a:r>
+              <a:rPr lang="en-US" dirty="0"/>
+              <a:t>Created python flask-powered API to communicate with our SQL database</a:t>
+            </a:r>
+          </a:p>
+          <a:p>
+            <a:r>
+              <a:rPr lang="en-US" dirty="0"/>
+              <a:t>Created routes for each “Type” (Dragon, Fire, Water, etc.)</a:t>
+            </a:r>
+          </a:p>
+          <a:p>
+            <a:r>
+              <a:rPr lang="en-US" sz="2400" dirty="0"/>
+              <a:t>Each route brought in all the Pokémon for that type, as well as their stats</a:t>
+            </a:r>
+          </a:p>
+        </p:txBody>
+      </p:sp>
+      <p:pic>
+        <p:nvPicPr>
+          <p:cNvPr id="10" name="Picture 9" descr="A picture containing vector graphics&#10;&#10;Description automatically generated">
+            <a:extLst>
+              <a:ext uri="{FF2B5EF4-FFF2-40B4-BE49-F238E27FC236}">
+                <a16:creationId xmlns:a16="http://schemas.microsoft.com/office/drawing/2014/main" id="{CD27AC62-DD14-4056-8830-44C4FCE0B6FA}"/>
+              </a:ext>
+            </a:extLst>
+          </p:cNvPr>
+          <p:cNvPicPr>
+            <a:picLocks noChangeAspect="1"/>
+          </p:cNvPicPr>
+          <p:nvPr/>
+        </p:nvPicPr>
+        <p:blipFill>
+          <a:blip r:embed="rId3">
+            <a:extLst>
+              <a:ext uri="{28A0092B-C50C-407E-A947-70E740481C1C}">
+                <a14:useLocalDpi xmlns:a14="http://schemas.microsoft.com/office/drawing/2010/main" val="0"/>
+              </a:ext>
+            </a:extLst>
+          </a:blip>
+          <a:stretch>
+            <a:fillRect/>
+          </a:stretch>
+        </p:blipFill>
+        <p:spPr>
+          <a:xfrm>
+            <a:off x="11965629" y="-3921"/>
+            <a:ext cx="231181" cy="222801"/>
+          </a:xfrm>
+          <a:prstGeom prst="rect">
+            <a:avLst/>
+          </a:prstGeom>
+        </p:spPr>
+      </p:pic>
     </p:spTree>
     <p:extLst>
       <p:ext uri="{BB962C8B-B14F-4D97-AF65-F5344CB8AC3E}">
-        <p14:creationId xmlns:p14="http://schemas.microsoft.com/office/powerpoint/2010/main" val="932405880"/>
+        <p14:creationId xmlns:p14="http://schemas.microsoft.com/office/powerpoint/2010/main" val="237005105"/>
       </p:ext>
     </p:extLst>
   </p:cSld>
   <p:clrMapOvr>
     <a:masterClrMapping/>
   </p:clrMapOvr>
+  <p:transition spd="slow">
+    <p:push dir="u"/>
+  </p:transition>
+</p:sld>
+</file>
+
+<file path=ppt/slides/slide8.xml><?xml version="1.0" encoding="utf-8"?>
+<p:sld xmlns:a="http://schemas.openxmlformats.org/drawingml/2006/main" xmlns:r="http://schemas.openxmlformats.org/officeDocument/2006/relationships" xmlns:p="http://schemas.openxmlformats.org/presentationml/2006/main">
+  <p:cSld>
+    <p:spTree>
+      <p:nvGrpSpPr>
+        <p:cNvPr id="1" name=""/>
+        <p:cNvGrpSpPr/>
+        <p:nvPr/>
+      </p:nvGrpSpPr>
+      <p:grpSpPr>
+        <a:xfrm>
+          <a:off x="0" y="0"/>
+          <a:ext cx="0" cy="0"/>
+          <a:chOff x="0" y="0"/>
+          <a:chExt cx="0" cy="0"/>
+        </a:xfrm>
+      </p:grpSpPr>
+      <p:pic>
+        <p:nvPicPr>
+          <p:cNvPr id="4" name="Picture 3">
+            <a:extLst>
+              <a:ext uri="{FF2B5EF4-FFF2-40B4-BE49-F238E27FC236}">
+                <a16:creationId xmlns:a16="http://schemas.microsoft.com/office/drawing/2014/main" id="{4F2B592D-46FD-40EC-A8E3-1CEEFCAB5D82}"/>
+              </a:ext>
+            </a:extLst>
+          </p:cNvPr>
+          <p:cNvPicPr>
+            <a:picLocks noChangeAspect="1"/>
+          </p:cNvPicPr>
+          <p:nvPr/>
+        </p:nvPicPr>
+        <p:blipFill>
+          <a:blip r:embed="rId2"/>
+          <a:stretch>
+            <a:fillRect/>
+          </a:stretch>
+        </p:blipFill>
+        <p:spPr>
+          <a:xfrm>
+            <a:off x="10973127" y="5561774"/>
+            <a:ext cx="1066145" cy="1063705"/>
+          </a:xfrm>
+          <a:prstGeom prst="rect">
+            <a:avLst/>
+          </a:prstGeom>
+        </p:spPr>
+      </p:pic>
+      <p:sp>
+        <p:nvSpPr>
+          <p:cNvPr id="2" name="Title 1">
+            <a:extLst>
+              <a:ext uri="{FF2B5EF4-FFF2-40B4-BE49-F238E27FC236}">
+                <a16:creationId xmlns:a16="http://schemas.microsoft.com/office/drawing/2014/main" id="{CE1D6688-B20B-4C52-BA61-6976BF236D8D}"/>
+              </a:ext>
+            </a:extLst>
+          </p:cNvPr>
+          <p:cNvSpPr>
+            <a:spLocks noGrp="1"/>
+          </p:cNvSpPr>
+          <p:nvPr>
+            <p:ph type="title"/>
+          </p:nvPr>
+        </p:nvSpPr>
+        <p:spPr/>
+        <p:txBody>
+          <a:bodyPr/>
+          <a:lstStyle/>
+          <a:p>
+            <a:r>
+              <a:rPr lang="en-US" dirty="0"/>
+              <a:t>Coding approach</a:t>
+            </a:r>
+            <a:br>
+              <a:rPr lang="en-US" dirty="0"/>
+            </a:br>
+            <a:r>
+              <a:rPr lang="en-US" dirty="0"/>
+              <a:t>Step 6 </a:t>
+            </a:r>
+          </a:p>
+        </p:txBody>
+      </p:sp>
+      <p:sp>
+        <p:nvSpPr>
+          <p:cNvPr id="3" name="Content Placeholder 2">
+            <a:extLst>
+              <a:ext uri="{FF2B5EF4-FFF2-40B4-BE49-F238E27FC236}">
+                <a16:creationId xmlns:a16="http://schemas.microsoft.com/office/drawing/2014/main" id="{127EA3C2-E5D9-4D4C-B5F7-91809A55AE19}"/>
+              </a:ext>
+            </a:extLst>
+          </p:cNvPr>
+          <p:cNvSpPr>
+            <a:spLocks noGrp="1"/>
+          </p:cNvSpPr>
+          <p:nvPr>
+            <p:ph idx="1"/>
+          </p:nvPr>
+        </p:nvSpPr>
+        <p:spPr/>
+        <p:txBody>
+          <a:bodyPr/>
+          <a:lstStyle/>
+          <a:p>
+            <a:r>
+              <a:rPr lang="en-US" dirty="0"/>
+              <a:t>Created HTML file to lay out page</a:t>
+            </a:r>
+          </a:p>
+          <a:p>
+            <a:r>
+              <a:rPr lang="en-US" dirty="0"/>
+              <a:t>Created CSS file to style </a:t>
+            </a:r>
+          </a:p>
+          <a:p>
+            <a:r>
+              <a:rPr lang="en-US" dirty="0"/>
+              <a:t>Created </a:t>
+            </a:r>
+            <a:r>
+              <a:rPr lang="en-US" dirty="0" err="1"/>
+              <a:t>JavaSript</a:t>
+            </a:r>
+            <a:r>
+              <a:rPr lang="en-US" dirty="0"/>
+              <a:t> file to visualize the data</a:t>
+            </a:r>
+          </a:p>
+          <a:p>
+            <a:pPr lvl="1"/>
+            <a:r>
+              <a:rPr lang="en-US" dirty="0"/>
+              <a:t>Used D3 &amp; </a:t>
+            </a:r>
+            <a:r>
+              <a:rPr lang="en-US" dirty="0" err="1"/>
+              <a:t>Plotly</a:t>
+            </a:r>
+            <a:endParaRPr lang="en-US" dirty="0"/>
+          </a:p>
+        </p:txBody>
+      </p:sp>
+      <p:pic>
+        <p:nvPicPr>
+          <p:cNvPr id="10" name="Picture 9" descr="A picture containing vector graphics&#10;&#10;Description automatically generated">
+            <a:extLst>
+              <a:ext uri="{FF2B5EF4-FFF2-40B4-BE49-F238E27FC236}">
+                <a16:creationId xmlns:a16="http://schemas.microsoft.com/office/drawing/2014/main" id="{CD27AC62-DD14-4056-8830-44C4FCE0B6FA}"/>
+              </a:ext>
+            </a:extLst>
+          </p:cNvPr>
+          <p:cNvPicPr>
+            <a:picLocks noChangeAspect="1"/>
+          </p:cNvPicPr>
+          <p:nvPr/>
+        </p:nvPicPr>
+        <p:blipFill>
+          <a:blip r:embed="rId3">
+            <a:extLst>
+              <a:ext uri="{28A0092B-C50C-407E-A947-70E740481C1C}">
+                <a14:useLocalDpi xmlns:a14="http://schemas.microsoft.com/office/drawing/2010/main" val="0"/>
+              </a:ext>
+            </a:extLst>
+          </a:blip>
+          <a:stretch>
+            <a:fillRect/>
+          </a:stretch>
+        </p:blipFill>
+        <p:spPr>
+          <a:xfrm>
+            <a:off x="11965629" y="-3921"/>
+            <a:ext cx="231181" cy="222801"/>
+          </a:xfrm>
+          <a:prstGeom prst="rect">
+            <a:avLst/>
+          </a:prstGeom>
+        </p:spPr>
+      </p:pic>
+    </p:spTree>
+    <p:extLst>
+      <p:ext uri="{BB962C8B-B14F-4D97-AF65-F5344CB8AC3E}">
+        <p14:creationId xmlns:p14="http://schemas.microsoft.com/office/powerpoint/2010/main" val="426154037"/>
+      </p:ext>
+    </p:extLst>
+  </p:cSld>
+  <p:clrMapOvr>
+    <a:masterClrMapping/>
+  </p:clrMapOvr>
+  <p:transition spd="slow">
+    <p:push dir="u"/>
+  </p:transition>
+</p:sld>
+</file>
+
+<file path=ppt/slides/slide9.xml><?xml version="1.0" encoding="utf-8"?>
+<p:sld xmlns:a="http://schemas.openxmlformats.org/drawingml/2006/main" xmlns:r="http://schemas.openxmlformats.org/officeDocument/2006/relationships" xmlns:p="http://schemas.openxmlformats.org/presentationml/2006/main">
+  <p:cSld>
+    <p:spTree>
+      <p:nvGrpSpPr>
+        <p:cNvPr id="1" name=""/>
+        <p:cNvGrpSpPr/>
+        <p:nvPr/>
+      </p:nvGrpSpPr>
+      <p:grpSpPr>
+        <a:xfrm>
+          <a:off x="0" y="0"/>
+          <a:ext cx="0" cy="0"/>
+          <a:chOff x="0" y="0"/>
+          <a:chExt cx="0" cy="0"/>
+        </a:xfrm>
+      </p:grpSpPr>
+      <p:pic>
+        <p:nvPicPr>
+          <p:cNvPr id="4" name="Picture 3">
+            <a:extLst>
+              <a:ext uri="{FF2B5EF4-FFF2-40B4-BE49-F238E27FC236}">
+                <a16:creationId xmlns:a16="http://schemas.microsoft.com/office/drawing/2014/main" id="{4F2B592D-46FD-40EC-A8E3-1CEEFCAB5D82}"/>
+              </a:ext>
+            </a:extLst>
+          </p:cNvPr>
+          <p:cNvPicPr>
+            <a:picLocks noChangeAspect="1"/>
+          </p:cNvPicPr>
+          <p:nvPr/>
+        </p:nvPicPr>
+        <p:blipFill>
+          <a:blip r:embed="rId2"/>
+          <a:stretch>
+            <a:fillRect/>
+          </a:stretch>
+        </p:blipFill>
+        <p:spPr>
+          <a:xfrm>
+            <a:off x="10973127" y="5561774"/>
+            <a:ext cx="1066145" cy="1063705"/>
+          </a:xfrm>
+          <a:prstGeom prst="rect">
+            <a:avLst/>
+          </a:prstGeom>
+        </p:spPr>
+      </p:pic>
+      <p:sp>
+        <p:nvSpPr>
+          <p:cNvPr id="2" name="Title 1">
+            <a:extLst>
+              <a:ext uri="{FF2B5EF4-FFF2-40B4-BE49-F238E27FC236}">
+                <a16:creationId xmlns:a16="http://schemas.microsoft.com/office/drawing/2014/main" id="{CE1D6688-B20B-4C52-BA61-6976BF236D8D}"/>
+              </a:ext>
+            </a:extLst>
+          </p:cNvPr>
+          <p:cNvSpPr>
+            <a:spLocks noGrp="1"/>
+          </p:cNvSpPr>
+          <p:nvPr>
+            <p:ph type="title"/>
+          </p:nvPr>
+        </p:nvSpPr>
+        <p:spPr/>
+        <p:txBody>
+          <a:bodyPr/>
+          <a:lstStyle/>
+          <a:p>
+            <a:r>
+              <a:rPr lang="en-US" dirty="0"/>
+              <a:t>Coding approach</a:t>
+            </a:r>
+            <a:br>
+              <a:rPr lang="en-US" dirty="0"/>
+            </a:br>
+            <a:r>
+              <a:rPr lang="en-US" dirty="0"/>
+              <a:t>Step 7 </a:t>
+            </a:r>
+          </a:p>
+        </p:txBody>
+      </p:sp>
+      <p:sp>
+        <p:nvSpPr>
+          <p:cNvPr id="3" name="Content Placeholder 2">
+            <a:extLst>
+              <a:ext uri="{FF2B5EF4-FFF2-40B4-BE49-F238E27FC236}">
+                <a16:creationId xmlns:a16="http://schemas.microsoft.com/office/drawing/2014/main" id="{127EA3C2-E5D9-4D4C-B5F7-91809A55AE19}"/>
+              </a:ext>
+            </a:extLst>
+          </p:cNvPr>
+          <p:cNvSpPr>
+            <a:spLocks noGrp="1"/>
+          </p:cNvSpPr>
+          <p:nvPr>
+            <p:ph idx="1"/>
+          </p:nvPr>
+        </p:nvSpPr>
+        <p:spPr/>
+        <p:txBody>
+          <a:bodyPr/>
+          <a:lstStyle/>
+          <a:p>
+            <a:r>
+              <a:rPr lang="en-US" dirty="0"/>
+              <a:t>We used a JavaScript library not covered in class: Anime.js</a:t>
+            </a:r>
+          </a:p>
+          <a:p>
+            <a:r>
+              <a:rPr lang="en-US" dirty="0"/>
+              <a:t>This allowed us to create an animation of the title upon loading of the page </a:t>
+            </a:r>
+          </a:p>
+          <a:p>
+            <a:pPr marL="0" indent="0">
+              <a:buNone/>
+            </a:pPr>
+            <a:endParaRPr lang="en-US" dirty="0"/>
+          </a:p>
+        </p:txBody>
+      </p:sp>
+      <p:pic>
+        <p:nvPicPr>
+          <p:cNvPr id="10" name="Picture 9" descr="A picture containing vector graphics&#10;&#10;Description automatically generated">
+            <a:extLst>
+              <a:ext uri="{FF2B5EF4-FFF2-40B4-BE49-F238E27FC236}">
+                <a16:creationId xmlns:a16="http://schemas.microsoft.com/office/drawing/2014/main" id="{CD27AC62-DD14-4056-8830-44C4FCE0B6FA}"/>
+              </a:ext>
+            </a:extLst>
+          </p:cNvPr>
+          <p:cNvPicPr>
+            <a:picLocks noChangeAspect="1"/>
+          </p:cNvPicPr>
+          <p:nvPr/>
+        </p:nvPicPr>
+        <p:blipFill>
+          <a:blip r:embed="rId3">
+            <a:extLst>
+              <a:ext uri="{28A0092B-C50C-407E-A947-70E740481C1C}">
+                <a14:useLocalDpi xmlns:a14="http://schemas.microsoft.com/office/drawing/2010/main" val="0"/>
+              </a:ext>
+            </a:extLst>
+          </a:blip>
+          <a:stretch>
+            <a:fillRect/>
+          </a:stretch>
+        </p:blipFill>
+        <p:spPr>
+          <a:xfrm>
+            <a:off x="11965629" y="-3921"/>
+            <a:ext cx="231181" cy="222801"/>
+          </a:xfrm>
+          <a:prstGeom prst="rect">
+            <a:avLst/>
+          </a:prstGeom>
+        </p:spPr>
+      </p:pic>
+    </p:spTree>
+    <p:extLst>
+      <p:ext uri="{BB962C8B-B14F-4D97-AF65-F5344CB8AC3E}">
+        <p14:creationId xmlns:p14="http://schemas.microsoft.com/office/powerpoint/2010/main" val="949181976"/>
+      </p:ext>
+    </p:extLst>
+  </p:cSld>
+  <p:clrMapOvr>
+    <a:masterClrMapping/>
+  </p:clrMapOvr>
+  <p:transition spd="slow">
+    <p:push dir="u"/>
+  </p:transition>
 </p:sld>
 </file>
 

--- a/Presentation 2.pptx
+++ b/Presentation 2.pptx
@@ -128,7 +128,7 @@
   <pc:docChgLst>
     <pc:chgData name="Daniel Buescher" userId="be4f4dfaf1c4f0c1" providerId="LiveId" clId="{95EEA666-69A3-4711-8A24-78F8FF8B7B8F}"/>
     <pc:docChg chg="undo redo custSel modSld">
-      <pc:chgData name="Daniel Buescher" userId="be4f4dfaf1c4f0c1" providerId="LiveId" clId="{95EEA666-69A3-4711-8A24-78F8FF8B7B8F}" dt="2021-05-21T23:55:38.931" v="2162"/>
+      <pc:chgData name="Daniel Buescher" userId="be4f4dfaf1c4f0c1" providerId="LiveId" clId="{95EEA666-69A3-4711-8A24-78F8FF8B7B8F}" dt="2021-05-25T00:38:17.191" v="2215" actId="1076"/>
       <pc:docMkLst>
         <pc:docMk/>
       </pc:docMkLst>
@@ -322,7 +322,7 @@
         </pc:picChg>
       </pc:sldChg>
       <pc:sldChg chg="addSp delSp modSp mod modTransition">
-        <pc:chgData name="Daniel Buescher" userId="be4f4dfaf1c4f0c1" providerId="LiveId" clId="{95EEA666-69A3-4711-8A24-78F8FF8B7B8F}" dt="2021-05-21T23:52:19.180" v="2133" actId="1076"/>
+        <pc:chgData name="Daniel Buescher" userId="be4f4dfaf1c4f0c1" providerId="LiveId" clId="{95EEA666-69A3-4711-8A24-78F8FF8B7B8F}" dt="2021-05-25T00:36:45.066" v="2193" actId="1076"/>
         <pc:sldMkLst>
           <pc:docMk/>
           <pc:sldMk cId="2794696610" sldId="259"/>
@@ -344,7 +344,7 @@
           </ac:spMkLst>
         </pc:spChg>
         <pc:picChg chg="add mod ord">
-          <ac:chgData name="Daniel Buescher" userId="be4f4dfaf1c4f0c1" providerId="LiveId" clId="{95EEA666-69A3-4711-8A24-78F8FF8B7B8F}" dt="2021-05-21T23:46:09.663" v="1941" actId="1076"/>
+          <ac:chgData name="Daniel Buescher" userId="be4f4dfaf1c4f0c1" providerId="LiveId" clId="{95EEA666-69A3-4711-8A24-78F8FF8B7B8F}" dt="2021-05-25T00:36:41.404" v="2192" actId="1076"/>
           <ac:picMkLst>
             <pc:docMk/>
             <pc:sldMk cId="2794696610" sldId="259"/>
@@ -375,8 +375,8 @@
             <ac:picMk id="9" creationId="{11AFFDBB-DE25-4BBC-ADC7-650B883DEEB8}"/>
           </ac:picMkLst>
         </pc:picChg>
-        <pc:picChg chg="add mod">
-          <ac:chgData name="Daniel Buescher" userId="be4f4dfaf1c4f0c1" providerId="LiveId" clId="{95EEA666-69A3-4711-8A24-78F8FF8B7B8F}" dt="2021-05-21T23:52:19.180" v="2133" actId="1076"/>
+        <pc:picChg chg="add mod ord">
+          <ac:chgData name="Daniel Buescher" userId="be4f4dfaf1c4f0c1" providerId="LiveId" clId="{95EEA666-69A3-4711-8A24-78F8FF8B7B8F}" dt="2021-05-25T00:36:45.066" v="2193" actId="1076"/>
           <ac:picMkLst>
             <pc:docMk/>
             <pc:sldMk cId="2794696610" sldId="259"/>
@@ -500,6 +500,137 @@
             <pc:docMk/>
             <pc:sldMk cId="37169486" sldId="260"/>
             <ac:picMk id="17" creationId="{D543B701-E33F-482C-876D-186407F34FF9}"/>
+          </ac:picMkLst>
+        </pc:picChg>
+      </pc:sldChg>
+      <pc:sldChg chg="modSp mod">
+        <pc:chgData name="Daniel Buescher" userId="be4f4dfaf1c4f0c1" providerId="LiveId" clId="{95EEA666-69A3-4711-8A24-78F8FF8B7B8F}" dt="2021-05-25T00:37:16.177" v="2199" actId="1076"/>
+        <pc:sldMkLst>
+          <pc:docMk/>
+          <pc:sldMk cId="2590858031" sldId="261"/>
+        </pc:sldMkLst>
+        <pc:spChg chg="mod">
+          <ac:chgData name="Daniel Buescher" userId="be4f4dfaf1c4f0c1" providerId="LiveId" clId="{95EEA666-69A3-4711-8A24-78F8FF8B7B8F}" dt="2021-05-25T00:34:45.069" v="2166" actId="14100"/>
+          <ac:spMkLst>
+            <pc:docMk/>
+            <pc:sldMk cId="2590858031" sldId="261"/>
+            <ac:spMk id="3" creationId="{FE0F0902-579D-46B2-8EF5-0AE61F17FE18}"/>
+          </ac:spMkLst>
+        </pc:spChg>
+        <pc:picChg chg="mod">
+          <ac:chgData name="Daniel Buescher" userId="be4f4dfaf1c4f0c1" providerId="LiveId" clId="{95EEA666-69A3-4711-8A24-78F8FF8B7B8F}" dt="2021-05-25T00:37:16.177" v="2199" actId="1076"/>
+          <ac:picMkLst>
+            <pc:docMk/>
+            <pc:sldMk cId="2590858031" sldId="261"/>
+            <ac:picMk id="4" creationId="{FA4D4607-89AD-4F8F-99CB-23BAF300A079}"/>
+          </ac:picMkLst>
+        </pc:picChg>
+        <pc:picChg chg="mod">
+          <ac:chgData name="Daniel Buescher" userId="be4f4dfaf1c4f0c1" providerId="LiveId" clId="{95EEA666-69A3-4711-8A24-78F8FF8B7B8F}" dt="2021-05-25T00:35:51.813" v="2181" actId="1076"/>
+          <ac:picMkLst>
+            <pc:docMk/>
+            <pc:sldMk cId="2590858031" sldId="261"/>
+            <ac:picMk id="8" creationId="{D56400BE-B04B-4AE2-8D1D-D6F807DC520E}"/>
+          </ac:picMkLst>
+        </pc:picChg>
+      </pc:sldChg>
+      <pc:sldChg chg="modSp mod">
+        <pc:chgData name="Daniel Buescher" userId="be4f4dfaf1c4f0c1" providerId="LiveId" clId="{95EEA666-69A3-4711-8A24-78F8FF8B7B8F}" dt="2021-05-25T00:37:00.684" v="2198" actId="1076"/>
+        <pc:sldMkLst>
+          <pc:docMk/>
+          <pc:sldMk cId="237005105" sldId="262"/>
+        </pc:sldMkLst>
+        <pc:picChg chg="mod">
+          <ac:chgData name="Daniel Buescher" userId="be4f4dfaf1c4f0c1" providerId="LiveId" clId="{95EEA666-69A3-4711-8A24-78F8FF8B7B8F}" dt="2021-05-25T00:36:53.499" v="2196" actId="1076"/>
+          <ac:picMkLst>
+            <pc:docMk/>
+            <pc:sldMk cId="237005105" sldId="262"/>
+            <ac:picMk id="4" creationId="{4F2B592D-46FD-40EC-A8E3-1CEEFCAB5D82}"/>
+          </ac:picMkLst>
+        </pc:picChg>
+        <pc:picChg chg="mod ord">
+          <ac:chgData name="Daniel Buescher" userId="be4f4dfaf1c4f0c1" providerId="LiveId" clId="{95EEA666-69A3-4711-8A24-78F8FF8B7B8F}" dt="2021-05-25T00:37:00.684" v="2198" actId="1076"/>
+          <ac:picMkLst>
+            <pc:docMk/>
+            <pc:sldMk cId="237005105" sldId="262"/>
+            <ac:picMk id="10" creationId="{CD27AC62-DD14-4056-8830-44C4FCE0B6FA}"/>
+          </ac:picMkLst>
+        </pc:picChg>
+      </pc:sldChg>
+      <pc:sldChg chg="modSp mod">
+        <pc:chgData name="Daniel Buescher" userId="be4f4dfaf1c4f0c1" providerId="LiveId" clId="{95EEA666-69A3-4711-8A24-78F8FF8B7B8F}" dt="2021-05-25T00:37:34.940" v="2203" actId="167"/>
+        <pc:sldMkLst>
+          <pc:docMk/>
+          <pc:sldMk cId="426154037" sldId="263"/>
+        </pc:sldMkLst>
+        <pc:picChg chg="mod">
+          <ac:chgData name="Daniel Buescher" userId="be4f4dfaf1c4f0c1" providerId="LiveId" clId="{95EEA666-69A3-4711-8A24-78F8FF8B7B8F}" dt="2021-05-25T00:37:32.423" v="2202" actId="1076"/>
+          <ac:picMkLst>
+            <pc:docMk/>
+            <pc:sldMk cId="426154037" sldId="263"/>
+            <ac:picMk id="4" creationId="{4F2B592D-46FD-40EC-A8E3-1CEEFCAB5D82}"/>
+          </ac:picMkLst>
+        </pc:picChg>
+        <pc:picChg chg="mod ord">
+          <ac:chgData name="Daniel Buescher" userId="be4f4dfaf1c4f0c1" providerId="LiveId" clId="{95EEA666-69A3-4711-8A24-78F8FF8B7B8F}" dt="2021-05-25T00:37:34.940" v="2203" actId="167"/>
+          <ac:picMkLst>
+            <pc:docMk/>
+            <pc:sldMk cId="426154037" sldId="263"/>
+            <ac:picMk id="10" creationId="{CD27AC62-DD14-4056-8830-44C4FCE0B6FA}"/>
+          </ac:picMkLst>
+        </pc:picChg>
+      </pc:sldChg>
+      <pc:sldChg chg="modSp mod">
+        <pc:chgData name="Daniel Buescher" userId="be4f4dfaf1c4f0c1" providerId="LiveId" clId="{95EEA666-69A3-4711-8A24-78F8FF8B7B8F}" dt="2021-05-25T00:38:17.191" v="2215" actId="1076"/>
+        <pc:sldMkLst>
+          <pc:docMk/>
+          <pc:sldMk cId="949181976" sldId="265"/>
+        </pc:sldMkLst>
+        <pc:spChg chg="mod">
+          <ac:chgData name="Daniel Buescher" userId="be4f4dfaf1c4f0c1" providerId="LiveId" clId="{95EEA666-69A3-4711-8A24-78F8FF8B7B8F}" dt="2021-05-25T00:38:06.072" v="2211" actId="14100"/>
+          <ac:spMkLst>
+            <pc:docMk/>
+            <pc:sldMk cId="949181976" sldId="265"/>
+            <ac:spMk id="2" creationId="{CE1D6688-B20B-4C52-BA61-6976BF236D8D}"/>
+          </ac:spMkLst>
+        </pc:spChg>
+        <pc:picChg chg="mod">
+          <ac:chgData name="Daniel Buescher" userId="be4f4dfaf1c4f0c1" providerId="LiveId" clId="{95EEA666-69A3-4711-8A24-78F8FF8B7B8F}" dt="2021-05-25T00:38:17.191" v="2215" actId="1076"/>
+          <ac:picMkLst>
+            <pc:docMk/>
+            <pc:sldMk cId="949181976" sldId="265"/>
+            <ac:picMk id="4" creationId="{4F2B592D-46FD-40EC-A8E3-1CEEFCAB5D82}"/>
+          </ac:picMkLst>
+        </pc:picChg>
+        <pc:picChg chg="mod ord">
+          <ac:chgData name="Daniel Buescher" userId="be4f4dfaf1c4f0c1" providerId="LiveId" clId="{95EEA666-69A3-4711-8A24-78F8FF8B7B8F}" dt="2021-05-25T00:38:12.701" v="2214" actId="167"/>
+          <ac:picMkLst>
+            <pc:docMk/>
+            <pc:sldMk cId="949181976" sldId="265"/>
+            <ac:picMk id="10" creationId="{CD27AC62-DD14-4056-8830-44C4FCE0B6FA}"/>
+          </ac:picMkLst>
+        </pc:picChg>
+      </pc:sldChg>
+      <pc:sldChg chg="modSp mod">
+        <pc:chgData name="Daniel Buescher" userId="be4f4dfaf1c4f0c1" providerId="LiveId" clId="{95EEA666-69A3-4711-8A24-78F8FF8B7B8F}" dt="2021-05-25T00:36:13.128" v="2189" actId="1076"/>
+        <pc:sldMkLst>
+          <pc:docMk/>
+          <pc:sldMk cId="3814564333" sldId="268"/>
+        </pc:sldMkLst>
+        <pc:picChg chg="mod">
+          <ac:chgData name="Daniel Buescher" userId="be4f4dfaf1c4f0c1" providerId="LiveId" clId="{95EEA666-69A3-4711-8A24-78F8FF8B7B8F}" dt="2021-05-25T00:36:00.520" v="2184" actId="1076"/>
+          <ac:picMkLst>
+            <pc:docMk/>
+            <pc:sldMk cId="3814564333" sldId="268"/>
+            <ac:picMk id="4" creationId="{FA4D4607-89AD-4F8F-99CB-23BAF300A079}"/>
+          </ac:picMkLst>
+        </pc:picChg>
+        <pc:picChg chg="mod">
+          <ac:chgData name="Daniel Buescher" userId="be4f4dfaf1c4f0c1" providerId="LiveId" clId="{95EEA666-69A3-4711-8A24-78F8FF8B7B8F}" dt="2021-05-25T00:36:13.128" v="2189" actId="1076"/>
+          <ac:picMkLst>
+            <pc:docMk/>
+            <pc:sldMk cId="3814564333" sldId="268"/>
+            <ac:picMk id="8" creationId="{D56400BE-B04B-4AE2-8D1D-D6F807DC520E}"/>
           </ac:picMkLst>
         </pc:picChg>
       </pc:sldChg>
@@ -7102,13 +7233,13 @@
   <p:clrMapOvr>
     <a:masterClrMapping/>
   </p:clrMapOvr>
-  <mc:AlternateContent xmlns:mc="http://schemas.openxmlformats.org/markup-compatibility/2006">
-    <mc:Choice xmlns:p14="http://schemas.microsoft.com/office/powerpoint/2010/main" Requires="p14">
+  <mc:AlternateContent xmlns:mc="http://schemas.openxmlformats.org/markup-compatibility/2006" xmlns:p14="http://schemas.microsoft.com/office/powerpoint/2010/main">
+    <mc:Choice Requires="p14">
       <p:transition spd="med" p14:dur="700">
         <p:fade/>
       </p:transition>
     </mc:Choice>
-    <mc:Fallback>
+    <mc:Fallback xmlns="">
       <p:transition spd="med">
         <p:fade/>
       </p:transition>
@@ -7282,13 +7413,13 @@
   <p:clrMapOvr>
     <a:masterClrMapping/>
   </p:clrMapOvr>
-  <mc:AlternateContent xmlns:mc="http://schemas.openxmlformats.org/markup-compatibility/2006">
-    <mc:Choice xmlns:p14="http://schemas.microsoft.com/office/powerpoint/2010/main" Requires="p14">
+  <mc:AlternateContent xmlns:mc="http://schemas.openxmlformats.org/markup-compatibility/2006" xmlns:p14="http://schemas.microsoft.com/office/powerpoint/2010/main">
+    <mc:Choice Requires="p14">
       <p:transition spd="med" p14:dur="700">
         <p:fade/>
       </p:transition>
     </mc:Choice>
-    <mc:Fallback>
+    <mc:Fallback xmlns="">
       <p:transition spd="med">
         <p:fade/>
       </p:transition>
@@ -7789,9 +7920,9 @@
           </a:stretch>
         </p:blipFill>
         <p:spPr>
-          <a:xfrm>
-            <a:off x="11678874" y="6350624"/>
-            <a:ext cx="231181" cy="222801"/>
+          <a:xfrm flipH="1">
+            <a:off x="11346873" y="6574265"/>
+            <a:ext cx="224620" cy="216478"/>
           </a:xfrm>
           <a:prstGeom prst="rect">
             <a:avLst/>
@@ -7938,7 +8069,7 @@
         </p:blipFill>
         <p:spPr>
           <a:xfrm>
-            <a:off x="10973127" y="5647765"/>
+            <a:off x="11212646" y="5880286"/>
             <a:ext cx="979957" cy="977714"/>
           </a:xfrm>
           <a:prstGeom prst="rect">
@@ -8007,7 +8138,7 @@
         </p:blipFill>
         <p:spPr>
           <a:xfrm>
-            <a:off x="11678874" y="6350624"/>
+            <a:off x="11867027" y="6618801"/>
             <a:ext cx="231181" cy="222801"/>
           </a:xfrm>
           <a:prstGeom prst="rect">
@@ -8073,8 +8204,8 @@
         </p:nvSpPr>
         <p:spPr>
           <a:xfrm>
-            <a:off x="564776" y="1909482"/>
-            <a:ext cx="11302251" cy="4552543"/>
+            <a:off x="564776" y="1909483"/>
+            <a:ext cx="11302251" cy="3440352"/>
           </a:xfrm>
         </p:spPr>
         <p:txBody>
@@ -8141,7 +8272,7 @@
         </p:blipFill>
         <p:spPr>
           <a:xfrm>
-            <a:off x="10973127" y="5647765"/>
+            <a:off x="11212043" y="5880286"/>
             <a:ext cx="979957" cy="977714"/>
           </a:xfrm>
           <a:prstGeom prst="rect">
@@ -8184,6 +8315,42 @@
       </p:grpSpPr>
       <p:pic>
         <p:nvPicPr>
+          <p:cNvPr id="10" name="Picture 9" descr="A picture containing vector graphics&#10;&#10;Description automatically generated">
+            <a:extLst>
+              <a:ext uri="{FF2B5EF4-FFF2-40B4-BE49-F238E27FC236}">
+                <a16:creationId xmlns:a16="http://schemas.microsoft.com/office/drawing/2014/main" id="{CD27AC62-DD14-4056-8830-44C4FCE0B6FA}"/>
+              </a:ext>
+            </a:extLst>
+          </p:cNvPr>
+          <p:cNvPicPr>
+            <a:picLocks noChangeAspect="1"/>
+          </p:cNvPicPr>
+          <p:nvPr/>
+        </p:nvPicPr>
+        <p:blipFill>
+          <a:blip r:embed="rId2">
+            <a:extLst>
+              <a:ext uri="{28A0092B-C50C-407E-A947-70E740481C1C}">
+                <a14:useLocalDpi xmlns:a14="http://schemas.microsoft.com/office/drawing/2010/main" val="0"/>
+              </a:ext>
+            </a:extLst>
+          </a:blip>
+          <a:stretch>
+            <a:fillRect/>
+          </a:stretch>
+        </p:blipFill>
+        <p:spPr>
+          <a:xfrm>
+            <a:off x="11775624" y="6635199"/>
+            <a:ext cx="231181" cy="222801"/>
+          </a:xfrm>
+          <a:prstGeom prst="rect">
+            <a:avLst/>
+          </a:prstGeom>
+        </p:spPr>
+      </p:pic>
+      <p:pic>
+        <p:nvPicPr>
           <p:cNvPr id="4" name="Picture 3">
             <a:extLst>
               <a:ext uri="{FF2B5EF4-FFF2-40B4-BE49-F238E27FC236}">
@@ -8197,14 +8364,14 @@
           <p:nvPr/>
         </p:nvPicPr>
         <p:blipFill>
-          <a:blip r:embed="rId2"/>
+          <a:blip r:embed="rId3"/>
           <a:stretch>
             <a:fillRect/>
           </a:stretch>
         </p:blipFill>
         <p:spPr>
           <a:xfrm>
-            <a:off x="10973127" y="5561774"/>
+            <a:off x="11081120" y="5823991"/>
             <a:ext cx="1066145" cy="1063705"/>
           </a:xfrm>
           <a:prstGeom prst="rect">
@@ -8292,42 +8459,6 @@
           </a:p>
         </p:txBody>
       </p:sp>
-      <p:pic>
-        <p:nvPicPr>
-          <p:cNvPr id="10" name="Picture 9" descr="A picture containing vector graphics&#10;&#10;Description automatically generated">
-            <a:extLst>
-              <a:ext uri="{FF2B5EF4-FFF2-40B4-BE49-F238E27FC236}">
-                <a16:creationId xmlns:a16="http://schemas.microsoft.com/office/drawing/2014/main" id="{CD27AC62-DD14-4056-8830-44C4FCE0B6FA}"/>
-              </a:ext>
-            </a:extLst>
-          </p:cNvPr>
-          <p:cNvPicPr>
-            <a:picLocks noChangeAspect="1"/>
-          </p:cNvPicPr>
-          <p:nvPr/>
-        </p:nvPicPr>
-        <p:blipFill>
-          <a:blip r:embed="rId3">
-            <a:extLst>
-              <a:ext uri="{28A0092B-C50C-407E-A947-70E740481C1C}">
-                <a14:useLocalDpi xmlns:a14="http://schemas.microsoft.com/office/drawing/2010/main" val="0"/>
-              </a:ext>
-            </a:extLst>
-          </a:blip>
-          <a:stretch>
-            <a:fillRect/>
-          </a:stretch>
-        </p:blipFill>
-        <p:spPr>
-          <a:xfrm>
-            <a:off x="11965629" y="-3921"/>
-            <a:ext cx="231181" cy="222801"/>
-          </a:xfrm>
-          <a:prstGeom prst="rect">
-            <a:avLst/>
-          </a:prstGeom>
-        </p:spPr>
-      </p:pic>
     </p:spTree>
     <p:extLst>
       <p:ext uri="{BB962C8B-B14F-4D97-AF65-F5344CB8AC3E}">
@@ -8363,6 +8494,42 @@
       </p:grpSpPr>
       <p:pic>
         <p:nvPicPr>
+          <p:cNvPr id="10" name="Picture 9" descr="A picture containing vector graphics&#10;&#10;Description automatically generated">
+            <a:extLst>
+              <a:ext uri="{FF2B5EF4-FFF2-40B4-BE49-F238E27FC236}">
+                <a16:creationId xmlns:a16="http://schemas.microsoft.com/office/drawing/2014/main" id="{CD27AC62-DD14-4056-8830-44C4FCE0B6FA}"/>
+              </a:ext>
+            </a:extLst>
+          </p:cNvPr>
+          <p:cNvPicPr>
+            <a:picLocks noChangeAspect="1"/>
+          </p:cNvPicPr>
+          <p:nvPr/>
+        </p:nvPicPr>
+        <p:blipFill>
+          <a:blip r:embed="rId2">
+            <a:extLst>
+              <a:ext uri="{28A0092B-C50C-407E-A947-70E740481C1C}">
+                <a14:useLocalDpi xmlns:a14="http://schemas.microsoft.com/office/drawing/2010/main" val="0"/>
+              </a:ext>
+            </a:extLst>
+          </a:blip>
+          <a:stretch>
+            <a:fillRect/>
+          </a:stretch>
+        </p:blipFill>
+        <p:spPr>
+          <a:xfrm flipH="1">
+            <a:off x="11151654" y="5982226"/>
+            <a:ext cx="231181" cy="222801"/>
+          </a:xfrm>
+          <a:prstGeom prst="rect">
+            <a:avLst/>
+          </a:prstGeom>
+        </p:spPr>
+      </p:pic>
+      <p:pic>
+        <p:nvPicPr>
           <p:cNvPr id="4" name="Picture 3">
             <a:extLst>
               <a:ext uri="{FF2B5EF4-FFF2-40B4-BE49-F238E27FC236}">
@@ -8376,14 +8543,14 @@
           <p:nvPr/>
         </p:nvPicPr>
         <p:blipFill>
-          <a:blip r:embed="rId2"/>
+          <a:blip r:embed="rId3"/>
           <a:stretch>
             <a:fillRect/>
           </a:stretch>
         </p:blipFill>
         <p:spPr>
           <a:xfrm>
-            <a:off x="10973127" y="5561774"/>
+            <a:off x="11151654" y="5823991"/>
             <a:ext cx="1066145" cy="1063705"/>
           </a:xfrm>
           <a:prstGeom prst="rect">
@@ -8466,42 +8633,6 @@
           </a:p>
         </p:txBody>
       </p:sp>
-      <p:pic>
-        <p:nvPicPr>
-          <p:cNvPr id="10" name="Picture 9" descr="A picture containing vector graphics&#10;&#10;Description automatically generated">
-            <a:extLst>
-              <a:ext uri="{FF2B5EF4-FFF2-40B4-BE49-F238E27FC236}">
-                <a16:creationId xmlns:a16="http://schemas.microsoft.com/office/drawing/2014/main" id="{CD27AC62-DD14-4056-8830-44C4FCE0B6FA}"/>
-              </a:ext>
-            </a:extLst>
-          </p:cNvPr>
-          <p:cNvPicPr>
-            <a:picLocks noChangeAspect="1"/>
-          </p:cNvPicPr>
-          <p:nvPr/>
-        </p:nvPicPr>
-        <p:blipFill>
-          <a:blip r:embed="rId3">
-            <a:extLst>
-              <a:ext uri="{28A0092B-C50C-407E-A947-70E740481C1C}">
-                <a14:useLocalDpi xmlns:a14="http://schemas.microsoft.com/office/drawing/2010/main" val="0"/>
-              </a:ext>
-            </a:extLst>
-          </a:blip>
-          <a:stretch>
-            <a:fillRect/>
-          </a:stretch>
-        </p:blipFill>
-        <p:spPr>
-          <a:xfrm>
-            <a:off x="11965629" y="-3921"/>
-            <a:ext cx="231181" cy="222801"/>
-          </a:xfrm>
-          <a:prstGeom prst="rect">
-            <a:avLst/>
-          </a:prstGeom>
-        </p:spPr>
-      </p:pic>
     </p:spTree>
     <p:extLst>
       <p:ext uri="{BB962C8B-B14F-4D97-AF65-F5344CB8AC3E}">
@@ -8537,6 +8668,42 @@
       </p:grpSpPr>
       <p:pic>
         <p:nvPicPr>
+          <p:cNvPr id="10" name="Picture 9" descr="A picture containing vector graphics&#10;&#10;Description automatically generated">
+            <a:extLst>
+              <a:ext uri="{FF2B5EF4-FFF2-40B4-BE49-F238E27FC236}">
+                <a16:creationId xmlns:a16="http://schemas.microsoft.com/office/drawing/2014/main" id="{CD27AC62-DD14-4056-8830-44C4FCE0B6FA}"/>
+              </a:ext>
+            </a:extLst>
+          </p:cNvPr>
+          <p:cNvPicPr>
+            <a:picLocks noChangeAspect="1"/>
+          </p:cNvPicPr>
+          <p:nvPr/>
+        </p:nvPicPr>
+        <p:blipFill>
+          <a:blip r:embed="rId2">
+            <a:extLst>
+              <a:ext uri="{28A0092B-C50C-407E-A947-70E740481C1C}">
+                <a14:useLocalDpi xmlns:a14="http://schemas.microsoft.com/office/drawing/2010/main" val="0"/>
+              </a:ext>
+            </a:extLst>
+          </a:blip>
+          <a:stretch>
+            <a:fillRect/>
+          </a:stretch>
+        </p:blipFill>
+        <p:spPr>
+          <a:xfrm>
+            <a:off x="11923681" y="6625479"/>
+            <a:ext cx="231181" cy="222801"/>
+          </a:xfrm>
+          <a:prstGeom prst="rect">
+            <a:avLst/>
+          </a:prstGeom>
+        </p:spPr>
+      </p:pic>
+      <p:pic>
+        <p:nvPicPr>
           <p:cNvPr id="4" name="Picture 3">
             <a:extLst>
               <a:ext uri="{FF2B5EF4-FFF2-40B4-BE49-F238E27FC236}">
@@ -8550,14 +8717,14 @@
           <p:nvPr/>
         </p:nvPicPr>
         <p:blipFill>
-          <a:blip r:embed="rId2"/>
+          <a:blip r:embed="rId3"/>
           <a:stretch>
             <a:fillRect/>
           </a:stretch>
         </p:blipFill>
         <p:spPr>
           <a:xfrm>
-            <a:off x="10973127" y="5561774"/>
+            <a:off x="11142677" y="5823991"/>
             <a:ext cx="1066145" cy="1063705"/>
           </a:xfrm>
           <a:prstGeom prst="rect">
@@ -8660,42 +8827,6 @@
           </a:p>
         </p:txBody>
       </p:sp>
-      <p:pic>
-        <p:nvPicPr>
-          <p:cNvPr id="10" name="Picture 9" descr="A picture containing vector graphics&#10;&#10;Description automatically generated">
-            <a:extLst>
-              <a:ext uri="{FF2B5EF4-FFF2-40B4-BE49-F238E27FC236}">
-                <a16:creationId xmlns:a16="http://schemas.microsoft.com/office/drawing/2014/main" id="{CD27AC62-DD14-4056-8830-44C4FCE0B6FA}"/>
-              </a:ext>
-            </a:extLst>
-          </p:cNvPr>
-          <p:cNvPicPr>
-            <a:picLocks noChangeAspect="1"/>
-          </p:cNvPicPr>
-          <p:nvPr/>
-        </p:nvPicPr>
-        <p:blipFill>
-          <a:blip r:embed="rId3">
-            <a:extLst>
-              <a:ext uri="{28A0092B-C50C-407E-A947-70E740481C1C}">
-                <a14:useLocalDpi xmlns:a14="http://schemas.microsoft.com/office/drawing/2010/main" val="0"/>
-              </a:ext>
-            </a:extLst>
-          </a:blip>
-          <a:stretch>
-            <a:fillRect/>
-          </a:stretch>
-        </p:blipFill>
-        <p:spPr>
-          <a:xfrm>
-            <a:off x="11965629" y="-3921"/>
-            <a:ext cx="231181" cy="222801"/>
-          </a:xfrm>
-          <a:prstGeom prst="rect">
-            <a:avLst/>
-          </a:prstGeom>
-        </p:spPr>
-      </p:pic>
     </p:spTree>
     <p:extLst>
       <p:ext uri="{BB962C8B-B14F-4D97-AF65-F5344CB8AC3E}">
@@ -8731,6 +8862,42 @@
       </p:grpSpPr>
       <p:pic>
         <p:nvPicPr>
+          <p:cNvPr id="10" name="Picture 9" descr="A picture containing vector graphics&#10;&#10;Description automatically generated">
+            <a:extLst>
+              <a:ext uri="{FF2B5EF4-FFF2-40B4-BE49-F238E27FC236}">
+                <a16:creationId xmlns:a16="http://schemas.microsoft.com/office/drawing/2014/main" id="{CD27AC62-DD14-4056-8830-44C4FCE0B6FA}"/>
+              </a:ext>
+            </a:extLst>
+          </p:cNvPr>
+          <p:cNvPicPr>
+            <a:picLocks noChangeAspect="1"/>
+          </p:cNvPicPr>
+          <p:nvPr/>
+        </p:nvPicPr>
+        <p:blipFill>
+          <a:blip r:embed="rId2">
+            <a:extLst>
+              <a:ext uri="{28A0092B-C50C-407E-A947-70E740481C1C}">
+                <a14:useLocalDpi xmlns:a14="http://schemas.microsoft.com/office/drawing/2010/main" val="0"/>
+              </a:ext>
+            </a:extLst>
+          </a:blip>
+          <a:stretch>
+            <a:fillRect/>
+          </a:stretch>
+        </p:blipFill>
+        <p:spPr>
+          <a:xfrm>
+            <a:off x="6829551" y="1033153"/>
+            <a:ext cx="166897" cy="160847"/>
+          </a:xfrm>
+          <a:prstGeom prst="rect">
+            <a:avLst/>
+          </a:prstGeom>
+        </p:spPr>
+      </p:pic>
+      <p:pic>
+        <p:nvPicPr>
           <p:cNvPr id="4" name="Picture 3">
             <a:extLst>
               <a:ext uri="{FF2B5EF4-FFF2-40B4-BE49-F238E27FC236}">
@@ -8744,14 +8911,14 @@
           <p:nvPr/>
         </p:nvPicPr>
         <p:blipFill>
-          <a:blip r:embed="rId2"/>
+          <a:blip r:embed="rId3"/>
           <a:stretch>
             <a:fillRect/>
           </a:stretch>
         </p:blipFill>
         <p:spPr>
           <a:xfrm>
-            <a:off x="10973127" y="5561774"/>
+            <a:off x="11125855" y="5794295"/>
             <a:ext cx="1066145" cy="1063705"/>
           </a:xfrm>
           <a:prstGeom prst="rect">
@@ -8834,42 +9001,6 @@
           </a:p>
         </p:txBody>
       </p:sp>
-      <p:pic>
-        <p:nvPicPr>
-          <p:cNvPr id="10" name="Picture 9" descr="A picture containing vector graphics&#10;&#10;Description automatically generated">
-            <a:extLst>
-              <a:ext uri="{FF2B5EF4-FFF2-40B4-BE49-F238E27FC236}">
-                <a16:creationId xmlns:a16="http://schemas.microsoft.com/office/drawing/2014/main" id="{CD27AC62-DD14-4056-8830-44C4FCE0B6FA}"/>
-              </a:ext>
-            </a:extLst>
-          </p:cNvPr>
-          <p:cNvPicPr>
-            <a:picLocks noChangeAspect="1"/>
-          </p:cNvPicPr>
-          <p:nvPr/>
-        </p:nvPicPr>
-        <p:blipFill>
-          <a:blip r:embed="rId3">
-            <a:extLst>
-              <a:ext uri="{28A0092B-C50C-407E-A947-70E740481C1C}">
-                <a14:useLocalDpi xmlns:a14="http://schemas.microsoft.com/office/drawing/2010/main" val="0"/>
-              </a:ext>
-            </a:extLst>
-          </a:blip>
-          <a:stretch>
-            <a:fillRect/>
-          </a:stretch>
-        </p:blipFill>
-        <p:spPr>
-          <a:xfrm>
-            <a:off x="11965629" y="-3921"/>
-            <a:ext cx="231181" cy="222801"/>
-          </a:xfrm>
-          <a:prstGeom prst="rect">
-            <a:avLst/>
-          </a:prstGeom>
-        </p:spPr>
-      </p:pic>
     </p:spTree>
     <p:extLst>
       <p:ext uri="{BB962C8B-B14F-4D97-AF65-F5344CB8AC3E}">

--- a/Presentation 2.pptx
+++ b/Presentation 2.pptx
@@ -10,13 +10,14 @@
     <p:sldId id="258" r:id="rId4"/>
     <p:sldId id="268" r:id="rId5"/>
     <p:sldId id="261" r:id="rId6"/>
-    <p:sldId id="259" r:id="rId7"/>
-    <p:sldId id="262" r:id="rId8"/>
-    <p:sldId id="263" r:id="rId9"/>
-    <p:sldId id="265" r:id="rId10"/>
-    <p:sldId id="260" r:id="rId11"/>
-    <p:sldId id="266" r:id="rId12"/>
-    <p:sldId id="267" r:id="rId13"/>
+    <p:sldId id="269" r:id="rId7"/>
+    <p:sldId id="259" r:id="rId8"/>
+    <p:sldId id="262" r:id="rId9"/>
+    <p:sldId id="263" r:id="rId10"/>
+    <p:sldId id="265" r:id="rId11"/>
+    <p:sldId id="260" r:id="rId12"/>
+    <p:sldId id="266" r:id="rId13"/>
+    <p:sldId id="267" r:id="rId14"/>
   </p:sldIdLst>
   <p:sldSz cx="12192000" cy="6858000"/>
   <p:notesSz cx="6858000" cy="9144000"/>
@@ -121,6 +122,14 @@
     </p:ext>
   </p:extLst>
 </p:presentation>
+</file>
+
+<file path=ppt/revisionInfo.xml><?xml version="1.0" encoding="utf-8"?>
+<p1510:revInfo xmlns:a="http://schemas.openxmlformats.org/drawingml/2006/main" xmlns:r="http://schemas.openxmlformats.org/officeDocument/2006/relationships" xmlns:p1510="http://schemas.microsoft.com/office/powerpoint/2015/10/main">
+  <p1510:revLst>
+    <p1510:client id="{00CA51AF-EBBF-4E16-9C07-17B75FFB120B}" v="4" dt="2021-05-25T16:11:10.434"/>
+  </p1510:revLst>
+</p1510:revInfo>
 </file>
 
 <file path=ppt/changesInfos/changesInfo1.xml><?xml version="1.0" encoding="utf-8"?>
@@ -639,12 +648,12 @@
   <pc:docChgLst>
     <pc:chgData name="Ian Arch" userId="27dc412b4527548d" providerId="LiveId" clId="{00CA51AF-EBBF-4E16-9C07-17B75FFB120B}"/>
     <pc:docChg chg="undo custSel addSld delSld modSld">
-      <pc:chgData name="Ian Arch" userId="27dc412b4527548d" providerId="LiveId" clId="{00CA51AF-EBBF-4E16-9C07-17B75FFB120B}" dt="2021-05-25T00:28:04.349" v="1603" actId="20577"/>
+      <pc:chgData name="Ian Arch" userId="27dc412b4527548d" providerId="LiveId" clId="{00CA51AF-EBBF-4E16-9C07-17B75FFB120B}" dt="2021-05-25T16:30:37.841" v="2615" actId="6549"/>
       <pc:docMkLst>
         <pc:docMk/>
       </pc:docMkLst>
-      <pc:sldChg chg="modSp mod">
-        <pc:chgData name="Ian Arch" userId="27dc412b4527548d" providerId="LiveId" clId="{00CA51AF-EBBF-4E16-9C07-17B75FFB120B}" dt="2021-05-25T00:25:49.508" v="1543" actId="20577"/>
+      <pc:sldChg chg="addSp delSp modSp mod">
+        <pc:chgData name="Ian Arch" userId="27dc412b4527548d" providerId="LiveId" clId="{00CA51AF-EBBF-4E16-9C07-17B75FFB120B}" dt="2021-05-25T15:53:15.015" v="1779" actId="1076"/>
         <pc:sldMkLst>
           <pc:docMk/>
           <pc:sldMk cId="3319003307" sldId="258"/>
@@ -658,16 +667,40 @@
           </ac:spMkLst>
         </pc:spChg>
         <pc:spChg chg="mod">
-          <ac:chgData name="Ian Arch" userId="27dc412b4527548d" providerId="LiveId" clId="{00CA51AF-EBBF-4E16-9C07-17B75FFB120B}" dt="2021-05-25T00:25:49.508" v="1543" actId="20577"/>
+          <ac:chgData name="Ian Arch" userId="27dc412b4527548d" providerId="LiveId" clId="{00CA51AF-EBBF-4E16-9C07-17B75FFB120B}" dt="2021-05-25T15:51:56.528" v="1766" actId="20577"/>
           <ac:spMkLst>
             <pc:docMk/>
             <pc:sldMk cId="3319003307" sldId="258"/>
             <ac:spMk id="3" creationId="{FE0F0902-579D-46B2-8EF5-0AE61F17FE18}"/>
           </ac:spMkLst>
         </pc:spChg>
+        <pc:picChg chg="add del mod">
+          <ac:chgData name="Ian Arch" userId="27dc412b4527548d" providerId="LiveId" clId="{00CA51AF-EBBF-4E16-9C07-17B75FFB120B}" dt="2021-05-25T15:49:39.030" v="1613" actId="478"/>
+          <ac:picMkLst>
+            <pc:docMk/>
+            <pc:sldMk cId="3319003307" sldId="258"/>
+            <ac:picMk id="6" creationId="{54E8F13B-B00B-4708-A06E-B9B40731755F}"/>
+          </ac:picMkLst>
+        </pc:picChg>
+        <pc:picChg chg="add mod modCrop">
+          <ac:chgData name="Ian Arch" userId="27dc412b4527548d" providerId="LiveId" clId="{00CA51AF-EBBF-4E16-9C07-17B75FFB120B}" dt="2021-05-25T15:53:15.015" v="1779" actId="1076"/>
+          <ac:picMkLst>
+            <pc:docMk/>
+            <pc:sldMk cId="3319003307" sldId="258"/>
+            <ac:picMk id="9" creationId="{14C26BCB-F1AA-44A6-84FE-1ABC0FE638A1}"/>
+          </ac:picMkLst>
+        </pc:picChg>
+        <pc:picChg chg="add mod">
+          <ac:chgData name="Ian Arch" userId="27dc412b4527548d" providerId="LiveId" clId="{00CA51AF-EBBF-4E16-9C07-17B75FFB120B}" dt="2021-05-25T15:53:11.712" v="1778" actId="1076"/>
+          <ac:picMkLst>
+            <pc:docMk/>
+            <pc:sldMk cId="3319003307" sldId="258"/>
+            <ac:picMk id="11" creationId="{404FC658-B5F5-4FCE-B601-788C06B8F1AF}"/>
+          </ac:picMkLst>
+        </pc:picChg>
       </pc:sldChg>
-      <pc:sldChg chg="modSp mod">
-        <pc:chgData name="Ian Arch" userId="27dc412b4527548d" providerId="LiveId" clId="{00CA51AF-EBBF-4E16-9C07-17B75FFB120B}" dt="2021-05-25T00:27:37.535" v="1593" actId="20577"/>
+      <pc:sldChg chg="addSp modSp mod">
+        <pc:chgData name="Ian Arch" userId="27dc412b4527548d" providerId="LiveId" clId="{00CA51AF-EBBF-4E16-9C07-17B75FFB120B}" dt="2021-05-25T16:17:27.270" v="2259" actId="1076"/>
         <pc:sldMkLst>
           <pc:docMk/>
           <pc:sldMk cId="2794696610" sldId="259"/>
@@ -681,22 +714,30 @@
           </ac:spMkLst>
         </pc:spChg>
         <pc:spChg chg="mod">
-          <ac:chgData name="Ian Arch" userId="27dc412b4527548d" providerId="LiveId" clId="{00CA51AF-EBBF-4E16-9C07-17B75FFB120B}" dt="2021-05-25T00:27:10.296" v="1591" actId="20577"/>
+          <ac:chgData name="Ian Arch" userId="27dc412b4527548d" providerId="LiveId" clId="{00CA51AF-EBBF-4E16-9C07-17B75FFB120B}" dt="2021-05-25T16:17:23.440" v="2258" actId="1076"/>
           <ac:spMkLst>
             <pc:docMk/>
             <pc:sldMk cId="2794696610" sldId="259"/>
             <ac:spMk id="3" creationId="{127EA3C2-E5D9-4D4C-B5F7-91809A55AE19}"/>
           </ac:spMkLst>
         </pc:spChg>
+        <pc:picChg chg="add mod">
+          <ac:chgData name="Ian Arch" userId="27dc412b4527548d" providerId="LiveId" clId="{00CA51AF-EBBF-4E16-9C07-17B75FFB120B}" dt="2021-05-25T16:17:27.270" v="2259" actId="1076"/>
+          <ac:picMkLst>
+            <pc:docMk/>
+            <pc:sldMk cId="2794696610" sldId="259"/>
+            <ac:picMk id="6" creationId="{5535391E-A0E6-45BF-B515-38D1B91A8ABC}"/>
+          </ac:picMkLst>
+        </pc:picChg>
       </pc:sldChg>
-      <pc:sldChg chg="modSp mod">
-        <pc:chgData name="Ian Arch" userId="27dc412b4527548d" providerId="LiveId" clId="{00CA51AF-EBBF-4E16-9C07-17B75FFB120B}" dt="2021-05-25T00:07:33.685" v="728" actId="5793"/>
+      <pc:sldChg chg="addSp modSp mod">
+        <pc:chgData name="Ian Arch" userId="27dc412b4527548d" providerId="LiveId" clId="{00CA51AF-EBBF-4E16-9C07-17B75FFB120B}" dt="2021-05-25T16:30:07.038" v="2582" actId="1076"/>
         <pc:sldMkLst>
           <pc:docMk/>
           <pc:sldMk cId="37169486" sldId="260"/>
         </pc:sldMkLst>
         <pc:spChg chg="mod">
-          <ac:chgData name="Ian Arch" userId="27dc412b4527548d" providerId="LiveId" clId="{00CA51AF-EBBF-4E16-9C07-17B75FFB120B}" dt="2021-05-25T00:07:31.996" v="725" actId="20577"/>
+          <ac:chgData name="Ian Arch" userId="27dc412b4527548d" providerId="LiveId" clId="{00CA51AF-EBBF-4E16-9C07-17B75FFB120B}" dt="2021-05-25T16:27:05.615" v="2567" actId="1076"/>
           <ac:spMkLst>
             <pc:docMk/>
             <pc:sldMk cId="37169486" sldId="260"/>
@@ -704,13 +745,37 @@
           </ac:spMkLst>
         </pc:spChg>
         <pc:spChg chg="mod">
-          <ac:chgData name="Ian Arch" userId="27dc412b4527548d" providerId="LiveId" clId="{00CA51AF-EBBF-4E16-9C07-17B75FFB120B}" dt="2021-05-25T00:07:33.685" v="728" actId="5793"/>
+          <ac:chgData name="Ian Arch" userId="27dc412b4527548d" providerId="LiveId" clId="{00CA51AF-EBBF-4E16-9C07-17B75FFB120B}" dt="2021-05-25T16:27:09.547" v="2569" actId="20577"/>
           <ac:spMkLst>
             <pc:docMk/>
             <pc:sldMk cId="37169486" sldId="260"/>
             <ac:spMk id="3" creationId="{8441EDFC-EC21-4D54-9BD6-590B5906B47D}"/>
           </ac:spMkLst>
         </pc:spChg>
+        <pc:picChg chg="add mod">
+          <ac:chgData name="Ian Arch" userId="27dc412b4527548d" providerId="LiveId" clId="{00CA51AF-EBBF-4E16-9C07-17B75FFB120B}" dt="2021-05-25T16:28:59.304" v="2574" actId="1076"/>
+          <ac:picMkLst>
+            <pc:docMk/>
+            <pc:sldMk cId="37169486" sldId="260"/>
+            <ac:picMk id="6" creationId="{567069C6-DDD3-44FE-A0D4-B05D71F4508F}"/>
+          </ac:picMkLst>
+        </pc:picChg>
+        <pc:picChg chg="add mod">
+          <ac:chgData name="Ian Arch" userId="27dc412b4527548d" providerId="LiveId" clId="{00CA51AF-EBBF-4E16-9C07-17B75FFB120B}" dt="2021-05-25T16:30:03.462" v="2581" actId="1076"/>
+          <ac:picMkLst>
+            <pc:docMk/>
+            <pc:sldMk cId="37169486" sldId="260"/>
+            <ac:picMk id="8" creationId="{4AFD2A20-379F-4879-880A-ED829B079E87}"/>
+          </ac:picMkLst>
+        </pc:picChg>
+        <pc:picChg chg="add mod">
+          <ac:chgData name="Ian Arch" userId="27dc412b4527548d" providerId="LiveId" clId="{00CA51AF-EBBF-4E16-9C07-17B75FFB120B}" dt="2021-05-25T16:30:07.038" v="2582" actId="1076"/>
+          <ac:picMkLst>
+            <pc:docMk/>
+            <pc:sldMk cId="37169486" sldId="260"/>
+            <ac:picMk id="10" creationId="{F940320B-5779-45CB-A9A1-222E7621FC6F}"/>
+          </ac:picMkLst>
+        </pc:picChg>
       </pc:sldChg>
       <pc:sldChg chg="add del">
         <pc:chgData name="Ian Arch" userId="27dc412b4527548d" providerId="LiveId" clId="{00CA51AF-EBBF-4E16-9C07-17B75FFB120B}" dt="2021-05-24T23:57:17.460" v="21" actId="47"/>
@@ -719,14 +784,14 @@
           <pc:sldMk cId="1084260270" sldId="261"/>
         </pc:sldMkLst>
       </pc:sldChg>
-      <pc:sldChg chg="modSp add mod">
-        <pc:chgData name="Ian Arch" userId="27dc412b4527548d" providerId="LiveId" clId="{00CA51AF-EBBF-4E16-9C07-17B75FFB120B}" dt="2021-05-25T00:26:37.148" v="1564" actId="20577"/>
+      <pc:sldChg chg="addSp delSp modSp add mod">
+        <pc:chgData name="Ian Arch" userId="27dc412b4527548d" providerId="LiveId" clId="{00CA51AF-EBBF-4E16-9C07-17B75FFB120B}" dt="2021-05-25T16:09:28.277" v="2165" actId="14100"/>
         <pc:sldMkLst>
           <pc:docMk/>
           <pc:sldMk cId="2590858031" sldId="261"/>
         </pc:sldMkLst>
         <pc:spChg chg="mod">
-          <ac:chgData name="Ian Arch" userId="27dc412b4527548d" providerId="LiveId" clId="{00CA51AF-EBBF-4E16-9C07-17B75FFB120B}" dt="2021-05-25T00:26:37.148" v="1564" actId="20577"/>
+          <ac:chgData name="Ian Arch" userId="27dc412b4527548d" providerId="LiveId" clId="{00CA51AF-EBBF-4E16-9C07-17B75FFB120B}" dt="2021-05-25T16:03:51.419" v="1842" actId="20577"/>
           <ac:spMkLst>
             <pc:docMk/>
             <pc:sldMk cId="2590858031" sldId="261"/>
@@ -734,13 +799,45 @@
           </ac:spMkLst>
         </pc:spChg>
         <pc:spChg chg="mod">
-          <ac:chgData name="Ian Arch" userId="27dc412b4527548d" providerId="LiveId" clId="{00CA51AF-EBBF-4E16-9C07-17B75FFB120B}" dt="2021-05-25T00:24:15.309" v="1285" actId="21"/>
+          <ac:chgData name="Ian Arch" userId="27dc412b4527548d" providerId="LiveId" clId="{00CA51AF-EBBF-4E16-9C07-17B75FFB120B}" dt="2021-05-25T16:06:35.548" v="2158" actId="20577"/>
           <ac:spMkLst>
             <pc:docMk/>
             <pc:sldMk cId="2590858031" sldId="261"/>
             <ac:spMk id="3" creationId="{FE0F0902-579D-46B2-8EF5-0AE61F17FE18}"/>
           </ac:spMkLst>
         </pc:spChg>
+        <pc:picChg chg="add del mod">
+          <ac:chgData name="Ian Arch" userId="27dc412b4527548d" providerId="LiveId" clId="{00CA51AF-EBBF-4E16-9C07-17B75FFB120B}" dt="2021-05-25T16:04:10.984" v="1845" actId="478"/>
+          <ac:picMkLst>
+            <pc:docMk/>
+            <pc:sldMk cId="2590858031" sldId="261"/>
+            <ac:picMk id="6" creationId="{F8231BE9-E65D-4C47-8933-DB0413F1E717}"/>
+          </ac:picMkLst>
+        </pc:picChg>
+        <pc:picChg chg="add del mod modCrop">
+          <ac:chgData name="Ian Arch" userId="27dc412b4527548d" providerId="LiveId" clId="{00CA51AF-EBBF-4E16-9C07-17B75FFB120B}" dt="2021-05-25T16:02:53.509" v="1830" actId="478"/>
+          <ac:picMkLst>
+            <pc:docMk/>
+            <pc:sldMk cId="2590858031" sldId="261"/>
+            <ac:picMk id="9" creationId="{C0956360-707C-457B-BFEB-4D3F5AD7DA99}"/>
+          </ac:picMkLst>
+        </pc:picChg>
+        <pc:picChg chg="add mod">
+          <ac:chgData name="Ian Arch" userId="27dc412b4527548d" providerId="LiveId" clId="{00CA51AF-EBBF-4E16-9C07-17B75FFB120B}" dt="2021-05-25T16:06:54.695" v="2161" actId="14100"/>
+          <ac:picMkLst>
+            <pc:docMk/>
+            <pc:sldMk cId="2590858031" sldId="261"/>
+            <ac:picMk id="11" creationId="{724ADB45-EA4F-41A7-A159-0EBE66985579}"/>
+          </ac:picMkLst>
+        </pc:picChg>
+        <pc:picChg chg="add mod">
+          <ac:chgData name="Ian Arch" userId="27dc412b4527548d" providerId="LiveId" clId="{00CA51AF-EBBF-4E16-9C07-17B75FFB120B}" dt="2021-05-25T16:09:28.277" v="2165" actId="14100"/>
+          <ac:picMkLst>
+            <pc:docMk/>
+            <pc:sldMk cId="2590858031" sldId="261"/>
+            <ac:picMk id="13" creationId="{93BF6B59-11FA-447F-B854-346649F44574}"/>
+          </ac:picMkLst>
+        </pc:picChg>
       </pc:sldChg>
       <pc:sldChg chg="del">
         <pc:chgData name="Ian Arch" userId="27dc412b4527548d" providerId="LiveId" clId="{00CA51AF-EBBF-4E16-9C07-17B75FFB120B}" dt="2021-05-24T23:53:07.253" v="0" actId="47"/>
@@ -749,14 +846,14 @@
           <pc:sldMk cId="2633966618" sldId="261"/>
         </pc:sldMkLst>
       </pc:sldChg>
-      <pc:sldChg chg="modSp add mod">
-        <pc:chgData name="Ian Arch" userId="27dc412b4527548d" providerId="LiveId" clId="{00CA51AF-EBBF-4E16-9C07-17B75FFB120B}" dt="2021-05-25T00:27:53.610" v="1599" actId="20577"/>
+      <pc:sldChg chg="addSp modSp add mod">
+        <pc:chgData name="Ian Arch" userId="27dc412b4527548d" providerId="LiveId" clId="{00CA51AF-EBBF-4E16-9C07-17B75FFB120B}" dt="2021-05-25T16:15:30.893" v="2251" actId="14100"/>
         <pc:sldMkLst>
           <pc:docMk/>
           <pc:sldMk cId="237005105" sldId="262"/>
         </pc:sldMkLst>
         <pc:spChg chg="mod">
-          <ac:chgData name="Ian Arch" userId="27dc412b4527548d" providerId="LiveId" clId="{00CA51AF-EBBF-4E16-9C07-17B75FFB120B}" dt="2021-05-25T00:27:40.462" v="1595" actId="20577"/>
+          <ac:chgData name="Ian Arch" userId="27dc412b4527548d" providerId="LiveId" clId="{00CA51AF-EBBF-4E16-9C07-17B75FFB120B}" dt="2021-05-25T16:14:05.222" v="2237" actId="1076"/>
           <ac:spMkLst>
             <pc:docMk/>
             <pc:sldMk cId="237005105" sldId="262"/>
@@ -764,13 +861,37 @@
           </ac:spMkLst>
         </pc:spChg>
         <pc:spChg chg="mod">
-          <ac:chgData name="Ian Arch" userId="27dc412b4527548d" providerId="LiveId" clId="{00CA51AF-EBBF-4E16-9C07-17B75FFB120B}" dt="2021-05-25T00:27:53.610" v="1599" actId="20577"/>
+          <ac:chgData name="Ian Arch" userId="27dc412b4527548d" providerId="LiveId" clId="{00CA51AF-EBBF-4E16-9C07-17B75FFB120B}" dt="2021-05-25T16:14:08.593" v="2238" actId="1076"/>
           <ac:spMkLst>
             <pc:docMk/>
             <pc:sldMk cId="237005105" sldId="262"/>
             <ac:spMk id="3" creationId="{127EA3C2-E5D9-4D4C-B5F7-91809A55AE19}"/>
           </ac:spMkLst>
         </pc:spChg>
+        <pc:picChg chg="add mod">
+          <ac:chgData name="Ian Arch" userId="27dc412b4527548d" providerId="LiveId" clId="{00CA51AF-EBBF-4E16-9C07-17B75FFB120B}" dt="2021-05-25T16:14:20.469" v="2242" actId="1076"/>
+          <ac:picMkLst>
+            <pc:docMk/>
+            <pc:sldMk cId="237005105" sldId="262"/>
+            <ac:picMk id="6" creationId="{18CE7359-C5CD-47D5-A5D2-359232D39928}"/>
+          </ac:picMkLst>
+        </pc:picChg>
+        <pc:picChg chg="add mod">
+          <ac:chgData name="Ian Arch" userId="27dc412b4527548d" providerId="LiveId" clId="{00CA51AF-EBBF-4E16-9C07-17B75FFB120B}" dt="2021-05-25T16:15:01.921" v="2247" actId="1076"/>
+          <ac:picMkLst>
+            <pc:docMk/>
+            <pc:sldMk cId="237005105" sldId="262"/>
+            <ac:picMk id="8" creationId="{85B25F97-FF78-4A6A-B9FE-7C17F9E2B099}"/>
+          </ac:picMkLst>
+        </pc:picChg>
+        <pc:picChg chg="add mod">
+          <ac:chgData name="Ian Arch" userId="27dc412b4527548d" providerId="LiveId" clId="{00CA51AF-EBBF-4E16-9C07-17B75FFB120B}" dt="2021-05-25T16:15:30.893" v="2251" actId="14100"/>
+          <ac:picMkLst>
+            <pc:docMk/>
+            <pc:sldMk cId="237005105" sldId="262"/>
+            <ac:picMk id="11" creationId="{B460865C-3986-498C-ACB4-10F098695C62}"/>
+          </ac:picMkLst>
+        </pc:picChg>
       </pc:sldChg>
       <pc:sldChg chg="add del">
         <pc:chgData name="Ian Arch" userId="27dc412b4527548d" providerId="LiveId" clId="{00CA51AF-EBBF-4E16-9C07-17B75FFB120B}" dt="2021-05-24T23:57:16.881" v="20" actId="47"/>
@@ -793,14 +914,14 @@
           <pc:sldMk cId="2674508430" sldId="262"/>
         </pc:sldMkLst>
       </pc:sldChg>
-      <pc:sldChg chg="modSp add mod">
-        <pc:chgData name="Ian Arch" userId="27dc412b4527548d" providerId="LiveId" clId="{00CA51AF-EBBF-4E16-9C07-17B75FFB120B}" dt="2021-05-25T00:27:59.815" v="1601" actId="20577"/>
+      <pc:sldChg chg="addSp modSp add mod">
+        <pc:chgData name="Ian Arch" userId="27dc412b4527548d" providerId="LiveId" clId="{00CA51AF-EBBF-4E16-9C07-17B75FFB120B}" dt="2021-05-25T16:23:14.773" v="2360" actId="1076"/>
         <pc:sldMkLst>
           <pc:docMk/>
           <pc:sldMk cId="426154037" sldId="263"/>
         </pc:sldMkLst>
         <pc:spChg chg="mod">
-          <ac:chgData name="Ian Arch" userId="27dc412b4527548d" providerId="LiveId" clId="{00CA51AF-EBBF-4E16-9C07-17B75FFB120B}" dt="2021-05-25T00:27:59.815" v="1601" actId="20577"/>
+          <ac:chgData name="Ian Arch" userId="27dc412b4527548d" providerId="LiveId" clId="{00CA51AF-EBBF-4E16-9C07-17B75FFB120B}" dt="2021-05-25T16:17:39.159" v="2261" actId="1076"/>
           <ac:spMkLst>
             <pc:docMk/>
             <pc:sldMk cId="426154037" sldId="263"/>
@@ -808,13 +929,37 @@
           </ac:spMkLst>
         </pc:spChg>
         <pc:spChg chg="mod">
-          <ac:chgData name="Ian Arch" userId="27dc412b4527548d" providerId="LiveId" clId="{00CA51AF-EBBF-4E16-9C07-17B75FFB120B}" dt="2021-05-25T00:04:25.699" v="590" actId="20577"/>
+          <ac:chgData name="Ian Arch" userId="27dc412b4527548d" providerId="LiveId" clId="{00CA51AF-EBBF-4E16-9C07-17B75FFB120B}" dt="2021-05-25T16:19:56.584" v="2349" actId="6549"/>
           <ac:spMkLst>
             <pc:docMk/>
             <pc:sldMk cId="426154037" sldId="263"/>
             <ac:spMk id="3" creationId="{127EA3C2-E5D9-4D4C-B5F7-91809A55AE19}"/>
           </ac:spMkLst>
         </pc:spChg>
+        <pc:picChg chg="add mod">
+          <ac:chgData name="Ian Arch" userId="27dc412b4527548d" providerId="LiveId" clId="{00CA51AF-EBBF-4E16-9C07-17B75FFB120B}" dt="2021-05-25T16:23:14.773" v="2360" actId="1076"/>
+          <ac:picMkLst>
+            <pc:docMk/>
+            <pc:sldMk cId="426154037" sldId="263"/>
+            <ac:picMk id="6" creationId="{3FDA5243-7723-4FED-AF09-EA9C55E17378}"/>
+          </ac:picMkLst>
+        </pc:picChg>
+        <pc:picChg chg="add mod">
+          <ac:chgData name="Ian Arch" userId="27dc412b4527548d" providerId="LiveId" clId="{00CA51AF-EBBF-4E16-9C07-17B75FFB120B}" dt="2021-05-25T16:23:14.773" v="2360" actId="1076"/>
+          <ac:picMkLst>
+            <pc:docMk/>
+            <pc:sldMk cId="426154037" sldId="263"/>
+            <ac:picMk id="8" creationId="{4D9E4C8C-52F8-432A-AF6F-8804C5E50B02}"/>
+          </ac:picMkLst>
+        </pc:picChg>
+        <pc:picChg chg="add mod">
+          <ac:chgData name="Ian Arch" userId="27dc412b4527548d" providerId="LiveId" clId="{00CA51AF-EBBF-4E16-9C07-17B75FFB120B}" dt="2021-05-25T16:23:14.773" v="2360" actId="1076"/>
+          <ac:picMkLst>
+            <pc:docMk/>
+            <pc:sldMk cId="426154037" sldId="263"/>
+            <ac:picMk id="11" creationId="{350E46B0-087F-45DE-A096-DE0EE8C67727}"/>
+          </ac:picMkLst>
+        </pc:picChg>
       </pc:sldChg>
       <pc:sldChg chg="add del">
         <pc:chgData name="Ian Arch" userId="27dc412b4527548d" providerId="LiveId" clId="{00CA51AF-EBBF-4E16-9C07-17B75FFB120B}" dt="2021-05-24T23:57:16.276" v="19" actId="47"/>
@@ -838,14 +983,14 @@
           </ac:spMkLst>
         </pc:spChg>
       </pc:sldChg>
-      <pc:sldChg chg="modSp add mod">
-        <pc:chgData name="Ian Arch" userId="27dc412b4527548d" providerId="LiveId" clId="{00CA51AF-EBBF-4E16-9C07-17B75FFB120B}" dt="2021-05-25T00:28:04.349" v="1603" actId="20577"/>
+      <pc:sldChg chg="addSp modSp add mod">
+        <pc:chgData name="Ian Arch" userId="27dc412b4527548d" providerId="LiveId" clId="{00CA51AF-EBBF-4E16-9C07-17B75FFB120B}" dt="2021-05-25T16:26:46.063" v="2566" actId="1076"/>
         <pc:sldMkLst>
           <pc:docMk/>
           <pc:sldMk cId="949181976" sldId="265"/>
         </pc:sldMkLst>
         <pc:spChg chg="mod">
-          <ac:chgData name="Ian Arch" userId="27dc412b4527548d" providerId="LiveId" clId="{00CA51AF-EBBF-4E16-9C07-17B75FFB120B}" dt="2021-05-25T00:28:04.349" v="1603" actId="20577"/>
+          <ac:chgData name="Ian Arch" userId="27dc412b4527548d" providerId="LiveId" clId="{00CA51AF-EBBF-4E16-9C07-17B75FFB120B}" dt="2021-05-25T16:26:28.550" v="2564" actId="1076"/>
           <ac:spMkLst>
             <pc:docMk/>
             <pc:sldMk cId="949181976" sldId="265"/>
@@ -853,16 +998,32 @@
           </ac:spMkLst>
         </pc:spChg>
         <pc:spChg chg="mod">
-          <ac:chgData name="Ian Arch" userId="27dc412b4527548d" providerId="LiveId" clId="{00CA51AF-EBBF-4E16-9C07-17B75FFB120B}" dt="2021-05-25T00:05:18.713" v="642" actId="20577"/>
+          <ac:chgData name="Ian Arch" userId="27dc412b4527548d" providerId="LiveId" clId="{00CA51AF-EBBF-4E16-9C07-17B75FFB120B}" dt="2021-05-25T16:26:24.083" v="2563" actId="20577"/>
           <ac:spMkLst>
             <pc:docMk/>
             <pc:sldMk cId="949181976" sldId="265"/>
             <ac:spMk id="3" creationId="{127EA3C2-E5D9-4D4C-B5F7-91809A55AE19}"/>
           </ac:spMkLst>
         </pc:spChg>
+        <pc:picChg chg="add mod">
+          <ac:chgData name="Ian Arch" userId="27dc412b4527548d" providerId="LiveId" clId="{00CA51AF-EBBF-4E16-9C07-17B75FFB120B}" dt="2021-05-25T16:26:46.063" v="2566" actId="1076"/>
+          <ac:picMkLst>
+            <pc:docMk/>
+            <pc:sldMk cId="949181976" sldId="265"/>
+            <ac:picMk id="6" creationId="{0CE7C079-751A-4108-B6E9-D77179B21C91}"/>
+          </ac:picMkLst>
+        </pc:picChg>
+        <pc:picChg chg="add mod">
+          <ac:chgData name="Ian Arch" userId="27dc412b4527548d" providerId="LiveId" clId="{00CA51AF-EBBF-4E16-9C07-17B75FFB120B}" dt="2021-05-25T16:26:46.063" v="2566" actId="1076"/>
+          <ac:picMkLst>
+            <pc:docMk/>
+            <pc:sldMk cId="949181976" sldId="265"/>
+            <ac:picMk id="8" creationId="{3AA46057-5770-478A-A328-EDC2D84B961D}"/>
+          </ac:picMkLst>
+        </pc:picChg>
       </pc:sldChg>
       <pc:sldChg chg="modSp add mod">
-        <pc:chgData name="Ian Arch" userId="27dc412b4527548d" providerId="LiveId" clId="{00CA51AF-EBBF-4E16-9C07-17B75FFB120B}" dt="2021-05-25T00:13:04.629" v="1252" actId="20577"/>
+        <pc:chgData name="Ian Arch" userId="27dc412b4527548d" providerId="LiveId" clId="{00CA51AF-EBBF-4E16-9C07-17B75FFB120B}" dt="2021-05-25T16:30:37.841" v="2615" actId="6549"/>
         <pc:sldMkLst>
           <pc:docMk/>
           <pc:sldMk cId="3874451766" sldId="266"/>
@@ -876,7 +1037,7 @@
           </ac:spMkLst>
         </pc:spChg>
         <pc:spChg chg="mod">
-          <ac:chgData name="Ian Arch" userId="27dc412b4527548d" providerId="LiveId" clId="{00CA51AF-EBBF-4E16-9C07-17B75FFB120B}" dt="2021-05-25T00:13:04.629" v="1252" actId="20577"/>
+          <ac:chgData name="Ian Arch" userId="27dc412b4527548d" providerId="LiveId" clId="{00CA51AF-EBBF-4E16-9C07-17B75FFB120B}" dt="2021-05-25T16:30:37.841" v="2615" actId="6549"/>
           <ac:spMkLst>
             <pc:docMk/>
             <pc:sldMk cId="3874451766" sldId="266"/>
@@ -907,8 +1068,8 @@
           </ac:spMkLst>
         </pc:spChg>
       </pc:sldChg>
-      <pc:sldChg chg="modSp add mod">
-        <pc:chgData name="Ian Arch" userId="27dc412b4527548d" providerId="LiveId" clId="{00CA51AF-EBBF-4E16-9C07-17B75FFB120B}" dt="2021-05-25T00:26:27.366" v="1562" actId="20577"/>
+      <pc:sldChg chg="addSp delSp modSp add mod">
+        <pc:chgData name="Ian Arch" userId="27dc412b4527548d" providerId="LiveId" clId="{00CA51AF-EBBF-4E16-9C07-17B75FFB120B}" dt="2021-05-25T15:58:17.990" v="1808" actId="14100"/>
         <pc:sldMkLst>
           <pc:docMk/>
           <pc:sldMk cId="3814564333" sldId="268"/>
@@ -922,13 +1083,84 @@
           </ac:spMkLst>
         </pc:spChg>
         <pc:spChg chg="mod">
-          <ac:chgData name="Ian Arch" userId="27dc412b4527548d" providerId="LiveId" clId="{00CA51AF-EBBF-4E16-9C07-17B75FFB120B}" dt="2021-05-25T00:26:27.366" v="1562" actId="20577"/>
+          <ac:chgData name="Ian Arch" userId="27dc412b4527548d" providerId="LiveId" clId="{00CA51AF-EBBF-4E16-9C07-17B75FFB120B}" dt="2021-05-25T15:55:27.828" v="1787" actId="1076"/>
           <ac:spMkLst>
             <pc:docMk/>
             <pc:sldMk cId="3814564333" sldId="268"/>
             <ac:spMk id="3" creationId="{FE0F0902-579D-46B2-8EF5-0AE61F17FE18}"/>
           </ac:spMkLst>
         </pc:spChg>
+        <pc:picChg chg="add del mod">
+          <ac:chgData name="Ian Arch" userId="27dc412b4527548d" providerId="LiveId" clId="{00CA51AF-EBBF-4E16-9C07-17B75FFB120B}" dt="2021-05-25T15:56:11.241" v="1789" actId="478"/>
+          <ac:picMkLst>
+            <pc:docMk/>
+            <pc:sldMk cId="3814564333" sldId="268"/>
+            <ac:picMk id="6" creationId="{DFAE7F3A-C89A-49E9-8814-F8FB2A5B822C}"/>
+          </ac:picMkLst>
+        </pc:picChg>
+        <pc:picChg chg="add mod">
+          <ac:chgData name="Ian Arch" userId="27dc412b4527548d" providerId="LiveId" clId="{00CA51AF-EBBF-4E16-9C07-17B75FFB120B}" dt="2021-05-25T15:56:37.860" v="1795" actId="1076"/>
+          <ac:picMkLst>
+            <pc:docMk/>
+            <pc:sldMk cId="3814564333" sldId="268"/>
+            <ac:picMk id="9" creationId="{4DECA14B-F0CA-4735-84A3-FF9128AC1994}"/>
+          </ac:picMkLst>
+        </pc:picChg>
+        <pc:picChg chg="add mod modCrop">
+          <ac:chgData name="Ian Arch" userId="27dc412b4527548d" providerId="LiveId" clId="{00CA51AF-EBBF-4E16-9C07-17B75FFB120B}" dt="2021-05-25T15:57:27.765" v="1801" actId="732"/>
+          <ac:picMkLst>
+            <pc:docMk/>
+            <pc:sldMk cId="3814564333" sldId="268"/>
+            <ac:picMk id="11" creationId="{B2ACB17D-EB87-4D0F-A6B1-9D31B19383FD}"/>
+          </ac:picMkLst>
+        </pc:picChg>
+        <pc:picChg chg="add mod modCrop">
+          <ac:chgData name="Ian Arch" userId="27dc412b4527548d" providerId="LiveId" clId="{00CA51AF-EBBF-4E16-9C07-17B75FFB120B}" dt="2021-05-25T15:58:17.990" v="1808" actId="14100"/>
+          <ac:picMkLst>
+            <pc:docMk/>
+            <pc:sldMk cId="3814564333" sldId="268"/>
+            <ac:picMk id="13" creationId="{2FCC4DF7-E1E9-4650-A4D2-80E262E9673B}"/>
+          </ac:picMkLst>
+        </pc:picChg>
+      </pc:sldChg>
+      <pc:sldChg chg="addSp modSp add mod">
+        <pc:chgData name="Ian Arch" userId="27dc412b4527548d" providerId="LiveId" clId="{00CA51AF-EBBF-4E16-9C07-17B75FFB120B}" dt="2021-05-25T16:11:44.064" v="2235" actId="14100"/>
+        <pc:sldMkLst>
+          <pc:docMk/>
+          <pc:sldMk cId="1829544758" sldId="269"/>
+        </pc:sldMkLst>
+        <pc:spChg chg="mod">
+          <ac:chgData name="Ian Arch" userId="27dc412b4527548d" providerId="LiveId" clId="{00CA51AF-EBBF-4E16-9C07-17B75FFB120B}" dt="2021-05-25T16:03:57.142" v="1844" actId="20577"/>
+          <ac:spMkLst>
+            <pc:docMk/>
+            <pc:sldMk cId="1829544758" sldId="269"/>
+            <ac:spMk id="2" creationId="{356BF46D-2D73-44F0-AD9E-0FEC2BFDE3EA}"/>
+          </ac:spMkLst>
+        </pc:spChg>
+        <pc:spChg chg="mod">
+          <ac:chgData name="Ian Arch" userId="27dc412b4527548d" providerId="LiveId" clId="{00CA51AF-EBBF-4E16-9C07-17B75FFB120B}" dt="2021-05-25T16:10:02.255" v="2220" actId="6549"/>
+          <ac:spMkLst>
+            <pc:docMk/>
+            <pc:sldMk cId="1829544758" sldId="269"/>
+            <ac:spMk id="3" creationId="{FE0F0902-579D-46B2-8EF5-0AE61F17FE18}"/>
+          </ac:spMkLst>
+        </pc:spChg>
+        <pc:picChg chg="mod modCrop">
+          <ac:chgData name="Ian Arch" userId="27dc412b4527548d" providerId="LiveId" clId="{00CA51AF-EBBF-4E16-9C07-17B75FFB120B}" dt="2021-05-25T16:11:44.064" v="2235" actId="14100"/>
+          <ac:picMkLst>
+            <pc:docMk/>
+            <pc:sldMk cId="1829544758" sldId="269"/>
+            <ac:picMk id="6" creationId="{F8231BE9-E65D-4C47-8933-DB0413F1E717}"/>
+          </ac:picMkLst>
+        </pc:picChg>
+        <pc:picChg chg="add mod modCrop">
+          <ac:chgData name="Ian Arch" userId="27dc412b4527548d" providerId="LiveId" clId="{00CA51AF-EBBF-4E16-9C07-17B75FFB120B}" dt="2021-05-25T16:11:39.734" v="2233" actId="14100"/>
+          <ac:picMkLst>
+            <pc:docMk/>
+            <pc:sldMk cId="1829544758" sldId="269"/>
+            <ac:picMk id="7" creationId="{F9703591-E81D-4337-BBA5-2541C7EB49C3}"/>
+          </ac:picMkLst>
+        </pc:picChg>
       </pc:sldChg>
     </pc:docChg>
   </pc:docChgLst>
@@ -1105,7 +1337,7 @@
           <a:p>
             <a:fld id="{76BA69CB-1466-4EED-AE5E-F8C63754211A}" type="datetimeFigureOut">
               <a:rPr lang="en-US" smtClean="0"/>
-              <a:t>5/24/2021</a:t>
+              <a:t>5/25/2021</a:t>
             </a:fld>
             <a:endParaRPr lang="en-US"/>
           </a:p>
@@ -1372,7 +1604,7 @@
           <a:p>
             <a:fld id="{76BA69CB-1466-4EED-AE5E-F8C63754211A}" type="datetimeFigureOut">
               <a:rPr lang="en-US" smtClean="0"/>
-              <a:t>5/24/2021</a:t>
+              <a:t>5/25/2021</a:t>
             </a:fld>
             <a:endParaRPr lang="en-US"/>
           </a:p>
@@ -1603,7 +1835,7 @@
           <a:p>
             <a:fld id="{76BA69CB-1466-4EED-AE5E-F8C63754211A}" type="datetimeFigureOut">
               <a:rPr lang="en-US" smtClean="0"/>
-              <a:t>5/24/2021</a:t>
+              <a:t>5/25/2021</a:t>
             </a:fld>
             <a:endParaRPr lang="en-US"/>
           </a:p>
@@ -1913,7 +2145,7 @@
           <a:p>
             <a:fld id="{76BA69CB-1466-4EED-AE5E-F8C63754211A}" type="datetimeFigureOut">
               <a:rPr lang="en-US" smtClean="0"/>
-              <a:t>5/24/2021</a:t>
+              <a:t>5/25/2021</a:t>
             </a:fld>
             <a:endParaRPr lang="en-US"/>
           </a:p>
@@ -2386,7 +2618,7 @@
           <a:p>
             <a:fld id="{76BA69CB-1466-4EED-AE5E-F8C63754211A}" type="datetimeFigureOut">
               <a:rPr lang="en-US" smtClean="0"/>
-              <a:t>5/24/2021</a:t>
+              <a:t>5/25/2021</a:t>
             </a:fld>
             <a:endParaRPr lang="en-US"/>
           </a:p>
@@ -2933,7 +3165,7 @@
           <a:p>
             <a:fld id="{76BA69CB-1466-4EED-AE5E-F8C63754211A}" type="datetimeFigureOut">
               <a:rPr lang="en-US" smtClean="0"/>
-              <a:t>5/24/2021</a:t>
+              <a:t>5/25/2021</a:t>
             </a:fld>
             <a:endParaRPr lang="en-US"/>
           </a:p>
@@ -3707,7 +3939,7 @@
           <a:p>
             <a:fld id="{76BA69CB-1466-4EED-AE5E-F8C63754211A}" type="datetimeFigureOut">
               <a:rPr lang="en-US" smtClean="0"/>
-              <a:t>5/24/2021</a:t>
+              <a:t>5/25/2021</a:t>
             </a:fld>
             <a:endParaRPr lang="en-US"/>
           </a:p>
@@ -3882,7 +4114,7 @@
           <a:p>
             <a:fld id="{76BA69CB-1466-4EED-AE5E-F8C63754211A}" type="datetimeFigureOut">
               <a:rPr lang="en-US" smtClean="0"/>
-              <a:t>5/24/2021</a:t>
+              <a:t>5/25/2021</a:t>
             </a:fld>
             <a:endParaRPr lang="en-US"/>
           </a:p>
@@ -4105,7 +4337,7 @@
           <a:p>
             <a:fld id="{76BA69CB-1466-4EED-AE5E-F8C63754211A}" type="datetimeFigureOut">
               <a:rPr lang="en-US" smtClean="0"/>
-              <a:t>5/24/2021</a:t>
+              <a:t>5/25/2021</a:t>
             </a:fld>
             <a:endParaRPr lang="en-US"/>
           </a:p>
@@ -4285,7 +4517,7 @@
           <a:p>
             <a:fld id="{76BA69CB-1466-4EED-AE5E-F8C63754211A}" type="datetimeFigureOut">
               <a:rPr lang="en-US" smtClean="0"/>
-              <a:t>5/24/2021</a:t>
+              <a:t>5/25/2021</a:t>
             </a:fld>
             <a:endParaRPr lang="en-US"/>
           </a:p>
@@ -4574,7 +4806,7 @@
           <a:p>
             <a:fld id="{76BA69CB-1466-4EED-AE5E-F8C63754211A}" type="datetimeFigureOut">
               <a:rPr lang="en-US" smtClean="0"/>
-              <a:t>5/24/2021</a:t>
+              <a:t>5/25/2021</a:t>
             </a:fld>
             <a:endParaRPr lang="en-US"/>
           </a:p>
@@ -4816,7 +5048,7 @@
           <a:p>
             <a:fld id="{76BA69CB-1466-4EED-AE5E-F8C63754211A}" type="datetimeFigureOut">
               <a:rPr lang="en-US" smtClean="0"/>
-              <a:t>5/24/2021</a:t>
+              <a:t>5/25/2021</a:t>
             </a:fld>
             <a:endParaRPr lang="en-US"/>
           </a:p>
@@ -5195,7 +5427,7 @@
           <a:p>
             <a:fld id="{76BA69CB-1466-4EED-AE5E-F8C63754211A}" type="datetimeFigureOut">
               <a:rPr lang="en-US" smtClean="0"/>
-              <a:t>5/24/2021</a:t>
+              <a:t>5/25/2021</a:t>
             </a:fld>
             <a:endParaRPr lang="en-US"/>
           </a:p>
@@ -5313,7 +5545,7 @@
           <a:p>
             <a:fld id="{76BA69CB-1466-4EED-AE5E-F8C63754211A}" type="datetimeFigureOut">
               <a:rPr lang="en-US" smtClean="0"/>
-              <a:t>5/24/2021</a:t>
+              <a:t>5/25/2021</a:t>
             </a:fld>
             <a:endParaRPr lang="en-US"/>
           </a:p>
@@ -5408,7 +5640,7 @@
           <a:p>
             <a:fld id="{76BA69CB-1466-4EED-AE5E-F8C63754211A}" type="datetimeFigureOut">
               <a:rPr lang="en-US" smtClean="0"/>
-              <a:t>5/24/2021</a:t>
+              <a:t>5/25/2021</a:t>
             </a:fld>
             <a:endParaRPr lang="en-US"/>
           </a:p>
@@ -5657,7 +5889,7 @@
           <a:p>
             <a:fld id="{76BA69CB-1466-4EED-AE5E-F8C63754211A}" type="datetimeFigureOut">
               <a:rPr lang="en-US" smtClean="0"/>
-              <a:t>5/24/2021</a:t>
+              <a:t>5/25/2021</a:t>
             </a:fld>
             <a:endParaRPr lang="en-US"/>
           </a:p>
@@ -5914,7 +6146,7 @@
           <a:p>
             <a:fld id="{76BA69CB-1466-4EED-AE5E-F8C63754211A}" type="datetimeFigureOut">
               <a:rPr lang="en-US" smtClean="0"/>
-              <a:t>5/24/2021</a:t>
+              <a:t>5/25/2021</a:t>
             </a:fld>
             <a:endParaRPr lang="en-US"/>
           </a:p>
@@ -6157,7 +6389,7 @@
           <a:p>
             <a:fld id="{76BA69CB-1466-4EED-AE5E-F8C63754211A}" type="datetimeFigureOut">
               <a:rPr lang="en-US" smtClean="0"/>
-              <a:t>5/24/2021</a:t>
+              <a:t>5/25/2021</a:t>
             </a:fld>
             <a:endParaRPr lang="en-US"/>
           </a:p>
@@ -6824,10 +7056,10 @@
       </p:grpSpPr>
       <p:pic>
         <p:nvPicPr>
-          <p:cNvPr id="17" name="Picture 16" descr="A picture containing vector graphics&#10;&#10;Description automatically generated">
+          <p:cNvPr id="10" name="Picture 9" descr="A picture containing vector graphics&#10;&#10;Description automatically generated">
             <a:extLst>
               <a:ext uri="{FF2B5EF4-FFF2-40B4-BE49-F238E27FC236}">
-                <a16:creationId xmlns:a16="http://schemas.microsoft.com/office/drawing/2014/main" id="{D543B701-E33F-482C-876D-186407F34FF9}"/>
+                <a16:creationId xmlns:a16="http://schemas.microsoft.com/office/drawing/2014/main" id="{CD27AC62-DD14-4056-8830-44C4FCE0B6FA}"/>
               </a:ext>
             </a:extLst>
           </p:cNvPr>
@@ -6850,105 +7082,20 @@
         </p:blipFill>
         <p:spPr>
           <a:xfrm>
-            <a:off x="827616" y="6466036"/>
-            <a:ext cx="231181" cy="222801"/>
+            <a:off x="6829551" y="1033153"/>
+            <a:ext cx="166897" cy="160847"/>
           </a:xfrm>
           <a:prstGeom prst="rect">
             <a:avLst/>
           </a:prstGeom>
         </p:spPr>
       </p:pic>
-      <p:sp>
-        <p:nvSpPr>
-          <p:cNvPr id="2" name="Title 1">
-            <a:extLst>
-              <a:ext uri="{FF2B5EF4-FFF2-40B4-BE49-F238E27FC236}">
-                <a16:creationId xmlns:a16="http://schemas.microsoft.com/office/drawing/2014/main" id="{02A61E0E-092E-481F-8A70-1A1A1EFB372F}"/>
-              </a:ext>
-            </a:extLst>
-          </p:cNvPr>
-          <p:cNvSpPr>
-            <a:spLocks noGrp="1"/>
-          </p:cNvSpPr>
-          <p:nvPr>
-            <p:ph type="title"/>
-          </p:nvPr>
-        </p:nvSpPr>
-        <p:spPr/>
-        <p:txBody>
-          <a:bodyPr/>
-          <a:lstStyle/>
-          <a:p>
-            <a:r>
-              <a:rPr lang="en-US" dirty="0"/>
-              <a:t>Final Visualization  </a:t>
-            </a:r>
-          </a:p>
-        </p:txBody>
-      </p:sp>
-      <p:sp>
-        <p:nvSpPr>
-          <p:cNvPr id="3" name="Content Placeholder 2">
-            <a:extLst>
-              <a:ext uri="{FF2B5EF4-FFF2-40B4-BE49-F238E27FC236}">
-                <a16:creationId xmlns:a16="http://schemas.microsoft.com/office/drawing/2014/main" id="{8441EDFC-EC21-4D54-9BD6-590B5906B47D}"/>
-              </a:ext>
-            </a:extLst>
-          </p:cNvPr>
-          <p:cNvSpPr>
-            <a:spLocks noGrp="1"/>
-          </p:cNvSpPr>
-          <p:nvPr>
-            <p:ph idx="1"/>
-          </p:nvPr>
-        </p:nvSpPr>
-        <p:spPr>
-          <a:xfrm>
-            <a:off x="685800" y="1898650"/>
-            <a:ext cx="10549218" cy="3433109"/>
-          </a:xfrm>
-        </p:spPr>
-        <p:txBody>
-          <a:bodyPr/>
-          <a:lstStyle/>
-          <a:p>
-            <a:r>
-              <a:rPr lang="en-US" dirty="0"/>
-              <a:t>We wanted to have graphic representation of the different stats and incorporate some interaction with updates based on the selected Pokémon type.</a:t>
-            </a:r>
-          </a:p>
-          <a:p>
-            <a:pPr marL="0" indent="0">
-              <a:buNone/>
-            </a:pPr>
-            <a:endParaRPr lang="en-US" dirty="0"/>
-          </a:p>
-          <a:p>
-            <a:r>
-              <a:rPr lang="en-US" dirty="0"/>
-              <a:t>We broke the data down into the types, so it was more visually appealing and easier to digest. </a:t>
-            </a:r>
-          </a:p>
-          <a:p>
-            <a:endParaRPr lang="en-US" dirty="0"/>
-          </a:p>
-          <a:p>
-            <a:pPr marL="0" indent="0">
-              <a:buNone/>
-            </a:pPr>
-            <a:endParaRPr lang="en-US" dirty="0"/>
-          </a:p>
-          <a:p>
-            <a:endParaRPr lang="en-US" dirty="0"/>
-          </a:p>
-        </p:txBody>
-      </p:sp>
       <p:pic>
         <p:nvPicPr>
           <p:cNvPr id="4" name="Picture 3">
             <a:extLst>
               <a:ext uri="{FF2B5EF4-FFF2-40B4-BE49-F238E27FC236}">
-                <a16:creationId xmlns:a16="http://schemas.microsoft.com/office/drawing/2014/main" id="{BBF34D38-0CB1-4318-9A7C-2E4F39EDEF77}"/>
+                <a16:creationId xmlns:a16="http://schemas.microsoft.com/office/drawing/2014/main" id="{4F2B592D-46FD-40EC-A8E3-1CEEFCAB5D82}"/>
               </a:ext>
             </a:extLst>
           </p:cNvPr>
@@ -6965,8 +7112,160 @@
         </p:blipFill>
         <p:spPr>
           <a:xfrm>
-            <a:off x="0" y="5693555"/>
-            <a:ext cx="1104572" cy="1102044"/>
+            <a:off x="11125855" y="5794295"/>
+            <a:ext cx="1066145" cy="1063705"/>
+          </a:xfrm>
+          <a:prstGeom prst="rect">
+            <a:avLst/>
+          </a:prstGeom>
+        </p:spPr>
+      </p:pic>
+      <p:sp>
+        <p:nvSpPr>
+          <p:cNvPr id="2" name="Title 1">
+            <a:extLst>
+              <a:ext uri="{FF2B5EF4-FFF2-40B4-BE49-F238E27FC236}">
+                <a16:creationId xmlns:a16="http://schemas.microsoft.com/office/drawing/2014/main" id="{CE1D6688-B20B-4C52-BA61-6976BF236D8D}"/>
+              </a:ext>
+            </a:extLst>
+          </p:cNvPr>
+          <p:cNvSpPr>
+            <a:spLocks noGrp="1"/>
+          </p:cNvSpPr>
+          <p:nvPr>
+            <p:ph type="title"/>
+          </p:nvPr>
+        </p:nvSpPr>
+        <p:spPr>
+          <a:xfrm>
+            <a:off x="2957743" y="467062"/>
+            <a:ext cx="8610600" cy="1293028"/>
+          </a:xfrm>
+        </p:spPr>
+        <p:txBody>
+          <a:bodyPr/>
+          <a:lstStyle/>
+          <a:p>
+            <a:r>
+              <a:rPr lang="en-US" dirty="0"/>
+              <a:t>Coding approach</a:t>
+            </a:r>
+            <a:br>
+              <a:rPr lang="en-US" dirty="0"/>
+            </a:br>
+            <a:r>
+              <a:rPr lang="en-US" dirty="0"/>
+              <a:t>Step 7 </a:t>
+            </a:r>
+          </a:p>
+        </p:txBody>
+      </p:sp>
+      <p:sp>
+        <p:nvSpPr>
+          <p:cNvPr id="3" name="Content Placeholder 2">
+            <a:extLst>
+              <a:ext uri="{FF2B5EF4-FFF2-40B4-BE49-F238E27FC236}">
+                <a16:creationId xmlns:a16="http://schemas.microsoft.com/office/drawing/2014/main" id="{127EA3C2-E5D9-4D4C-B5F7-91809A55AE19}"/>
+              </a:ext>
+            </a:extLst>
+          </p:cNvPr>
+          <p:cNvSpPr>
+            <a:spLocks noGrp="1"/>
+          </p:cNvSpPr>
+          <p:nvPr>
+            <p:ph idx="1"/>
+          </p:nvPr>
+        </p:nvSpPr>
+        <p:spPr>
+          <a:xfrm>
+            <a:off x="623657" y="1770170"/>
+            <a:ext cx="10820400" cy="4024125"/>
+          </a:xfrm>
+        </p:spPr>
+        <p:txBody>
+          <a:bodyPr/>
+          <a:lstStyle/>
+          <a:p>
+            <a:r>
+              <a:rPr lang="en-US" dirty="0"/>
+              <a:t>We used a JavaScript library not covered in class: Anime.js</a:t>
+            </a:r>
+          </a:p>
+          <a:p>
+            <a:r>
+              <a:rPr lang="en-US" dirty="0"/>
+              <a:t>This allowed us to create an animation of the title upon loading of the page</a:t>
+            </a:r>
+          </a:p>
+          <a:p>
+            <a:pPr lvl="1"/>
+            <a:r>
+              <a:rPr lang="en-US" dirty="0"/>
+              <a:t>*Will be shown momentarily </a:t>
+            </a:r>
+          </a:p>
+          <a:p>
+            <a:pPr marL="0" indent="0">
+              <a:buNone/>
+            </a:pPr>
+            <a:endParaRPr lang="en-US" dirty="0"/>
+          </a:p>
+        </p:txBody>
+      </p:sp>
+      <p:pic>
+        <p:nvPicPr>
+          <p:cNvPr id="6" name="Picture 5">
+            <a:extLst>
+              <a:ext uri="{FF2B5EF4-FFF2-40B4-BE49-F238E27FC236}">
+                <a16:creationId xmlns:a16="http://schemas.microsoft.com/office/drawing/2014/main" id="{0CE7C079-751A-4108-B6E9-D77179B21C91}"/>
+              </a:ext>
+            </a:extLst>
+          </p:cNvPr>
+          <p:cNvPicPr>
+            <a:picLocks noChangeAspect="1"/>
+          </p:cNvPicPr>
+          <p:nvPr/>
+        </p:nvPicPr>
+        <p:blipFill>
+          <a:blip r:embed="rId4"/>
+          <a:stretch>
+            <a:fillRect/>
+          </a:stretch>
+        </p:blipFill>
+        <p:spPr>
+          <a:xfrm>
+            <a:off x="1898758" y="3180181"/>
+            <a:ext cx="2134594" cy="3421707"/>
+          </a:xfrm>
+          <a:prstGeom prst="rect">
+            <a:avLst/>
+          </a:prstGeom>
+        </p:spPr>
+      </p:pic>
+      <p:pic>
+        <p:nvPicPr>
+          <p:cNvPr id="8" name="Picture 7">
+            <a:extLst>
+              <a:ext uri="{FF2B5EF4-FFF2-40B4-BE49-F238E27FC236}">
+                <a16:creationId xmlns:a16="http://schemas.microsoft.com/office/drawing/2014/main" id="{3AA46057-5770-478A-A328-EDC2D84B961D}"/>
+              </a:ext>
+            </a:extLst>
+          </p:cNvPr>
+          <p:cNvPicPr>
+            <a:picLocks noChangeAspect="1"/>
+          </p:cNvPicPr>
+          <p:nvPr/>
+        </p:nvPicPr>
+        <p:blipFill>
+          <a:blip r:embed="rId5"/>
+          <a:stretch>
+            <a:fillRect/>
+          </a:stretch>
+        </p:blipFill>
+        <p:spPr>
+          <a:xfrm>
+            <a:off x="4344010" y="3180181"/>
+            <a:ext cx="5304875" cy="3421706"/>
           </a:xfrm>
           <a:prstGeom prst="rect">
             <a:avLst/>
@@ -6976,25 +7275,16 @@
     </p:spTree>
     <p:extLst>
       <p:ext uri="{BB962C8B-B14F-4D97-AF65-F5344CB8AC3E}">
-        <p14:creationId xmlns:p14="http://schemas.microsoft.com/office/powerpoint/2010/main" val="37169486"/>
+        <p14:creationId xmlns:p14="http://schemas.microsoft.com/office/powerpoint/2010/main" val="949181976"/>
       </p:ext>
     </p:extLst>
   </p:cSld>
   <p:clrMapOvr>
     <a:masterClrMapping/>
   </p:clrMapOvr>
-  <mc:AlternateContent xmlns:mc="http://schemas.openxmlformats.org/markup-compatibility/2006" xmlns:p14="http://schemas.microsoft.com/office/powerpoint/2010/main">
-    <mc:Choice Requires="p14">
-      <p:transition spd="med" p14:dur="700">
-        <p:fade/>
-      </p:transition>
-    </mc:Choice>
-    <mc:Fallback xmlns="">
-      <p:transition spd="med">
-        <p:fade/>
-      </p:transition>
-    </mc:Fallback>
-  </mc:AlternateContent>
+  <p:transition spd="slow">
+    <p:push dir="u"/>
+  </p:transition>
 </p:sld>
 </file>
 
@@ -7069,7 +7359,7 @@
         </p:nvSpPr>
         <p:spPr>
           <a:xfrm>
-            <a:off x="2962712" y="605622"/>
+            <a:off x="2975499" y="243826"/>
             <a:ext cx="8610600" cy="1293028"/>
           </a:xfrm>
         </p:spPr>
@@ -7079,14 +7369,7 @@
           <a:p>
             <a:r>
               <a:rPr lang="en-US" dirty="0"/>
-              <a:t>Lost Battles</a:t>
-            </a:r>
-            <a:br>
-              <a:rPr lang="en-US" dirty="0"/>
-            </a:br>
-            <a:r>
-              <a:rPr lang="en-US" dirty="0"/>
-              <a:t>Trials &amp; Tribulations</a:t>
+              <a:t>Final Visualization  </a:t>
             </a:r>
           </a:p>
         </p:txBody>
@@ -7109,6 +7392,295 @@
         </p:nvSpPr>
         <p:spPr>
           <a:xfrm>
+            <a:off x="552286" y="1592555"/>
+            <a:ext cx="10549218" cy="3433109"/>
+          </a:xfrm>
+        </p:spPr>
+        <p:txBody>
+          <a:bodyPr/>
+          <a:lstStyle/>
+          <a:p>
+            <a:r>
+              <a:rPr lang="en-US" dirty="0"/>
+              <a:t>We wanted to have graphic representation of the different stats and incorporate some interaction with updates based on the selected Pokémon type.</a:t>
+            </a:r>
+          </a:p>
+          <a:p>
+            <a:r>
+              <a:rPr lang="en-US" dirty="0"/>
+              <a:t>We broke the data down into the types, so it was more visually appealing and easier to digest. </a:t>
+            </a:r>
+          </a:p>
+          <a:p>
+            <a:endParaRPr lang="en-US" dirty="0"/>
+          </a:p>
+          <a:p>
+            <a:pPr marL="0" indent="0">
+              <a:buNone/>
+            </a:pPr>
+            <a:endParaRPr lang="en-US" dirty="0"/>
+          </a:p>
+          <a:p>
+            <a:endParaRPr lang="en-US" dirty="0"/>
+          </a:p>
+        </p:txBody>
+      </p:sp>
+      <p:pic>
+        <p:nvPicPr>
+          <p:cNvPr id="4" name="Picture 3">
+            <a:extLst>
+              <a:ext uri="{FF2B5EF4-FFF2-40B4-BE49-F238E27FC236}">
+                <a16:creationId xmlns:a16="http://schemas.microsoft.com/office/drawing/2014/main" id="{BBF34D38-0CB1-4318-9A7C-2E4F39EDEF77}"/>
+              </a:ext>
+            </a:extLst>
+          </p:cNvPr>
+          <p:cNvPicPr>
+            <a:picLocks noChangeAspect="1"/>
+          </p:cNvPicPr>
+          <p:nvPr/>
+        </p:nvPicPr>
+        <p:blipFill>
+          <a:blip r:embed="rId3"/>
+          <a:stretch>
+            <a:fillRect/>
+          </a:stretch>
+        </p:blipFill>
+        <p:spPr>
+          <a:xfrm>
+            <a:off x="0" y="5693555"/>
+            <a:ext cx="1104572" cy="1102044"/>
+          </a:xfrm>
+          <a:prstGeom prst="rect">
+            <a:avLst/>
+          </a:prstGeom>
+        </p:spPr>
+      </p:pic>
+      <p:pic>
+        <p:nvPicPr>
+          <p:cNvPr id="6" name="Picture 5">
+            <a:extLst>
+              <a:ext uri="{FF2B5EF4-FFF2-40B4-BE49-F238E27FC236}">
+                <a16:creationId xmlns:a16="http://schemas.microsoft.com/office/drawing/2014/main" id="{567069C6-DDD3-44FE-A0D4-B05D71F4508F}"/>
+              </a:ext>
+            </a:extLst>
+          </p:cNvPr>
+          <p:cNvPicPr>
+            <a:picLocks noChangeAspect="1"/>
+          </p:cNvPicPr>
+          <p:nvPr/>
+        </p:nvPicPr>
+        <p:blipFill>
+          <a:blip r:embed="rId4"/>
+          <a:stretch>
+            <a:fillRect/>
+          </a:stretch>
+        </p:blipFill>
+        <p:spPr>
+          <a:xfrm>
+            <a:off x="1401146" y="3649123"/>
+            <a:ext cx="970533" cy="2816913"/>
+          </a:xfrm>
+          <a:prstGeom prst="rect">
+            <a:avLst/>
+          </a:prstGeom>
+        </p:spPr>
+      </p:pic>
+      <p:pic>
+        <p:nvPicPr>
+          <p:cNvPr id="8" name="Picture 7">
+            <a:extLst>
+              <a:ext uri="{FF2B5EF4-FFF2-40B4-BE49-F238E27FC236}">
+                <a16:creationId xmlns:a16="http://schemas.microsoft.com/office/drawing/2014/main" id="{4AFD2A20-379F-4879-880A-ED829B079E87}"/>
+              </a:ext>
+            </a:extLst>
+          </p:cNvPr>
+          <p:cNvPicPr>
+            <a:picLocks noChangeAspect="1"/>
+          </p:cNvPicPr>
+          <p:nvPr/>
+        </p:nvPicPr>
+        <p:blipFill>
+          <a:blip r:embed="rId5"/>
+          <a:stretch>
+            <a:fillRect/>
+          </a:stretch>
+        </p:blipFill>
+        <p:spPr>
+          <a:xfrm>
+            <a:off x="2668253" y="3966354"/>
+            <a:ext cx="4249185" cy="2118619"/>
+          </a:xfrm>
+          <a:prstGeom prst="rect">
+            <a:avLst/>
+          </a:prstGeom>
+        </p:spPr>
+      </p:pic>
+      <p:pic>
+        <p:nvPicPr>
+          <p:cNvPr id="10" name="Picture 9">
+            <a:extLst>
+              <a:ext uri="{FF2B5EF4-FFF2-40B4-BE49-F238E27FC236}">
+                <a16:creationId xmlns:a16="http://schemas.microsoft.com/office/drawing/2014/main" id="{F940320B-5779-45CB-A9A1-222E7621FC6F}"/>
+              </a:ext>
+            </a:extLst>
+          </p:cNvPr>
+          <p:cNvPicPr>
+            <a:picLocks noChangeAspect="1"/>
+          </p:cNvPicPr>
+          <p:nvPr/>
+        </p:nvPicPr>
+        <p:blipFill>
+          <a:blip r:embed="rId6"/>
+          <a:stretch>
+            <a:fillRect/>
+          </a:stretch>
+        </p:blipFill>
+        <p:spPr>
+          <a:xfrm>
+            <a:off x="7214012" y="3963270"/>
+            <a:ext cx="4433656" cy="2121703"/>
+          </a:xfrm>
+          <a:prstGeom prst="rect">
+            <a:avLst/>
+          </a:prstGeom>
+        </p:spPr>
+      </p:pic>
+    </p:spTree>
+    <p:extLst>
+      <p:ext uri="{BB962C8B-B14F-4D97-AF65-F5344CB8AC3E}">
+        <p14:creationId xmlns:p14="http://schemas.microsoft.com/office/powerpoint/2010/main" val="37169486"/>
+      </p:ext>
+    </p:extLst>
+  </p:cSld>
+  <p:clrMapOvr>
+    <a:masterClrMapping/>
+  </p:clrMapOvr>
+  <mc:AlternateContent xmlns:mc="http://schemas.openxmlformats.org/markup-compatibility/2006" xmlns:p14="http://schemas.microsoft.com/office/powerpoint/2010/main">
+    <mc:Choice Requires="p14">
+      <p:transition spd="med" p14:dur="700">
+        <p:fade/>
+      </p:transition>
+    </mc:Choice>
+    <mc:Fallback xmlns="">
+      <p:transition spd="med">
+        <p:fade/>
+      </p:transition>
+    </mc:Fallback>
+  </mc:AlternateContent>
+</p:sld>
+</file>
+
+<file path=ppt/slides/slide12.xml><?xml version="1.0" encoding="utf-8"?>
+<p:sld xmlns:a="http://schemas.openxmlformats.org/drawingml/2006/main" xmlns:r="http://schemas.openxmlformats.org/officeDocument/2006/relationships" xmlns:p="http://schemas.openxmlformats.org/presentationml/2006/main">
+  <p:cSld>
+    <p:spTree>
+      <p:nvGrpSpPr>
+        <p:cNvPr id="1" name=""/>
+        <p:cNvGrpSpPr/>
+        <p:nvPr/>
+      </p:nvGrpSpPr>
+      <p:grpSpPr>
+        <a:xfrm>
+          <a:off x="0" y="0"/>
+          <a:ext cx="0" cy="0"/>
+          <a:chOff x="0" y="0"/>
+          <a:chExt cx="0" cy="0"/>
+        </a:xfrm>
+      </p:grpSpPr>
+      <p:pic>
+        <p:nvPicPr>
+          <p:cNvPr id="17" name="Picture 16" descr="A picture containing vector graphics&#10;&#10;Description automatically generated">
+            <a:extLst>
+              <a:ext uri="{FF2B5EF4-FFF2-40B4-BE49-F238E27FC236}">
+                <a16:creationId xmlns:a16="http://schemas.microsoft.com/office/drawing/2014/main" id="{D543B701-E33F-482C-876D-186407F34FF9}"/>
+              </a:ext>
+            </a:extLst>
+          </p:cNvPr>
+          <p:cNvPicPr>
+            <a:picLocks noChangeAspect="1"/>
+          </p:cNvPicPr>
+          <p:nvPr/>
+        </p:nvPicPr>
+        <p:blipFill>
+          <a:blip r:embed="rId2">
+            <a:extLst>
+              <a:ext uri="{28A0092B-C50C-407E-A947-70E740481C1C}">
+                <a14:useLocalDpi xmlns:a14="http://schemas.microsoft.com/office/drawing/2010/main" val="0"/>
+              </a:ext>
+            </a:extLst>
+          </a:blip>
+          <a:stretch>
+            <a:fillRect/>
+          </a:stretch>
+        </p:blipFill>
+        <p:spPr>
+          <a:xfrm>
+            <a:off x="827616" y="6466036"/>
+            <a:ext cx="231181" cy="222801"/>
+          </a:xfrm>
+          <a:prstGeom prst="rect">
+            <a:avLst/>
+          </a:prstGeom>
+        </p:spPr>
+      </p:pic>
+      <p:sp>
+        <p:nvSpPr>
+          <p:cNvPr id="2" name="Title 1">
+            <a:extLst>
+              <a:ext uri="{FF2B5EF4-FFF2-40B4-BE49-F238E27FC236}">
+                <a16:creationId xmlns:a16="http://schemas.microsoft.com/office/drawing/2014/main" id="{02A61E0E-092E-481F-8A70-1A1A1EFB372F}"/>
+              </a:ext>
+            </a:extLst>
+          </p:cNvPr>
+          <p:cNvSpPr>
+            <a:spLocks noGrp="1"/>
+          </p:cNvSpPr>
+          <p:nvPr>
+            <p:ph type="title"/>
+          </p:nvPr>
+        </p:nvSpPr>
+        <p:spPr>
+          <a:xfrm>
+            <a:off x="2962712" y="605622"/>
+            <a:ext cx="8610600" cy="1293028"/>
+          </a:xfrm>
+        </p:spPr>
+        <p:txBody>
+          <a:bodyPr/>
+          <a:lstStyle/>
+          <a:p>
+            <a:r>
+              <a:rPr lang="en-US" dirty="0"/>
+              <a:t>Lost Battles</a:t>
+            </a:r>
+            <a:br>
+              <a:rPr lang="en-US" dirty="0"/>
+            </a:br>
+            <a:r>
+              <a:rPr lang="en-US" dirty="0"/>
+              <a:t>Trials &amp; Tribulations</a:t>
+            </a:r>
+          </a:p>
+        </p:txBody>
+      </p:sp>
+      <p:sp>
+        <p:nvSpPr>
+          <p:cNvPr id="3" name="Content Placeholder 2">
+            <a:extLst>
+              <a:ext uri="{FF2B5EF4-FFF2-40B4-BE49-F238E27FC236}">
+                <a16:creationId xmlns:a16="http://schemas.microsoft.com/office/drawing/2014/main" id="{8441EDFC-EC21-4D54-9BD6-590B5906B47D}"/>
+              </a:ext>
+            </a:extLst>
+          </p:cNvPr>
+          <p:cNvSpPr>
+            <a:spLocks noGrp="1"/>
+          </p:cNvSpPr>
+          <p:nvPr>
+            <p:ph idx="1"/>
+          </p:nvPr>
+        </p:nvSpPr>
+        <p:spPr>
+          <a:xfrm>
             <a:off x="677411" y="1974151"/>
             <a:ext cx="10549218" cy="3433109"/>
           </a:xfrm>
@@ -7134,13 +7706,16 @@
             </a:r>
             <a:r>
               <a:rPr lang="en-US" dirty="0"/>
-              <a:t> &amp; </a:t>
+              <a:t>, </a:t>
             </a:r>
             <a:r>
               <a:rPr lang="en-US" dirty="0" err="1"/>
               <a:t>ScreenFull</a:t>
             </a:r>
-            <a:endParaRPr lang="en-US" dirty="0"/>
+            <a:r>
+              <a:rPr lang="en-US" dirty="0"/>
+              <a:t>, and others</a:t>
+            </a:r>
           </a:p>
           <a:p>
             <a:r>
@@ -7179,7 +7754,15 @@
             <a:pPr lvl="2"/>
             <a:r>
               <a:rPr lang="en-US" dirty="0"/>
-              <a:t>Failure to build table for listed Pokémon</a:t>
+              <a:t>Failure to build </a:t>
+            </a:r>
+            <a:r>
+              <a:rPr lang="en-US"/>
+              <a:t>table surrounding </a:t>
+            </a:r>
+            <a:r>
+              <a:rPr lang="en-US" dirty="0"/>
+              <a:t>listed Pokémon</a:t>
             </a:r>
           </a:p>
           <a:p>
@@ -7248,7 +7831,7 @@
 </p:sld>
 </file>
 
-<file path=ppt/slides/slide12.xml><?xml version="1.0" encoding="utf-8"?>
+<file path=ppt/slides/slide13.xml><?xml version="1.0" encoding="utf-8"?>
 <p:sld xmlns:a="http://schemas.openxmlformats.org/drawingml/2006/main" xmlns:r="http://schemas.openxmlformats.org/officeDocument/2006/relationships" xmlns:p="http://schemas.openxmlformats.org/presentationml/2006/main">
   <p:cSld>
     <p:spTree>
@@ -7792,7 +8375,7 @@
         </p:nvSpPr>
         <p:spPr>
           <a:xfrm>
-            <a:off x="564776" y="1909482"/>
+            <a:off x="607804" y="1392113"/>
             <a:ext cx="11302251" cy="4552543"/>
           </a:xfrm>
         </p:spPr>
@@ -7817,9 +8400,26 @@
             </a:r>
           </a:p>
           <a:p>
+            <a:pPr lvl="1"/>
             <a:r>
               <a:rPr lang="en-US" dirty="0"/>
-              <a:t>Dataset didn’t have what we were looking for apart from the names, so we found an API to call to: pokeapi.co</a:t>
+              <a:t>Dataset was not sufficient, and untrustworthy</a:t>
+            </a:r>
+          </a:p>
+          <a:p>
+            <a:r>
+              <a:rPr lang="en-US" dirty="0"/>
+              <a:t>Located an API to communicate with - </a:t>
+            </a:r>
+            <a:r>
+              <a:rPr lang="en-US" dirty="0">
+                <a:hlinkClick r:id="rId3"/>
+              </a:rPr>
+              <a:t>https://pokeapi.co/</a:t>
+            </a:r>
+            <a:r>
+              <a:rPr lang="en-US" dirty="0"/>
+              <a:t> </a:t>
             </a:r>
           </a:p>
           <a:p>
@@ -7845,7 +8445,7 @@
           <p:nvPr/>
         </p:nvPicPr>
         <p:blipFill>
-          <a:blip r:embed="rId3"/>
+          <a:blip r:embed="rId4"/>
           <a:stretch>
             <a:fillRect/>
           </a:stretch>
@@ -7854,6 +8454,65 @@
           <a:xfrm>
             <a:off x="10973127" y="5647765"/>
             <a:ext cx="979957" cy="977714"/>
+          </a:xfrm>
+          <a:prstGeom prst="rect">
+            <a:avLst/>
+          </a:prstGeom>
+        </p:spPr>
+      </p:pic>
+      <p:pic>
+        <p:nvPicPr>
+          <p:cNvPr id="9" name="Picture 8">
+            <a:extLst>
+              <a:ext uri="{FF2B5EF4-FFF2-40B4-BE49-F238E27FC236}">
+                <a16:creationId xmlns:a16="http://schemas.microsoft.com/office/drawing/2014/main" id="{14C26BCB-F1AA-44A6-84FE-1ABC0FE638A1}"/>
+              </a:ext>
+            </a:extLst>
+          </p:cNvPr>
+          <p:cNvPicPr>
+            <a:picLocks noChangeAspect="1"/>
+          </p:cNvPicPr>
+          <p:nvPr/>
+        </p:nvPicPr>
+        <p:blipFill rotWithShape="1">
+          <a:blip r:embed="rId5"/>
+          <a:srcRect r="39212"/>
+          <a:stretch/>
+        </p:blipFill>
+        <p:spPr>
+          <a:xfrm>
+            <a:off x="607804" y="3378595"/>
+            <a:ext cx="4492017" cy="2906471"/>
+          </a:xfrm>
+          <a:prstGeom prst="rect">
+            <a:avLst/>
+          </a:prstGeom>
+        </p:spPr>
+      </p:pic>
+      <p:pic>
+        <p:nvPicPr>
+          <p:cNvPr id="11" name="Picture 10">
+            <a:extLst>
+              <a:ext uri="{FF2B5EF4-FFF2-40B4-BE49-F238E27FC236}">
+                <a16:creationId xmlns:a16="http://schemas.microsoft.com/office/drawing/2014/main" id="{404FC658-B5F5-4FCE-B601-788C06B8F1AF}"/>
+              </a:ext>
+            </a:extLst>
+          </p:cNvPr>
+          <p:cNvPicPr>
+            <a:picLocks noChangeAspect="1"/>
+          </p:cNvPicPr>
+          <p:nvPr/>
+        </p:nvPicPr>
+        <p:blipFill>
+          <a:blip r:embed="rId6"/>
+          <a:stretch>
+            <a:fillRect/>
+          </a:stretch>
+        </p:blipFill>
+        <p:spPr>
+          <a:xfrm>
+            <a:off x="5700875" y="3378596"/>
+            <a:ext cx="4943484" cy="2906471"/>
           </a:xfrm>
           <a:prstGeom prst="rect">
             <a:avLst/>
@@ -7987,7 +8646,7 @@
         </p:nvSpPr>
         <p:spPr>
           <a:xfrm>
-            <a:off x="564776" y="1909482"/>
+            <a:off x="481349" y="1066191"/>
             <a:ext cx="11302251" cy="4552543"/>
           </a:xfrm>
         </p:spPr>
@@ -8025,8 +8684,8 @@
               <a:t>Pulled the list of </a:t>
             </a:r>
             <a:r>
-              <a:rPr lang="en-US" dirty="0" err="1"/>
-              <a:t>Pokemon</a:t>
+              <a:rPr lang="en-US" sz="2000" dirty="0"/>
+              <a:t>Pokémon</a:t>
             </a:r>
             <a:endParaRPr lang="en-US" dirty="0"/>
           </a:p>
@@ -8071,6 +8730,94 @@
           <a:xfrm>
             <a:off x="11212646" y="5880286"/>
             <a:ext cx="979957" cy="977714"/>
+          </a:xfrm>
+          <a:prstGeom prst="rect">
+            <a:avLst/>
+          </a:prstGeom>
+        </p:spPr>
+      </p:pic>
+      <p:pic>
+        <p:nvPicPr>
+          <p:cNvPr id="9" name="Picture 8">
+            <a:extLst>
+              <a:ext uri="{FF2B5EF4-FFF2-40B4-BE49-F238E27FC236}">
+                <a16:creationId xmlns:a16="http://schemas.microsoft.com/office/drawing/2014/main" id="{4DECA14B-F0CA-4735-84A3-FF9128AC1994}"/>
+              </a:ext>
+            </a:extLst>
+          </p:cNvPr>
+          <p:cNvPicPr>
+            <a:picLocks noChangeAspect="1"/>
+          </p:cNvPicPr>
+          <p:nvPr/>
+        </p:nvPicPr>
+        <p:blipFill>
+          <a:blip r:embed="rId4"/>
+          <a:stretch>
+            <a:fillRect/>
+          </a:stretch>
+        </p:blipFill>
+        <p:spPr>
+          <a:xfrm>
+            <a:off x="481349" y="3037405"/>
+            <a:ext cx="3676173" cy="2085797"/>
+          </a:xfrm>
+          <a:prstGeom prst="rect">
+            <a:avLst/>
+          </a:prstGeom>
+        </p:spPr>
+      </p:pic>
+      <p:pic>
+        <p:nvPicPr>
+          <p:cNvPr id="11" name="Picture 10">
+            <a:extLst>
+              <a:ext uri="{FF2B5EF4-FFF2-40B4-BE49-F238E27FC236}">
+                <a16:creationId xmlns:a16="http://schemas.microsoft.com/office/drawing/2014/main" id="{B2ACB17D-EB87-4D0F-A6B1-9D31B19383FD}"/>
+              </a:ext>
+            </a:extLst>
+          </p:cNvPr>
+          <p:cNvPicPr>
+            <a:picLocks noChangeAspect="1"/>
+          </p:cNvPicPr>
+          <p:nvPr/>
+        </p:nvPicPr>
+        <p:blipFill rotWithShape="1">
+          <a:blip r:embed="rId5"/>
+          <a:srcRect r="6924"/>
+          <a:stretch/>
+        </p:blipFill>
+        <p:spPr>
+          <a:xfrm>
+            <a:off x="481349" y="5284869"/>
+            <a:ext cx="3676173" cy="1441563"/>
+          </a:xfrm>
+          <a:prstGeom prst="rect">
+            <a:avLst/>
+          </a:prstGeom>
+        </p:spPr>
+      </p:pic>
+      <p:pic>
+        <p:nvPicPr>
+          <p:cNvPr id="13" name="Picture 12">
+            <a:extLst>
+              <a:ext uri="{FF2B5EF4-FFF2-40B4-BE49-F238E27FC236}">
+                <a16:creationId xmlns:a16="http://schemas.microsoft.com/office/drawing/2014/main" id="{2FCC4DF7-E1E9-4650-A4D2-80E262E9673B}"/>
+              </a:ext>
+            </a:extLst>
+          </p:cNvPr>
+          <p:cNvPicPr>
+            <a:picLocks noChangeAspect="1"/>
+          </p:cNvPicPr>
+          <p:nvPr/>
+        </p:nvPicPr>
+        <p:blipFill rotWithShape="1">
+          <a:blip r:embed="rId6"/>
+          <a:srcRect l="3975" r="18798"/>
+          <a:stretch/>
+        </p:blipFill>
+        <p:spPr>
+          <a:xfrm>
+            <a:off x="4314547" y="3037404"/>
+            <a:ext cx="6349280" cy="3689027"/>
           </a:xfrm>
           <a:prstGeom prst="rect">
             <a:avLst/>
@@ -8181,7 +8928,7 @@
             </a:br>
             <a:r>
               <a:rPr lang="en-US" dirty="0"/>
-              <a:t>Step 3</a:t>
+              <a:t>Step 3.1</a:t>
             </a:r>
           </a:p>
         </p:txBody>
@@ -8204,7 +8951,7 @@
         </p:nvSpPr>
         <p:spPr>
           <a:xfrm>
-            <a:off x="564776" y="1909483"/>
+            <a:off x="564776" y="1270290"/>
             <a:ext cx="11302251" cy="3440352"/>
           </a:xfrm>
         </p:spPr>
@@ -8225,27 +8972,24 @@
           <a:p>
             <a:r>
               <a:rPr lang="en-US" dirty="0"/>
-              <a:t>Called out to existing Poke API https://pokeapi.co/to pull data in </a:t>
-            </a:r>
-          </a:p>
-          <a:p>
+              <a:t>Called to </a:t>
+            </a:r>
+            <a:r>
+              <a:rPr lang="en-US" dirty="0">
+                <a:hlinkClick r:id="rId3"/>
+              </a:rPr>
+              <a:t>https://pokeapi.co/api/v2/generation/1</a:t>
+            </a:r>
             <a:r>
               <a:rPr lang="en-US" dirty="0"/>
-              <a:t>Each </a:t>
-            </a:r>
-            <a:r>
-              <a:rPr lang="en-US" sz="2400" dirty="0"/>
-              <a:t>Pokémon</a:t>
-            </a:r>
+              <a:t> to pull data in </a:t>
+            </a:r>
+          </a:p>
+          <a:p>
+            <a:pPr lvl="1"/>
             <a:r>
               <a:rPr lang="en-US" dirty="0"/>
-              <a:t> had an extensive list of URL links for stats so used poke-list in a for- loop to call out to each URL to retrieve stats for empty data frame</a:t>
-            </a:r>
-          </a:p>
-          <a:p>
-            <a:r>
-              <a:rPr lang="en-US" dirty="0"/>
-              <a:t>Exported data frame to CSV</a:t>
+              <a:t>Did not receive expected results – URLs</a:t>
             </a:r>
           </a:p>
         </p:txBody>
@@ -8265,7 +9009,7 @@
           <p:nvPr/>
         </p:nvPicPr>
         <p:blipFill>
-          <a:blip r:embed="rId3"/>
+          <a:blip r:embed="rId4"/>
           <a:stretch>
             <a:fillRect/>
           </a:stretch>
@@ -8274,6 +9018,66 @@
           <a:xfrm>
             <a:off x="11212043" y="5880286"/>
             <a:ext cx="979957" cy="977714"/>
+          </a:xfrm>
+          <a:prstGeom prst="rect">
+            <a:avLst/>
+          </a:prstGeom>
+        </p:spPr>
+      </p:pic>
+      <p:pic>
+        <p:nvPicPr>
+          <p:cNvPr id="11" name="Picture 10">
+            <a:extLst>
+              <a:ext uri="{FF2B5EF4-FFF2-40B4-BE49-F238E27FC236}">
+                <a16:creationId xmlns:a16="http://schemas.microsoft.com/office/drawing/2014/main" id="{724ADB45-EA4F-41A7-A159-0EBE66985579}"/>
+              </a:ext>
+            </a:extLst>
+          </p:cNvPr>
+          <p:cNvPicPr>
+            <a:picLocks noChangeAspect="1"/>
+          </p:cNvPicPr>
+          <p:nvPr/>
+        </p:nvPicPr>
+        <p:blipFill>
+          <a:blip r:embed="rId5"/>
+          <a:stretch>
+            <a:fillRect/>
+          </a:stretch>
+        </p:blipFill>
+        <p:spPr>
+          <a:xfrm>
+            <a:off x="324972" y="2563318"/>
+            <a:ext cx="5240085" cy="4059080"/>
+          </a:xfrm>
+          <a:prstGeom prst="rect">
+            <a:avLst/>
+          </a:prstGeom>
+        </p:spPr>
+      </p:pic>
+      <p:pic>
+        <p:nvPicPr>
+          <p:cNvPr id="13" name="Picture 12">
+            <a:extLst>
+              <a:ext uri="{FF2B5EF4-FFF2-40B4-BE49-F238E27FC236}">
+                <a16:creationId xmlns:a16="http://schemas.microsoft.com/office/drawing/2014/main" id="{93BF6B59-11FA-447F-B854-346649F44574}"/>
+              </a:ext>
+            </a:extLst>
+          </p:cNvPr>
+          <p:cNvPicPr>
+            <a:picLocks noChangeAspect="1"/>
+          </p:cNvPicPr>
+          <p:nvPr/>
+        </p:nvPicPr>
+        <p:blipFill>
+          <a:blip r:embed="rId6"/>
+          <a:stretch>
+            <a:fillRect/>
+          </a:stretch>
+        </p:blipFill>
+        <p:spPr>
+          <a:xfrm>
+            <a:off x="5804861" y="2563317"/>
+            <a:ext cx="5179958" cy="4055483"/>
           </a:xfrm>
           <a:prstGeom prst="rect">
             <a:avLst/>
@@ -8315,10 +9119,10 @@
       </p:grpSpPr>
       <p:pic>
         <p:nvPicPr>
-          <p:cNvPr id="10" name="Picture 9" descr="A picture containing vector graphics&#10;&#10;Description automatically generated">
+          <p:cNvPr id="8" name="Picture 7" descr="A picture containing vector graphics&#10;&#10;Description automatically generated">
             <a:extLst>
               <a:ext uri="{FF2B5EF4-FFF2-40B4-BE49-F238E27FC236}">
-                <a16:creationId xmlns:a16="http://schemas.microsoft.com/office/drawing/2014/main" id="{CD27AC62-DD14-4056-8830-44C4FCE0B6FA}"/>
+                <a16:creationId xmlns:a16="http://schemas.microsoft.com/office/drawing/2014/main" id="{D56400BE-B04B-4AE2-8D1D-D6F807DC520E}"/>
               </a:ext>
             </a:extLst>
           </p:cNvPr>
@@ -8341,7 +9145,7 @@
         </p:blipFill>
         <p:spPr>
           <a:xfrm>
-            <a:off x="11775624" y="6635199"/>
+            <a:off x="11867027" y="6618801"/>
             <a:ext cx="231181" cy="222801"/>
           </a:xfrm>
           <a:prstGeom prst="rect">
@@ -8349,12 +9153,107 @@
           </a:prstGeom>
         </p:spPr>
       </p:pic>
+      <p:sp>
+        <p:nvSpPr>
+          <p:cNvPr id="2" name="Title 1">
+            <a:extLst>
+              <a:ext uri="{FF2B5EF4-FFF2-40B4-BE49-F238E27FC236}">
+                <a16:creationId xmlns:a16="http://schemas.microsoft.com/office/drawing/2014/main" id="{356BF46D-2D73-44F0-AD9E-0FEC2BFDE3EA}"/>
+              </a:ext>
+            </a:extLst>
+          </p:cNvPr>
+          <p:cNvSpPr>
+            <a:spLocks noGrp="1"/>
+          </p:cNvSpPr>
+          <p:nvPr>
+            <p:ph type="title"/>
+          </p:nvPr>
+        </p:nvSpPr>
+        <p:spPr>
+          <a:xfrm>
+            <a:off x="2326699" y="395975"/>
+            <a:ext cx="9711017" cy="1293028"/>
+          </a:xfrm>
+        </p:spPr>
+        <p:txBody>
+          <a:bodyPr/>
+          <a:lstStyle/>
+          <a:p>
+            <a:r>
+              <a:rPr lang="en-US" dirty="0"/>
+              <a:t>Coding approach</a:t>
+            </a:r>
+            <a:br>
+              <a:rPr lang="en-US" dirty="0"/>
+            </a:br>
+            <a:r>
+              <a:rPr lang="en-US" dirty="0"/>
+              <a:t>Step 3.2</a:t>
+            </a:r>
+          </a:p>
+        </p:txBody>
+      </p:sp>
+      <p:sp>
+        <p:nvSpPr>
+          <p:cNvPr id="3" name="Content Placeholder 2">
+            <a:extLst>
+              <a:ext uri="{FF2B5EF4-FFF2-40B4-BE49-F238E27FC236}">
+                <a16:creationId xmlns:a16="http://schemas.microsoft.com/office/drawing/2014/main" id="{FE0F0902-579D-46B2-8EF5-0AE61F17FE18}"/>
+              </a:ext>
+            </a:extLst>
+          </p:cNvPr>
+          <p:cNvSpPr>
+            <a:spLocks noGrp="1"/>
+          </p:cNvSpPr>
+          <p:nvPr>
+            <p:ph idx="1"/>
+          </p:nvPr>
+        </p:nvSpPr>
+        <p:spPr>
+          <a:xfrm>
+            <a:off x="564776" y="1270290"/>
+            <a:ext cx="11302251" cy="3440352"/>
+          </a:xfrm>
+        </p:spPr>
+        <p:txBody>
+          <a:bodyPr>
+            <a:normAutofit/>
+          </a:bodyPr>
+          <a:lstStyle/>
+          <a:p>
+            <a:pPr marL="0" indent="0">
+              <a:buNone/>
+            </a:pPr>
+            <a:r>
+              <a:rPr lang="en-US" dirty="0"/>
+              <a:t>	</a:t>
+            </a:r>
+          </a:p>
+          <a:p>
+            <a:r>
+              <a:rPr lang="en-US" dirty="0"/>
+              <a:t>We used a for- loop to call out to each URL to retrieve stats to fill our empty </a:t>
+            </a:r>
+            <a:r>
+              <a:rPr lang="en-US" dirty="0" err="1"/>
+              <a:t>dataframe</a:t>
+            </a:r>
+            <a:endParaRPr lang="en-US" dirty="0"/>
+          </a:p>
+          <a:p>
+            <a:r>
+              <a:rPr lang="en-US" dirty="0"/>
+              <a:t>Exported data frame to CSV</a:t>
+            </a:r>
+          </a:p>
+        </p:txBody>
+      </p:sp>
       <p:pic>
         <p:nvPicPr>
           <p:cNvPr id="4" name="Picture 3">
             <a:extLst>
               <a:ext uri="{FF2B5EF4-FFF2-40B4-BE49-F238E27FC236}">
-                <a16:creationId xmlns:a16="http://schemas.microsoft.com/office/drawing/2014/main" id="{4F2B592D-46FD-40EC-A8E3-1CEEFCAB5D82}"/>
+                <a16:creationId xmlns:a16="http://schemas.microsoft.com/office/drawing/2014/main" id="{FA4D4607-89AD-4F8F-99CB-23BAF300A079}"/>
               </a:ext>
             </a:extLst>
           </p:cNvPr>
@@ -8371,98 +9270,76 @@
         </p:blipFill>
         <p:spPr>
           <a:xfrm>
-            <a:off x="11081120" y="5823991"/>
-            <a:ext cx="1066145" cy="1063705"/>
+            <a:off x="11212043" y="5880286"/>
+            <a:ext cx="979957" cy="977714"/>
           </a:xfrm>
           <a:prstGeom prst="rect">
             <a:avLst/>
           </a:prstGeom>
         </p:spPr>
       </p:pic>
-      <p:sp>
-        <p:nvSpPr>
-          <p:cNvPr id="2" name="Title 1">
+      <p:pic>
+        <p:nvPicPr>
+          <p:cNvPr id="6" name="Picture 5">
             <a:extLst>
               <a:ext uri="{FF2B5EF4-FFF2-40B4-BE49-F238E27FC236}">
-                <a16:creationId xmlns:a16="http://schemas.microsoft.com/office/drawing/2014/main" id="{CE1D6688-B20B-4C52-BA61-6976BF236D8D}"/>
+                <a16:creationId xmlns:a16="http://schemas.microsoft.com/office/drawing/2014/main" id="{F8231BE9-E65D-4C47-8933-DB0413F1E717}"/>
               </a:ext>
             </a:extLst>
           </p:cNvPr>
-          <p:cNvSpPr>
-            <a:spLocks noGrp="1"/>
-          </p:cNvSpPr>
-          <p:nvPr>
-            <p:ph type="title"/>
-          </p:nvPr>
-        </p:nvSpPr>
-        <p:spPr/>
-        <p:txBody>
-          <a:bodyPr/>
-          <a:lstStyle/>
-          <a:p>
-            <a:r>
-              <a:rPr lang="en-US" dirty="0"/>
-              <a:t>Coding approach</a:t>
-            </a:r>
-            <a:br>
-              <a:rPr lang="en-US" dirty="0"/>
-            </a:br>
-            <a:r>
-              <a:rPr lang="en-US" dirty="0"/>
-              <a:t>Step 4 </a:t>
-            </a:r>
-          </a:p>
-        </p:txBody>
-      </p:sp>
-      <p:sp>
-        <p:nvSpPr>
-          <p:cNvPr id="3" name="Content Placeholder 2">
+          <p:cNvPicPr>
+            <a:picLocks noChangeAspect="1"/>
+          </p:cNvPicPr>
+          <p:nvPr/>
+        </p:nvPicPr>
+        <p:blipFill rotWithShape="1">
+          <a:blip r:embed="rId4"/>
+          <a:srcRect t="64155" r="29974"/>
+          <a:stretch/>
+        </p:blipFill>
+        <p:spPr>
+          <a:xfrm>
+            <a:off x="6822585" y="2990465"/>
+            <a:ext cx="5145917" cy="2210799"/>
+          </a:xfrm>
+          <a:prstGeom prst="rect">
+            <a:avLst/>
+          </a:prstGeom>
+        </p:spPr>
+      </p:pic>
+      <p:pic>
+        <p:nvPicPr>
+          <p:cNvPr id="7" name="Picture 6">
             <a:extLst>
               <a:ext uri="{FF2B5EF4-FFF2-40B4-BE49-F238E27FC236}">
-                <a16:creationId xmlns:a16="http://schemas.microsoft.com/office/drawing/2014/main" id="{127EA3C2-E5D9-4D4C-B5F7-91809A55AE19}"/>
+                <a16:creationId xmlns:a16="http://schemas.microsoft.com/office/drawing/2014/main" id="{F9703591-E81D-4337-BBA5-2541C7EB49C3}"/>
               </a:ext>
             </a:extLst>
           </p:cNvPr>
-          <p:cNvSpPr>
-            <a:spLocks noGrp="1"/>
-          </p:cNvSpPr>
-          <p:nvPr>
-            <p:ph idx="1"/>
-          </p:nvPr>
-        </p:nvSpPr>
-        <p:spPr/>
-        <p:txBody>
-          <a:bodyPr/>
-          <a:lstStyle/>
-          <a:p>
-            <a:r>
-              <a:rPr lang="en-US" dirty="0"/>
-              <a:t>Created SQL database using </a:t>
-            </a:r>
-            <a:r>
-              <a:rPr lang="en-US" dirty="0" err="1"/>
-              <a:t>PGAdmin</a:t>
-            </a:r>
-            <a:endParaRPr lang="en-US" dirty="0"/>
-          </a:p>
-          <a:p>
-            <a:r>
-              <a:rPr lang="en-US" dirty="0"/>
-              <a:t>Created table</a:t>
-            </a:r>
-          </a:p>
-          <a:p>
-            <a:r>
-              <a:rPr lang="en-US" dirty="0"/>
-              <a:t>Imported data frame CSV into table</a:t>
-            </a:r>
-          </a:p>
-        </p:txBody>
-      </p:sp>
+          <p:cNvPicPr>
+            <a:picLocks noChangeAspect="1"/>
+          </p:cNvPicPr>
+          <p:nvPr/>
+        </p:nvPicPr>
+        <p:blipFill rotWithShape="1">
+          <a:blip r:embed="rId4"/>
+          <a:srcRect b="34497"/>
+          <a:stretch/>
+        </p:blipFill>
+        <p:spPr>
+          <a:xfrm>
+            <a:off x="324973" y="2990466"/>
+            <a:ext cx="6257809" cy="3440352"/>
+          </a:xfrm>
+          <a:prstGeom prst="rect">
+            <a:avLst/>
+          </a:prstGeom>
+        </p:spPr>
+      </p:pic>
     </p:spTree>
     <p:extLst>
       <p:ext uri="{BB962C8B-B14F-4D97-AF65-F5344CB8AC3E}">
-        <p14:creationId xmlns:p14="http://schemas.microsoft.com/office/powerpoint/2010/main" val="2794696610"/>
+        <p14:creationId xmlns:p14="http://schemas.microsoft.com/office/powerpoint/2010/main" val="1829544758"/>
       </p:ext>
     </p:extLst>
   </p:cSld>
@@ -8519,8 +9396,8 @@
           </a:stretch>
         </p:blipFill>
         <p:spPr>
-          <a:xfrm flipH="1">
-            <a:off x="11151654" y="5982226"/>
+          <a:xfrm>
+            <a:off x="11775624" y="6635199"/>
             <a:ext cx="231181" cy="222801"/>
           </a:xfrm>
           <a:prstGeom prst="rect">
@@ -8550,7 +9427,7 @@
         </p:blipFill>
         <p:spPr>
           <a:xfrm>
-            <a:off x="11151654" y="5823991"/>
+            <a:off x="11081120" y="5823991"/>
             <a:ext cx="1066145" cy="1063705"/>
           </a:xfrm>
           <a:prstGeom prst="rect">
@@ -8588,7 +9465,7 @@
             </a:br>
             <a:r>
               <a:rPr lang="en-US" dirty="0"/>
-              <a:t>Step 5 </a:t>
+              <a:t>Step 4 </a:t>
             </a:r>
           </a:p>
         </p:txBody>
@@ -8609,34 +9486,74 @@
             <p:ph idx="1"/>
           </p:nvPr>
         </p:nvSpPr>
-        <p:spPr/>
+        <p:spPr>
+          <a:xfrm>
+            <a:off x="685800" y="1799866"/>
+            <a:ext cx="10820400" cy="4024125"/>
+          </a:xfrm>
+        </p:spPr>
         <p:txBody>
           <a:bodyPr/>
           <a:lstStyle/>
           <a:p>
             <a:r>
               <a:rPr lang="en-US" dirty="0"/>
-              <a:t>Created python flask-powered API to communicate with our SQL database</a:t>
-            </a:r>
+              <a:t>Created SQL database using </a:t>
+            </a:r>
+            <a:r>
+              <a:rPr lang="en-US" dirty="0" err="1"/>
+              <a:t>PGAdmin</a:t>
+            </a:r>
+            <a:endParaRPr lang="en-US" dirty="0"/>
           </a:p>
           <a:p>
             <a:r>
               <a:rPr lang="en-US" dirty="0"/>
-              <a:t>Created routes for each “Type” (Dragon, Fire, Water, etc.)</a:t>
-            </a:r>
-          </a:p>
-          <a:p>
-            <a:r>
-              <a:rPr lang="en-US" sz="2400" dirty="0"/>
-              <a:t>Each route brought in all the Pokémon for that type, as well as their stats</a:t>
-            </a:r>
-          </a:p>
-        </p:txBody>
-      </p:sp>
+              <a:t>Created table</a:t>
+            </a:r>
+          </a:p>
+          <a:p>
+            <a:r>
+              <a:rPr lang="en-US" dirty="0"/>
+              <a:t>Imported data frame CSV into table</a:t>
+            </a:r>
+          </a:p>
+        </p:txBody>
+      </p:sp>
+      <p:pic>
+        <p:nvPicPr>
+          <p:cNvPr id="6" name="Picture 5">
+            <a:extLst>
+              <a:ext uri="{FF2B5EF4-FFF2-40B4-BE49-F238E27FC236}">
+                <a16:creationId xmlns:a16="http://schemas.microsoft.com/office/drawing/2014/main" id="{5535391E-A0E6-45BF-B515-38D1B91A8ABC}"/>
+              </a:ext>
+            </a:extLst>
+          </p:cNvPr>
+          <p:cNvPicPr>
+            <a:picLocks noChangeAspect="1"/>
+          </p:cNvPicPr>
+          <p:nvPr/>
+        </p:nvPicPr>
+        <p:blipFill>
+          <a:blip r:embed="rId4"/>
+          <a:stretch>
+            <a:fillRect/>
+          </a:stretch>
+        </p:blipFill>
+        <p:spPr>
+          <a:xfrm>
+            <a:off x="2120953" y="3267451"/>
+            <a:ext cx="7950093" cy="3367748"/>
+          </a:xfrm>
+          <a:prstGeom prst="rect">
+            <a:avLst/>
+          </a:prstGeom>
+        </p:spPr>
+      </p:pic>
     </p:spTree>
     <p:extLst>
       <p:ext uri="{BB962C8B-B14F-4D97-AF65-F5344CB8AC3E}">
-        <p14:creationId xmlns:p14="http://schemas.microsoft.com/office/powerpoint/2010/main" val="237005105"/>
+        <p14:creationId xmlns:p14="http://schemas.microsoft.com/office/powerpoint/2010/main" val="2794696610"/>
       </p:ext>
     </p:extLst>
   </p:cSld>
@@ -8693,8 +9610,8 @@
           </a:stretch>
         </p:blipFill>
         <p:spPr>
-          <a:xfrm>
-            <a:off x="11923681" y="6625479"/>
+          <a:xfrm flipH="1">
+            <a:off x="11151654" y="5982226"/>
             <a:ext cx="231181" cy="222801"/>
           </a:xfrm>
           <a:prstGeom prst="rect">
@@ -8724,7 +9641,7 @@
         </p:blipFill>
         <p:spPr>
           <a:xfrm>
-            <a:off x="11142677" y="5823991"/>
+            <a:off x="11151654" y="5823991"/>
             <a:ext cx="1066145" cy="1063705"/>
           </a:xfrm>
           <a:prstGeom prst="rect">
@@ -8748,7 +9665,12 @@
             <p:ph type="title"/>
           </p:nvPr>
         </p:nvSpPr>
-        <p:spPr/>
+        <p:spPr>
+          <a:xfrm>
+            <a:off x="3074126" y="538231"/>
+            <a:ext cx="8610600" cy="1293028"/>
+          </a:xfrm>
+        </p:spPr>
         <p:txBody>
           <a:bodyPr/>
           <a:lstStyle/>
@@ -8762,7 +9684,7 @@
             </a:br>
             <a:r>
               <a:rPr lang="en-US" dirty="0"/>
-              <a:t>Step 6 </a:t>
+              <a:t>Step 5 </a:t>
             </a:r>
           </a:p>
         </p:txBody>
@@ -8783,54 +9705,129 @@
             <p:ph idx="1"/>
           </p:nvPr>
         </p:nvSpPr>
-        <p:spPr/>
+        <p:spPr>
+          <a:xfrm>
+            <a:off x="331254" y="1892653"/>
+            <a:ext cx="10820400" cy="4024125"/>
+          </a:xfrm>
+        </p:spPr>
         <p:txBody>
           <a:bodyPr/>
           <a:lstStyle/>
           <a:p>
             <a:r>
               <a:rPr lang="en-US" dirty="0"/>
-              <a:t>Created HTML file to lay out page</a:t>
+              <a:t>Created python flask-powered API to communicate with our SQL database</a:t>
             </a:r>
           </a:p>
           <a:p>
             <a:r>
               <a:rPr lang="en-US" dirty="0"/>
-              <a:t>Created CSS file to style </a:t>
-            </a:r>
-          </a:p>
-          <a:p>
-            <a:r>
-              <a:rPr lang="en-US" dirty="0"/>
-              <a:t>Created </a:t>
-            </a:r>
-            <a:r>
-              <a:rPr lang="en-US" dirty="0" err="1"/>
-              <a:t>JavaSript</a:t>
-            </a:r>
-            <a:r>
-              <a:rPr lang="en-US" dirty="0"/>
-              <a:t> file to visualize the data</a:t>
-            </a:r>
-          </a:p>
-          <a:p>
-            <a:pPr lvl="1"/>
-            <a:r>
-              <a:rPr lang="en-US" dirty="0"/>
-              <a:t>Used D3 &amp; </a:t>
-            </a:r>
-            <a:r>
-              <a:rPr lang="en-US" dirty="0" err="1"/>
-              <a:t>Plotly</a:t>
-            </a:r>
-            <a:endParaRPr lang="en-US" dirty="0"/>
-          </a:p>
-        </p:txBody>
-      </p:sp>
+              <a:t>Created routes for each “Type” (Dragon, Fire, Water, etc.)</a:t>
+            </a:r>
+          </a:p>
+          <a:p>
+            <a:r>
+              <a:rPr lang="en-US" sz="2400" dirty="0"/>
+              <a:t>Each route brought in all the Pokémon for that type, as well as their stats</a:t>
+            </a:r>
+          </a:p>
+        </p:txBody>
+      </p:sp>
+      <p:pic>
+        <p:nvPicPr>
+          <p:cNvPr id="6" name="Picture 5">
+            <a:extLst>
+              <a:ext uri="{FF2B5EF4-FFF2-40B4-BE49-F238E27FC236}">
+                <a16:creationId xmlns:a16="http://schemas.microsoft.com/office/drawing/2014/main" id="{18CE7359-C5CD-47D5-A5D2-359232D39928}"/>
+              </a:ext>
+            </a:extLst>
+          </p:cNvPr>
+          <p:cNvPicPr>
+            <a:picLocks noChangeAspect="1"/>
+          </p:cNvPicPr>
+          <p:nvPr/>
+        </p:nvPicPr>
+        <p:blipFill>
+          <a:blip r:embed="rId4"/>
+          <a:stretch>
+            <a:fillRect/>
+          </a:stretch>
+        </p:blipFill>
+        <p:spPr>
+          <a:xfrm>
+            <a:off x="331254" y="3519947"/>
+            <a:ext cx="4188318" cy="3006297"/>
+          </a:xfrm>
+          <a:prstGeom prst="rect">
+            <a:avLst/>
+          </a:prstGeom>
+        </p:spPr>
+      </p:pic>
+      <p:pic>
+        <p:nvPicPr>
+          <p:cNvPr id="8" name="Picture 7">
+            <a:extLst>
+              <a:ext uri="{FF2B5EF4-FFF2-40B4-BE49-F238E27FC236}">
+                <a16:creationId xmlns:a16="http://schemas.microsoft.com/office/drawing/2014/main" id="{85B25F97-FF78-4A6A-B9FE-7C17F9E2B099}"/>
+              </a:ext>
+            </a:extLst>
+          </p:cNvPr>
+          <p:cNvPicPr>
+            <a:picLocks noChangeAspect="1"/>
+          </p:cNvPicPr>
+          <p:nvPr/>
+        </p:nvPicPr>
+        <p:blipFill>
+          <a:blip r:embed="rId5"/>
+          <a:stretch>
+            <a:fillRect/>
+          </a:stretch>
+        </p:blipFill>
+        <p:spPr>
+          <a:xfrm>
+            <a:off x="4732619" y="3519947"/>
+            <a:ext cx="2548287" cy="3006297"/>
+          </a:xfrm>
+          <a:prstGeom prst="rect">
+            <a:avLst/>
+          </a:prstGeom>
+        </p:spPr>
+      </p:pic>
+      <p:pic>
+        <p:nvPicPr>
+          <p:cNvPr id="11" name="Picture 10">
+            <a:extLst>
+              <a:ext uri="{FF2B5EF4-FFF2-40B4-BE49-F238E27FC236}">
+                <a16:creationId xmlns:a16="http://schemas.microsoft.com/office/drawing/2014/main" id="{B460865C-3986-498C-ACB4-10F098695C62}"/>
+              </a:ext>
+            </a:extLst>
+          </p:cNvPr>
+          <p:cNvPicPr>
+            <a:picLocks noChangeAspect="1"/>
+          </p:cNvPicPr>
+          <p:nvPr/>
+        </p:nvPicPr>
+        <p:blipFill>
+          <a:blip r:embed="rId6"/>
+          <a:stretch>
+            <a:fillRect/>
+          </a:stretch>
+        </p:blipFill>
+        <p:spPr>
+          <a:xfrm>
+            <a:off x="7493953" y="3518076"/>
+            <a:ext cx="3152655" cy="3006296"/>
+          </a:xfrm>
+          <a:prstGeom prst="rect">
+            <a:avLst/>
+          </a:prstGeom>
+        </p:spPr>
+      </p:pic>
     </p:spTree>
     <p:extLst>
       <p:ext uri="{BB962C8B-B14F-4D97-AF65-F5344CB8AC3E}">
-        <p14:creationId xmlns:p14="http://schemas.microsoft.com/office/powerpoint/2010/main" val="426154037"/>
+        <p14:creationId xmlns:p14="http://schemas.microsoft.com/office/powerpoint/2010/main" val="237005105"/>
       </p:ext>
     </p:extLst>
   </p:cSld>
@@ -8888,8 +9885,8 @@
         </p:blipFill>
         <p:spPr>
           <a:xfrm>
-            <a:off x="6829551" y="1033153"/>
-            <a:ext cx="166897" cy="160847"/>
+            <a:off x="11923681" y="6625479"/>
+            <a:ext cx="231181" cy="222801"/>
           </a:xfrm>
           <a:prstGeom prst="rect">
             <a:avLst/>
@@ -8918,7 +9915,7 @@
         </p:blipFill>
         <p:spPr>
           <a:xfrm>
-            <a:off x="11125855" y="5794295"/>
+            <a:off x="11142677" y="5823991"/>
             <a:ext cx="1066145" cy="1063705"/>
           </a:xfrm>
           <a:prstGeom prst="rect">
@@ -8942,7 +9939,12 @@
             <p:ph type="title"/>
           </p:nvPr>
         </p:nvSpPr>
-        <p:spPr/>
+        <p:spPr>
+          <a:xfrm>
+            <a:off x="2895600" y="513911"/>
+            <a:ext cx="8610600" cy="1293028"/>
+          </a:xfrm>
+        </p:spPr>
         <p:txBody>
           <a:bodyPr/>
           <a:lstStyle/>
@@ -8956,7 +9958,7 @@
             </a:br>
             <a:r>
               <a:rPr lang="en-US" dirty="0"/>
-              <a:t>Step 7 </a:t>
+              <a:t>Step 6 </a:t>
             </a:r>
           </a:p>
         </p:txBody>
@@ -8977,34 +9979,137 @@
             <p:ph idx="1"/>
           </p:nvPr>
         </p:nvSpPr>
-        <p:spPr/>
+        <p:spPr>
+          <a:xfrm>
+            <a:off x="685800" y="1673450"/>
+            <a:ext cx="10820400" cy="4024125"/>
+          </a:xfrm>
+        </p:spPr>
         <p:txBody>
           <a:bodyPr/>
           <a:lstStyle/>
           <a:p>
             <a:r>
               <a:rPr lang="en-US" dirty="0"/>
-              <a:t>We used a JavaScript library not covered in class: Anime.js</a:t>
+              <a:t>Used HTML to lay out page</a:t>
             </a:r>
           </a:p>
           <a:p>
             <a:r>
               <a:rPr lang="en-US" dirty="0"/>
-              <a:t>This allowed us to create an animation of the title upon loading of the page </a:t>
-            </a:r>
-          </a:p>
-          <a:p>
-            <a:pPr marL="0" indent="0">
-              <a:buNone/>
-            </a:pPr>
-            <a:endParaRPr lang="en-US" dirty="0"/>
-          </a:p>
-        </p:txBody>
-      </p:sp>
+              <a:t>Used CSS to style </a:t>
+            </a:r>
+          </a:p>
+          <a:p>
+            <a:r>
+              <a:rPr lang="en-US" dirty="0"/>
+              <a:t>Used JavaScript, D3, and </a:t>
+            </a:r>
+            <a:r>
+              <a:rPr lang="en-US" dirty="0" err="1"/>
+              <a:t>Plotly</a:t>
+            </a:r>
+            <a:r>
+              <a:rPr lang="en-US" dirty="0"/>
+              <a:t> to visualize the data</a:t>
+            </a:r>
+          </a:p>
+        </p:txBody>
+      </p:sp>
+      <p:pic>
+        <p:nvPicPr>
+          <p:cNvPr id="6" name="Picture 5">
+            <a:extLst>
+              <a:ext uri="{FF2B5EF4-FFF2-40B4-BE49-F238E27FC236}">
+                <a16:creationId xmlns:a16="http://schemas.microsoft.com/office/drawing/2014/main" id="{3FDA5243-7723-4FED-AF09-EA9C55E17378}"/>
+              </a:ext>
+            </a:extLst>
+          </p:cNvPr>
+          <p:cNvPicPr>
+            <a:picLocks noChangeAspect="1"/>
+          </p:cNvPicPr>
+          <p:nvPr/>
+        </p:nvPicPr>
+        <p:blipFill>
+          <a:blip r:embed="rId4"/>
+          <a:stretch>
+            <a:fillRect/>
+          </a:stretch>
+        </p:blipFill>
+        <p:spPr>
+          <a:xfrm>
+            <a:off x="685800" y="3196479"/>
+            <a:ext cx="2891193" cy="3429000"/>
+          </a:xfrm>
+          <a:prstGeom prst="rect">
+            <a:avLst/>
+          </a:prstGeom>
+        </p:spPr>
+      </p:pic>
+      <p:pic>
+        <p:nvPicPr>
+          <p:cNvPr id="8" name="Picture 7">
+            <a:extLst>
+              <a:ext uri="{FF2B5EF4-FFF2-40B4-BE49-F238E27FC236}">
+                <a16:creationId xmlns:a16="http://schemas.microsoft.com/office/drawing/2014/main" id="{4D9E4C8C-52F8-432A-AF6F-8804C5E50B02}"/>
+              </a:ext>
+            </a:extLst>
+          </p:cNvPr>
+          <p:cNvPicPr>
+            <a:picLocks noChangeAspect="1"/>
+          </p:cNvPicPr>
+          <p:nvPr/>
+        </p:nvPicPr>
+        <p:blipFill>
+          <a:blip r:embed="rId5"/>
+          <a:stretch>
+            <a:fillRect/>
+          </a:stretch>
+        </p:blipFill>
+        <p:spPr>
+          <a:xfrm>
+            <a:off x="4228462" y="3196478"/>
+            <a:ext cx="2155837" cy="3429000"/>
+          </a:xfrm>
+          <a:prstGeom prst="rect">
+            <a:avLst/>
+          </a:prstGeom>
+        </p:spPr>
+      </p:pic>
+      <p:pic>
+        <p:nvPicPr>
+          <p:cNvPr id="11" name="Picture 10">
+            <a:extLst>
+              <a:ext uri="{FF2B5EF4-FFF2-40B4-BE49-F238E27FC236}">
+                <a16:creationId xmlns:a16="http://schemas.microsoft.com/office/drawing/2014/main" id="{350E46B0-087F-45DE-A096-DE0EE8C67727}"/>
+              </a:ext>
+            </a:extLst>
+          </p:cNvPr>
+          <p:cNvPicPr>
+            <a:picLocks noChangeAspect="1"/>
+          </p:cNvPicPr>
+          <p:nvPr/>
+        </p:nvPicPr>
+        <p:blipFill>
+          <a:blip r:embed="rId6"/>
+          <a:stretch>
+            <a:fillRect/>
+          </a:stretch>
+        </p:blipFill>
+        <p:spPr>
+          <a:xfrm>
+            <a:off x="7035768" y="3196478"/>
+            <a:ext cx="3277163" cy="3429001"/>
+          </a:xfrm>
+          <a:prstGeom prst="rect">
+            <a:avLst/>
+          </a:prstGeom>
+        </p:spPr>
+      </p:pic>
     </p:spTree>
     <p:extLst>
       <p:ext uri="{BB962C8B-B14F-4D97-AF65-F5344CB8AC3E}">
-        <p14:creationId xmlns:p14="http://schemas.microsoft.com/office/powerpoint/2010/main" val="949181976"/>
+        <p14:creationId xmlns:p14="http://schemas.microsoft.com/office/powerpoint/2010/main" val="426154037"/>
       </p:ext>
     </p:extLst>
   </p:cSld>

--- a/Presentation 2.pptx
+++ b/Presentation 2.pptx
@@ -137,7 +137,7 @@
   <pc:docChgLst>
     <pc:chgData name="Daniel Buescher" userId="be4f4dfaf1c4f0c1" providerId="LiveId" clId="{95EEA666-69A3-4711-8A24-78F8FF8B7B8F}"/>
     <pc:docChg chg="undo redo custSel modSld">
-      <pc:chgData name="Daniel Buescher" userId="be4f4dfaf1c4f0c1" providerId="LiveId" clId="{95EEA666-69A3-4711-8A24-78F8FF8B7B8F}" dt="2021-05-25T00:38:17.191" v="2215" actId="1076"/>
+      <pc:chgData name="Daniel Buescher" userId="be4f4dfaf1c4f0c1" providerId="LiveId" clId="{95EEA666-69A3-4711-8A24-78F8FF8B7B8F}" dt="2021-05-25T18:34:46.718" v="2251" actId="1076"/>
       <pc:docMkLst>
         <pc:docMk/>
       </pc:docMkLst>
@@ -268,7 +268,7 @@
         </pc:picChg>
       </pc:sldChg>
       <pc:sldChg chg="addSp delSp modSp mod modTransition">
-        <pc:chgData name="Daniel Buescher" userId="be4f4dfaf1c4f0c1" providerId="LiveId" clId="{95EEA666-69A3-4711-8A24-78F8FF8B7B8F}" dt="2021-05-21T23:54:43.254" v="2157" actId="478"/>
+        <pc:chgData name="Daniel Buescher" userId="be4f4dfaf1c4f0c1" providerId="LiveId" clId="{95EEA666-69A3-4711-8A24-78F8FF8B7B8F}" dt="2021-05-25T18:33:08.055" v="2223" actId="1076"/>
         <pc:sldMkLst>
           <pc:docMk/>
           <pc:sldMk cId="3319003307" sldId="258"/>
@@ -290,7 +290,7 @@
           </ac:spMkLst>
         </pc:spChg>
         <pc:picChg chg="add mod">
-          <ac:chgData name="Daniel Buescher" userId="be4f4dfaf1c4f0c1" providerId="LiveId" clId="{95EEA666-69A3-4711-8A24-78F8FF8B7B8F}" dt="2021-05-21T23:49:33.682" v="2092" actId="14100"/>
+          <ac:chgData name="Daniel Buescher" userId="be4f4dfaf1c4f0c1" providerId="LiveId" clId="{95EEA666-69A3-4711-8A24-78F8FF8B7B8F}" dt="2021-05-25T18:33:08.055" v="2223" actId="1076"/>
           <ac:picMkLst>
             <pc:docMk/>
             <pc:sldMk cId="3319003307" sldId="258"/>
@@ -322,7 +322,7 @@
           </ac:picMkLst>
         </pc:picChg>
         <pc:picChg chg="add mod ord">
-          <ac:chgData name="Daniel Buescher" userId="be4f4dfaf1c4f0c1" providerId="LiveId" clId="{95EEA666-69A3-4711-8A24-78F8FF8B7B8F}" dt="2021-05-21T23:54:40.476" v="2156" actId="167"/>
+          <ac:chgData name="Daniel Buescher" userId="be4f4dfaf1c4f0c1" providerId="LiveId" clId="{95EEA666-69A3-4711-8A24-78F8FF8B7B8F}" dt="2021-05-25T18:33:05.028" v="2222" actId="1076"/>
           <ac:picMkLst>
             <pc:docMk/>
             <pc:sldMk cId="3319003307" sldId="258"/>
@@ -331,7 +331,7 @@
         </pc:picChg>
       </pc:sldChg>
       <pc:sldChg chg="addSp delSp modSp mod modTransition">
-        <pc:chgData name="Daniel Buescher" userId="be4f4dfaf1c4f0c1" providerId="LiveId" clId="{95EEA666-69A3-4711-8A24-78F8FF8B7B8F}" dt="2021-05-25T00:36:45.066" v="2193" actId="1076"/>
+        <pc:chgData name="Daniel Buescher" userId="be4f4dfaf1c4f0c1" providerId="LiveId" clId="{95EEA666-69A3-4711-8A24-78F8FF8B7B8F}" dt="2021-05-25T18:33:46.609" v="2233" actId="1076"/>
         <pc:sldMkLst>
           <pc:docMk/>
           <pc:sldMk cId="2794696610" sldId="259"/>
@@ -353,7 +353,7 @@
           </ac:spMkLst>
         </pc:spChg>
         <pc:picChg chg="add mod ord">
-          <ac:chgData name="Daniel Buescher" userId="be4f4dfaf1c4f0c1" providerId="LiveId" clId="{95EEA666-69A3-4711-8A24-78F8FF8B7B8F}" dt="2021-05-25T00:36:41.404" v="2192" actId="1076"/>
+          <ac:chgData name="Daniel Buescher" userId="be4f4dfaf1c4f0c1" providerId="LiveId" clId="{95EEA666-69A3-4711-8A24-78F8FF8B7B8F}" dt="2021-05-25T18:33:44.403" v="2232" actId="1076"/>
           <ac:picMkLst>
             <pc:docMk/>
             <pc:sldMk cId="2794696610" sldId="259"/>
@@ -385,7 +385,7 @@
           </ac:picMkLst>
         </pc:picChg>
         <pc:picChg chg="add mod ord">
-          <ac:chgData name="Daniel Buescher" userId="be4f4dfaf1c4f0c1" providerId="LiveId" clId="{95EEA666-69A3-4711-8A24-78F8FF8B7B8F}" dt="2021-05-25T00:36:45.066" v="2193" actId="1076"/>
+          <ac:chgData name="Daniel Buescher" userId="be4f4dfaf1c4f0c1" providerId="LiveId" clId="{95EEA666-69A3-4711-8A24-78F8FF8B7B8F}" dt="2021-05-25T18:33:46.609" v="2233" actId="1076"/>
           <ac:picMkLst>
             <pc:docMk/>
             <pc:sldMk cId="2794696610" sldId="259"/>
@@ -513,7 +513,7 @@
         </pc:picChg>
       </pc:sldChg>
       <pc:sldChg chg="modSp mod">
-        <pc:chgData name="Daniel Buescher" userId="be4f4dfaf1c4f0c1" providerId="LiveId" clId="{95EEA666-69A3-4711-8A24-78F8FF8B7B8F}" dt="2021-05-25T00:37:16.177" v="2199" actId="1076"/>
+        <pc:chgData name="Daniel Buescher" userId="be4f4dfaf1c4f0c1" providerId="LiveId" clId="{95EEA666-69A3-4711-8A24-78F8FF8B7B8F}" dt="2021-05-25T18:33:20.361" v="2227" actId="1076"/>
         <pc:sldMkLst>
           <pc:docMk/>
           <pc:sldMk cId="2590858031" sldId="261"/>
@@ -527,7 +527,7 @@
           </ac:spMkLst>
         </pc:spChg>
         <pc:picChg chg="mod">
-          <ac:chgData name="Daniel Buescher" userId="be4f4dfaf1c4f0c1" providerId="LiveId" clId="{95EEA666-69A3-4711-8A24-78F8FF8B7B8F}" dt="2021-05-25T00:37:16.177" v="2199" actId="1076"/>
+          <ac:chgData name="Daniel Buescher" userId="be4f4dfaf1c4f0c1" providerId="LiveId" clId="{95EEA666-69A3-4711-8A24-78F8FF8B7B8F}" dt="2021-05-25T18:33:17.626" v="2226" actId="1076"/>
           <ac:picMkLst>
             <pc:docMk/>
             <pc:sldMk cId="2590858031" sldId="261"/>
@@ -535,7 +535,7 @@
           </ac:picMkLst>
         </pc:picChg>
         <pc:picChg chg="mod">
-          <ac:chgData name="Daniel Buescher" userId="be4f4dfaf1c4f0c1" providerId="LiveId" clId="{95EEA666-69A3-4711-8A24-78F8FF8B7B8F}" dt="2021-05-25T00:35:51.813" v="2181" actId="1076"/>
+          <ac:chgData name="Daniel Buescher" userId="be4f4dfaf1c4f0c1" providerId="LiveId" clId="{95EEA666-69A3-4711-8A24-78F8FF8B7B8F}" dt="2021-05-25T18:33:20.361" v="2227" actId="1076"/>
           <ac:picMkLst>
             <pc:docMk/>
             <pc:sldMk cId="2590858031" sldId="261"/>
@@ -544,13 +544,21 @@
         </pc:picChg>
       </pc:sldChg>
       <pc:sldChg chg="modSp mod">
-        <pc:chgData name="Daniel Buescher" userId="be4f4dfaf1c4f0c1" providerId="LiveId" clId="{95EEA666-69A3-4711-8A24-78F8FF8B7B8F}" dt="2021-05-25T00:37:00.684" v="2198" actId="1076"/>
+        <pc:chgData name="Daniel Buescher" userId="be4f4dfaf1c4f0c1" providerId="LiveId" clId="{95EEA666-69A3-4711-8A24-78F8FF8B7B8F}" dt="2021-05-25T18:34:46.718" v="2251" actId="1076"/>
         <pc:sldMkLst>
           <pc:docMk/>
           <pc:sldMk cId="237005105" sldId="262"/>
         </pc:sldMkLst>
+        <pc:spChg chg="mod">
+          <ac:chgData name="Daniel Buescher" userId="be4f4dfaf1c4f0c1" providerId="LiveId" clId="{95EEA666-69A3-4711-8A24-78F8FF8B7B8F}" dt="2021-05-25T18:34:42.973" v="2250" actId="1076"/>
+          <ac:spMkLst>
+            <pc:docMk/>
+            <pc:sldMk cId="237005105" sldId="262"/>
+            <ac:spMk id="2" creationId="{CE1D6688-B20B-4C52-BA61-6976BF236D8D}"/>
+          </ac:spMkLst>
+        </pc:spChg>
         <pc:picChg chg="mod">
-          <ac:chgData name="Daniel Buescher" userId="be4f4dfaf1c4f0c1" providerId="LiveId" clId="{95EEA666-69A3-4711-8A24-78F8FF8B7B8F}" dt="2021-05-25T00:36:53.499" v="2196" actId="1076"/>
+          <ac:chgData name="Daniel Buescher" userId="be4f4dfaf1c4f0c1" providerId="LiveId" clId="{95EEA666-69A3-4711-8A24-78F8FF8B7B8F}" dt="2021-05-25T18:34:11.947" v="2241" actId="1076"/>
           <ac:picMkLst>
             <pc:docMk/>
             <pc:sldMk cId="237005105" sldId="262"/>
@@ -558,7 +566,7 @@
           </ac:picMkLst>
         </pc:picChg>
         <pc:picChg chg="mod ord">
-          <ac:chgData name="Daniel Buescher" userId="be4f4dfaf1c4f0c1" providerId="LiveId" clId="{95EEA666-69A3-4711-8A24-78F8FF8B7B8F}" dt="2021-05-25T00:37:00.684" v="2198" actId="1076"/>
+          <ac:chgData name="Daniel Buescher" userId="be4f4dfaf1c4f0c1" providerId="LiveId" clId="{95EEA666-69A3-4711-8A24-78F8FF8B7B8F}" dt="2021-05-25T18:34:46.718" v="2251" actId="1076"/>
           <ac:picMkLst>
             <pc:docMk/>
             <pc:sldMk cId="237005105" sldId="262"/>
@@ -590,13 +598,13 @@
         </pc:picChg>
       </pc:sldChg>
       <pc:sldChg chg="modSp mod">
-        <pc:chgData name="Daniel Buescher" userId="be4f4dfaf1c4f0c1" providerId="LiveId" clId="{95EEA666-69A3-4711-8A24-78F8FF8B7B8F}" dt="2021-05-25T00:38:17.191" v="2215" actId="1076"/>
+        <pc:chgData name="Daniel Buescher" userId="be4f4dfaf1c4f0c1" providerId="LiveId" clId="{95EEA666-69A3-4711-8A24-78F8FF8B7B8F}" dt="2021-05-25T18:34:27.473" v="2245" actId="1076"/>
         <pc:sldMkLst>
           <pc:docMk/>
           <pc:sldMk cId="949181976" sldId="265"/>
         </pc:sldMkLst>
         <pc:spChg chg="mod">
-          <ac:chgData name="Daniel Buescher" userId="be4f4dfaf1c4f0c1" providerId="LiveId" clId="{95EEA666-69A3-4711-8A24-78F8FF8B7B8F}" dt="2021-05-25T00:38:06.072" v="2211" actId="14100"/>
+          <ac:chgData name="Daniel Buescher" userId="be4f4dfaf1c4f0c1" providerId="LiveId" clId="{95EEA666-69A3-4711-8A24-78F8FF8B7B8F}" dt="2021-05-25T18:34:24.233" v="2244" actId="1076"/>
           <ac:spMkLst>
             <pc:docMk/>
             <pc:sldMk cId="949181976" sldId="265"/>
@@ -612,7 +620,7 @@
           </ac:picMkLst>
         </pc:picChg>
         <pc:picChg chg="mod ord">
-          <ac:chgData name="Daniel Buescher" userId="be4f4dfaf1c4f0c1" providerId="LiveId" clId="{95EEA666-69A3-4711-8A24-78F8FF8B7B8F}" dt="2021-05-25T00:38:12.701" v="2214" actId="167"/>
+          <ac:chgData name="Daniel Buescher" userId="be4f4dfaf1c4f0c1" providerId="LiveId" clId="{95EEA666-69A3-4711-8A24-78F8FF8B7B8F}" dt="2021-05-25T18:34:27.473" v="2245" actId="1076"/>
           <ac:picMkLst>
             <pc:docMk/>
             <pc:sldMk cId="949181976" sldId="265"/>
@@ -621,13 +629,13 @@
         </pc:picChg>
       </pc:sldChg>
       <pc:sldChg chg="modSp mod">
-        <pc:chgData name="Daniel Buescher" userId="be4f4dfaf1c4f0c1" providerId="LiveId" clId="{95EEA666-69A3-4711-8A24-78F8FF8B7B8F}" dt="2021-05-25T00:36:13.128" v="2189" actId="1076"/>
+        <pc:chgData name="Daniel Buescher" userId="be4f4dfaf1c4f0c1" providerId="LiveId" clId="{95EEA666-69A3-4711-8A24-78F8FF8B7B8F}" dt="2021-05-25T18:32:56.014" v="2219" actId="1076"/>
         <pc:sldMkLst>
           <pc:docMk/>
           <pc:sldMk cId="3814564333" sldId="268"/>
         </pc:sldMkLst>
         <pc:picChg chg="mod">
-          <ac:chgData name="Daniel Buescher" userId="be4f4dfaf1c4f0c1" providerId="LiveId" clId="{95EEA666-69A3-4711-8A24-78F8FF8B7B8F}" dt="2021-05-25T00:36:00.520" v="2184" actId="1076"/>
+          <ac:chgData name="Daniel Buescher" userId="be4f4dfaf1c4f0c1" providerId="LiveId" clId="{95EEA666-69A3-4711-8A24-78F8FF8B7B8F}" dt="2021-05-25T18:32:56.014" v="2219" actId="1076"/>
           <ac:picMkLst>
             <pc:docMk/>
             <pc:sldMk cId="3814564333" sldId="268"/>
@@ -635,7 +643,7 @@
           </ac:picMkLst>
         </pc:picChg>
         <pc:picChg chg="mod">
-          <ac:chgData name="Daniel Buescher" userId="be4f4dfaf1c4f0c1" providerId="LiveId" clId="{95EEA666-69A3-4711-8A24-78F8FF8B7B8F}" dt="2021-05-25T00:36:13.128" v="2189" actId="1076"/>
+          <ac:chgData name="Daniel Buescher" userId="be4f4dfaf1c4f0c1" providerId="LiveId" clId="{95EEA666-69A3-4711-8A24-78F8FF8B7B8F}" dt="2021-05-25T18:32:53.715" v="2218" actId="1076"/>
           <ac:picMkLst>
             <pc:docMk/>
             <pc:sldMk cId="3814564333" sldId="268"/>
@@ -7082,7 +7090,7 @@
         </p:blipFill>
         <p:spPr>
           <a:xfrm>
-            <a:off x="6829551" y="1033153"/>
+            <a:off x="6996447" y="801730"/>
             <a:ext cx="166897" cy="160847"/>
           </a:xfrm>
           <a:prstGeom prst="rect">
@@ -7138,7 +7146,7 @@
         </p:nvSpPr>
         <p:spPr>
           <a:xfrm>
-            <a:off x="2957743" y="467062"/>
+            <a:off x="3048327" y="477142"/>
             <a:ext cx="8610600" cy="1293028"/>
           </a:xfrm>
         </p:spPr>
@@ -8309,7 +8317,7 @@
         </p:blipFill>
         <p:spPr>
           <a:xfrm>
-            <a:off x="11678874" y="6350624"/>
+            <a:off x="11910055" y="6558442"/>
             <a:ext cx="231181" cy="222801"/>
           </a:xfrm>
           <a:prstGeom prst="rect">
@@ -8452,7 +8460,7 @@
         </p:blipFill>
         <p:spPr>
           <a:xfrm>
-            <a:off x="10973127" y="5647765"/>
+            <a:off x="11193406" y="5903634"/>
             <a:ext cx="979957" cy="977714"/>
           </a:xfrm>
           <a:prstGeom prst="rect">
@@ -8580,7 +8588,7 @@
         </p:blipFill>
         <p:spPr>
           <a:xfrm flipH="1">
-            <a:off x="11346873" y="6574265"/>
+            <a:off x="11299372" y="6585357"/>
             <a:ext cx="224620" cy="216478"/>
           </a:xfrm>
           <a:prstGeom prst="rect">
@@ -8728,7 +8736,7 @@
         </p:blipFill>
         <p:spPr>
           <a:xfrm>
-            <a:off x="11212646" y="5880286"/>
+            <a:off x="11220672" y="5884744"/>
             <a:ext cx="979957" cy="977714"/>
           </a:xfrm>
           <a:prstGeom prst="rect">
@@ -8885,7 +8893,7 @@
         </p:blipFill>
         <p:spPr>
           <a:xfrm>
-            <a:off x="11867027" y="6618801"/>
+            <a:off x="11867027" y="5908866"/>
             <a:ext cx="231181" cy="222801"/>
           </a:xfrm>
           <a:prstGeom prst="rect">
@@ -9016,7 +9024,7 @@
         </p:blipFill>
         <p:spPr>
           <a:xfrm>
-            <a:off x="11212043" y="5880286"/>
+            <a:off x="11224623" y="5880286"/>
             <a:ext cx="979957" cy="977714"/>
           </a:xfrm>
           <a:prstGeom prst="rect">
@@ -9396,9 +9404,9 @@
           </a:stretch>
         </p:blipFill>
         <p:spPr>
-          <a:xfrm>
-            <a:off x="11775624" y="6635199"/>
-            <a:ext cx="231181" cy="222801"/>
+          <a:xfrm flipH="1">
+            <a:off x="11224240" y="5851765"/>
+            <a:ext cx="207590" cy="200065"/>
           </a:xfrm>
           <a:prstGeom prst="rect">
             <a:avLst/>
@@ -9427,7 +9435,7 @@
         </p:blipFill>
         <p:spPr>
           <a:xfrm>
-            <a:off x="11081120" y="5823991"/>
+            <a:off x="11125855" y="5794295"/>
             <a:ext cx="1066145" cy="1063705"/>
           </a:xfrm>
           <a:prstGeom prst="rect">
@@ -9611,8 +9619,8 @@
         </p:blipFill>
         <p:spPr>
           <a:xfrm flipH="1">
-            <a:off x="11151654" y="5982226"/>
-            <a:ext cx="231181" cy="222801"/>
+            <a:off x="11163658" y="1043924"/>
+            <a:ext cx="123948" cy="119455"/>
           </a:xfrm>
           <a:prstGeom prst="rect">
             <a:avLst/>
@@ -9641,7 +9649,7 @@
         </p:blipFill>
         <p:spPr>
           <a:xfrm>
-            <a:off x="11151654" y="5823991"/>
+            <a:off x="11151654" y="5731847"/>
             <a:ext cx="1066145" cy="1063705"/>
           </a:xfrm>
           <a:prstGeom prst="rect">
@@ -9667,7 +9675,7 @@
         </p:nvSpPr>
         <p:spPr>
           <a:xfrm>
-            <a:off x="3074126" y="538231"/>
+            <a:off x="3250627" y="272028"/>
             <a:ext cx="8610600" cy="1293028"/>
           </a:xfrm>
         </p:spPr>
